--- a/doc/Quick Start architecture diagram.pptx
+++ b/doc/Quick Start architecture diagram.pptx
@@ -243,7 +243,7 @@
           <a:p>
             <a:fld id="{5075756A-E1AA-F843-BF52-05C1433C8A91}" type="datetimeFigureOut">
               <a:rPr lang="en-US" smtClean="0"/>
-              <a:t>5/23/2017</a:t>
+              <a:t>12/29/2017</a:t>
             </a:fld>
             <a:endParaRPr lang="en-US"/>
           </a:p>
@@ -413,7 +413,7 @@
           <a:p>
             <a:fld id="{5075756A-E1AA-F843-BF52-05C1433C8A91}" type="datetimeFigureOut">
               <a:rPr lang="en-US" smtClean="0"/>
-              <a:t>5/23/2017</a:t>
+              <a:t>12/29/2017</a:t>
             </a:fld>
             <a:endParaRPr lang="en-US"/>
           </a:p>
@@ -593,7 +593,7 @@
           <a:p>
             <a:fld id="{5075756A-E1AA-F843-BF52-05C1433C8A91}" type="datetimeFigureOut">
               <a:rPr lang="en-US" smtClean="0"/>
-              <a:t>5/23/2017</a:t>
+              <a:t>12/29/2017</a:t>
             </a:fld>
             <a:endParaRPr lang="en-US"/>
           </a:p>
@@ -763,7 +763,7 @@
           <a:p>
             <a:fld id="{5075756A-E1AA-F843-BF52-05C1433C8A91}" type="datetimeFigureOut">
               <a:rPr lang="en-US" smtClean="0"/>
-              <a:t>5/23/2017</a:t>
+              <a:t>12/29/2017</a:t>
             </a:fld>
             <a:endParaRPr lang="en-US"/>
           </a:p>
@@ -1009,7 +1009,7 @@
           <a:p>
             <a:fld id="{5075756A-E1AA-F843-BF52-05C1433C8A91}" type="datetimeFigureOut">
               <a:rPr lang="en-US" smtClean="0"/>
-              <a:t>5/23/2017</a:t>
+              <a:t>12/29/2017</a:t>
             </a:fld>
             <a:endParaRPr lang="en-US"/>
           </a:p>
@@ -1241,7 +1241,7 @@
           <a:p>
             <a:fld id="{5075756A-E1AA-F843-BF52-05C1433C8A91}" type="datetimeFigureOut">
               <a:rPr lang="en-US" smtClean="0"/>
-              <a:t>5/23/2017</a:t>
+              <a:t>12/29/2017</a:t>
             </a:fld>
             <a:endParaRPr lang="en-US"/>
           </a:p>
@@ -1608,7 +1608,7 @@
           <a:p>
             <a:fld id="{5075756A-E1AA-F843-BF52-05C1433C8A91}" type="datetimeFigureOut">
               <a:rPr lang="en-US" smtClean="0"/>
-              <a:t>5/23/2017</a:t>
+              <a:t>12/29/2017</a:t>
             </a:fld>
             <a:endParaRPr lang="en-US"/>
           </a:p>
@@ -1726,7 +1726,7 @@
           <a:p>
             <a:fld id="{5075756A-E1AA-F843-BF52-05C1433C8A91}" type="datetimeFigureOut">
               <a:rPr lang="en-US" smtClean="0"/>
-              <a:t>5/23/2017</a:t>
+              <a:t>12/29/2017</a:t>
             </a:fld>
             <a:endParaRPr lang="en-US"/>
           </a:p>
@@ -1821,7 +1821,7 @@
           <a:p>
             <a:fld id="{5075756A-E1AA-F843-BF52-05C1433C8A91}" type="datetimeFigureOut">
               <a:rPr lang="en-US" smtClean="0"/>
-              <a:t>5/23/2017</a:t>
+              <a:t>12/29/2017</a:t>
             </a:fld>
             <a:endParaRPr lang="en-US"/>
           </a:p>
@@ -2098,7 +2098,7 @@
           <a:p>
             <a:fld id="{5075756A-E1AA-F843-BF52-05C1433C8A91}" type="datetimeFigureOut">
               <a:rPr lang="en-US" smtClean="0"/>
-              <a:t>5/23/2017</a:t>
+              <a:t>12/29/2017</a:t>
             </a:fld>
             <a:endParaRPr lang="en-US"/>
           </a:p>
@@ -2351,7 +2351,7 @@
           <a:p>
             <a:fld id="{5075756A-E1AA-F843-BF52-05C1433C8A91}" type="datetimeFigureOut">
               <a:rPr lang="en-US" smtClean="0"/>
-              <a:t>5/23/2017</a:t>
+              <a:t>12/29/2017</a:t>
             </a:fld>
             <a:endParaRPr lang="en-US"/>
           </a:p>
@@ -2564,7 +2564,7 @@
           <a:p>
             <a:fld id="{5075756A-E1AA-F843-BF52-05C1433C8A91}" type="datetimeFigureOut">
               <a:rPr lang="en-US" smtClean="0"/>
-              <a:t>5/23/2017</a:t>
+              <a:t>12/29/2017</a:t>
             </a:fld>
             <a:endParaRPr lang="en-US"/>
           </a:p>
@@ -2977,10 +2977,10 @@
         </p:nvGrpSpPr>
         <p:grpSpPr>
           <a:xfrm>
-            <a:off x="1871663" y="243293"/>
-            <a:ext cx="9346233" cy="6524300"/>
-            <a:chOff x="1871664" y="243294"/>
-            <a:chExt cx="8676930" cy="6099535"/>
+            <a:off x="1843764" y="289869"/>
+            <a:ext cx="9374132" cy="6496390"/>
+            <a:chOff x="1845763" y="286838"/>
+            <a:chExt cx="8702831" cy="6073442"/>
           </a:xfrm>
         </p:grpSpPr>
         <p:sp>
@@ -2991,8 +2991,8 @@
           </p:nvSpPr>
           <p:spPr>
             <a:xfrm>
-              <a:off x="2173415" y="1029020"/>
-              <a:ext cx="7262816" cy="4759183"/>
+              <a:off x="2173415" y="1029019"/>
+              <a:ext cx="7262816" cy="4866351"/>
             </a:xfrm>
             <a:prstGeom prst="roundRect">
               <a:avLst>
@@ -3057,8 +3057,8 @@
           </p:nvSpPr>
           <p:spPr>
             <a:xfrm>
-              <a:off x="6026151" y="637250"/>
-              <a:ext cx="3131549" cy="5486048"/>
+              <a:off x="6026151" y="645884"/>
+              <a:ext cx="3131549" cy="5538603"/>
             </a:xfrm>
             <a:prstGeom prst="roundRect">
               <a:avLst>
@@ -3123,8 +3123,8 @@
           </p:nvSpPr>
           <p:spPr>
             <a:xfrm>
-              <a:off x="2475166" y="637249"/>
-              <a:ext cx="3131549" cy="5486049"/>
+              <a:off x="2475166" y="645883"/>
+              <a:ext cx="3131549" cy="5538604"/>
             </a:xfrm>
             <a:prstGeom prst="roundRect">
               <a:avLst>
@@ -3189,8 +3189,8 @@
           </p:nvSpPr>
           <p:spPr>
             <a:xfrm>
-              <a:off x="1871664" y="414779"/>
-              <a:ext cx="8676930" cy="5920033"/>
+              <a:off x="1871664" y="414778"/>
+              <a:ext cx="8676930" cy="5928050"/>
             </a:xfrm>
             <a:prstGeom prst="roundRect">
               <a:avLst>
@@ -3253,7 +3253,7 @@
           </p:nvSpPr>
           <p:spPr bwMode="auto">
             <a:xfrm>
-              <a:off x="5064911" y="6098251"/>
+              <a:off x="5076874" y="6115702"/>
               <a:ext cx="1555750" cy="244578"/>
             </a:xfrm>
             <a:prstGeom prst="rect">
@@ -3312,7 +3312,7 @@
           </p:blipFill>
           <p:spPr>
             <a:xfrm>
-              <a:off x="1956504" y="243294"/>
+              <a:off x="1845763" y="286838"/>
               <a:ext cx="603504" cy="393954"/>
             </a:xfrm>
             <a:prstGeom prst="rect">
@@ -3456,8 +3456,8 @@
           </p:nvSpPr>
           <p:spPr>
             <a:xfrm>
-              <a:off x="6281904" y="1431558"/>
-              <a:ext cx="2589798" cy="1856730"/>
+              <a:off x="6281904" y="1392178"/>
+              <a:ext cx="2589798" cy="1914904"/>
             </a:xfrm>
             <a:prstGeom prst="roundRect">
               <a:avLst>
@@ -3614,7 +3614,7 @@
           </p:nvSpPr>
           <p:spPr>
             <a:xfrm>
-              <a:off x="3303337" y="5887101"/>
+              <a:off x="3303337" y="5947544"/>
               <a:ext cx="1429352" cy="130680"/>
             </a:xfrm>
             <a:prstGeom prst="rect">
@@ -3659,7 +3659,7 @@
           </p:nvSpPr>
           <p:spPr>
             <a:xfrm>
-              <a:off x="6989076" y="5888783"/>
+              <a:off x="6989076" y="5949226"/>
               <a:ext cx="1385104" cy="215945"/>
             </a:xfrm>
             <a:prstGeom prst="rect">
@@ -3762,7 +3762,7 @@
         </p:blipFill>
         <p:spPr>
           <a:xfrm>
-            <a:off x="2197401" y="879749"/>
+            <a:off x="2138092" y="989631"/>
             <a:ext cx="548640" cy="358140"/>
           </a:xfrm>
           <a:prstGeom prst="rect">
@@ -3786,7 +3786,7 @@
         </p:blipFill>
         <p:spPr>
           <a:xfrm>
-            <a:off x="2937953" y="3620494"/>
+            <a:off x="2937953" y="3648202"/>
             <a:ext cx="215900" cy="241300"/>
           </a:xfrm>
           <a:prstGeom prst="rect">
@@ -3810,7 +3810,7 @@
         </p:blipFill>
         <p:spPr>
           <a:xfrm>
-            <a:off x="6731815" y="3620494"/>
+            <a:off x="6731815" y="3648202"/>
             <a:ext cx="215900" cy="241300"/>
           </a:xfrm>
           <a:prstGeom prst="rect">
@@ -3834,7 +3834,7 @@
         </p:blipFill>
         <p:spPr>
           <a:xfrm>
-            <a:off x="2937953" y="1343207"/>
+            <a:off x="2937953" y="1352443"/>
             <a:ext cx="215900" cy="241300"/>
           </a:xfrm>
           <a:prstGeom prst="rect">
@@ -3858,7 +3858,7 @@
         </p:blipFill>
         <p:spPr>
           <a:xfrm>
-            <a:off x="6731815" y="1343207"/>
+            <a:off x="6731815" y="1352443"/>
             <a:ext cx="215900" cy="241300"/>
           </a:xfrm>
           <a:prstGeom prst="rect">
@@ -3876,8 +3876,8 @@
         </p:nvSpPr>
         <p:spPr bwMode="auto">
           <a:xfrm>
-            <a:off x="4805536" y="5930774"/>
-            <a:ext cx="2602462" cy="246221"/>
+            <a:off x="4886175" y="5921084"/>
+            <a:ext cx="2602462" cy="329184"/>
           </a:xfrm>
           <a:prstGeom prst="rect">
             <a:avLst/>
@@ -3907,7 +3907,30 @@
                 <a:ea typeface="Verdana" panose="020B0604030504040204" pitchFamily="34" charset="0"/>
                 <a:cs typeface="Verdana" panose="020B0604030504040204" pitchFamily="34" charset="0"/>
               </a:rPr>
-              <a:t>Virtual private cloud 10.0.0.0/16</a:t>
+              <a:t>Virtual private cloud </a:t>
+            </a:r>
+            <a:r>
+              <a:rPr lang="en-US" sz="1000" dirty="0" smtClean="0">
+                <a:latin typeface="Verdana" panose="020B0604030504040204" pitchFamily="34" charset="0"/>
+                <a:ea typeface="Verdana" panose="020B0604030504040204" pitchFamily="34" charset="0"/>
+                <a:cs typeface="Verdana" panose="020B0604030504040204" pitchFamily="34" charset="0"/>
+              </a:rPr>
+              <a:t/>
+            </a:r>
+            <a:br>
+              <a:rPr lang="en-US" sz="1000" dirty="0" smtClean="0">
+                <a:latin typeface="Verdana" panose="020B0604030504040204" pitchFamily="34" charset="0"/>
+                <a:ea typeface="Verdana" panose="020B0604030504040204" pitchFamily="34" charset="0"/>
+                <a:cs typeface="Verdana" panose="020B0604030504040204" pitchFamily="34" charset="0"/>
+              </a:rPr>
+            </a:br>
+            <a:r>
+              <a:rPr lang="en-US" sz="1000" dirty="0" smtClean="0">
+                <a:latin typeface="Verdana" panose="020B0604030504040204" pitchFamily="34" charset="0"/>
+                <a:ea typeface="Verdana" panose="020B0604030504040204" pitchFamily="34" charset="0"/>
+                <a:cs typeface="Verdana" panose="020B0604030504040204" pitchFamily="34" charset="0"/>
+              </a:rPr>
+              <a:t>10.0.0.0/16</a:t>
             </a:r>
             <a:endParaRPr lang="en-US" sz="1000" dirty="0">
               <a:latin typeface="Verdana" panose="020B0604030504040204" pitchFamily="34" charset="0"/>
@@ -4088,7 +4111,7 @@
         </p:nvSpPr>
         <p:spPr>
           <a:xfrm>
-            <a:off x="3137609" y="4687227"/>
+            <a:off x="3137609" y="4871947"/>
             <a:ext cx="1044070" cy="274320"/>
           </a:xfrm>
           <a:prstGeom prst="rect">
@@ -4141,8 +4164,8 @@
         </p:blipFill>
         <p:spPr>
           <a:xfrm>
-            <a:off x="3429000" y="4073489"/>
-            <a:ext cx="544782" cy="564959"/>
+            <a:off x="3429000" y="4258209"/>
+            <a:ext cx="514350" cy="533400"/>
           </a:xfrm>
           <a:prstGeom prst="rect">
             <a:avLst/>
@@ -4171,8 +4194,8 @@
         </p:blipFill>
         <p:spPr>
           <a:xfrm>
-            <a:off x="4523187" y="4073489"/>
-            <a:ext cx="544782" cy="564959"/>
+            <a:off x="4523187" y="4258209"/>
+            <a:ext cx="514350" cy="533400"/>
           </a:xfrm>
           <a:prstGeom prst="rect">
             <a:avLst/>
@@ -4201,8 +4224,8 @@
         </p:blipFill>
         <p:spPr>
           <a:xfrm>
-            <a:off x="7283447" y="4073489"/>
-            <a:ext cx="544782" cy="564959"/>
+            <a:off x="7283447" y="4258209"/>
+            <a:ext cx="514350" cy="533400"/>
           </a:xfrm>
           <a:prstGeom prst="rect">
             <a:avLst/>
@@ -4231,8 +4254,8 @@
         </p:blipFill>
         <p:spPr>
           <a:xfrm>
-            <a:off x="8377634" y="4073489"/>
-            <a:ext cx="544782" cy="564959"/>
+            <a:off x="8377634" y="4258209"/>
+            <a:ext cx="514350" cy="533400"/>
           </a:xfrm>
           <a:prstGeom prst="rect">
             <a:avLst/>
@@ -4767,6 +4790,91 @@
           <a:xfrm>
             <a:off x="5977363" y="1483384"/>
             <a:ext cx="0" cy="1779769"/>
+          </a:xfrm>
+          <a:prstGeom prst="line">
+            <a:avLst/>
+          </a:prstGeom>
+          <a:ln w="19050"/>
+          <a:effectLst>
+            <a:outerShdw blurRad="50800" dist="38100" dir="2700000" algn="ctr" rotWithShape="0">
+              <a:schemeClr val="bg2">
+                <a:lumMod val="50000"/>
+              </a:schemeClr>
+            </a:outerShdw>
+          </a:effectLst>
+        </p:spPr>
+        <p:style>
+          <a:lnRef idx="1">
+            <a:schemeClr val="accent1"/>
+          </a:lnRef>
+          <a:fillRef idx="0">
+            <a:schemeClr val="accent1"/>
+          </a:fillRef>
+          <a:effectRef idx="0">
+            <a:schemeClr val="accent1"/>
+          </a:effectRef>
+          <a:fontRef idx="minor">
+            <a:schemeClr val="tx1"/>
+          </a:fontRef>
+        </p:style>
+      </p:cxnSp>
+      <p:sp>
+        <p:nvSpPr>
+          <p:cNvPr id="90" name="TextBox 89"/>
+          <p:cNvSpPr txBox="1"/>
+          <p:nvPr/>
+        </p:nvSpPr>
+        <p:spPr>
+          <a:xfrm>
+            <a:off x="6986978" y="2605505"/>
+            <a:ext cx="640080" cy="274320"/>
+          </a:xfrm>
+          <a:prstGeom prst="rect">
+            <a:avLst/>
+          </a:prstGeom>
+          <a:noFill/>
+        </p:spPr>
+        <p:txBody>
+          <a:bodyPr wrap="square" lIns="0" tIns="0" rIns="0" bIns="0" rtlCol="0" anchor="t">
+            <a:noAutofit/>
+          </a:bodyPr>
+          <a:lstStyle/>
+          <a:p>
+            <a:pPr algn="ctr"/>
+            <a:r>
+              <a:rPr lang="en-US" sz="1000" b="1" dirty="0">
+                <a:latin typeface="Verdana" panose="020B0604030504040204" pitchFamily="34" charset="0"/>
+                <a:ea typeface="Verdana" panose="020B0604030504040204" pitchFamily="34" charset="0"/>
+                <a:cs typeface="Verdana" panose="020B0604030504040204" pitchFamily="34" charset="0"/>
+              </a:rPr>
+              <a:t>Bastion </a:t>
+            </a:r>
+            <a:r>
+              <a:rPr lang="en-US" sz="1000" b="1" dirty="0" smtClean="0">
+                <a:latin typeface="Verdana" panose="020B0604030504040204" pitchFamily="34" charset="0"/>
+                <a:ea typeface="Verdana" panose="020B0604030504040204" pitchFamily="34" charset="0"/>
+                <a:cs typeface="Verdana" panose="020B0604030504040204" pitchFamily="34" charset="0"/>
+              </a:rPr>
+              <a:t>host</a:t>
+            </a:r>
+            <a:endParaRPr lang="en-US" sz="1000" b="1" dirty="0">
+              <a:latin typeface="Verdana" panose="020B0604030504040204" pitchFamily="34" charset="0"/>
+              <a:ea typeface="Verdana" panose="020B0604030504040204" pitchFamily="34" charset="0"/>
+              <a:cs typeface="Verdana" panose="020B0604030504040204" pitchFamily="34" charset="0"/>
+            </a:endParaRPr>
+          </a:p>
+        </p:txBody>
+      </p:sp>
+      <p:cxnSp>
+        <p:nvCxnSpPr>
+          <p:cNvPr id="95" name="Straight Connector 94"/>
+          <p:cNvCxnSpPr/>
+          <p:nvPr/>
+        </p:nvCxnSpPr>
+        <p:spPr>
+          <a:xfrm>
+            <a:off x="6211399" y="1484526"/>
+            <a:ext cx="0" cy="1778627"/>
           </a:xfrm>
           <a:prstGeom prst="line">
             <a:avLst/>
@@ -4797,14 +4905,14 @@
       </p:cxnSp>
       <p:pic>
         <p:nvPicPr>
-          <p:cNvPr id="89" name="Picture 88"/>
+          <p:cNvPr id="66" name="Picture 65"/>
           <p:cNvPicPr>
             <a:picLocks noChangeAspect="1"/>
           </p:cNvPicPr>
           <p:nvPr/>
         </p:nvPicPr>
         <p:blipFill>
-          <a:blip r:embed="rId10">
+          <a:blip r:embed="rId8">
             <a:extLst>
               <a:ext uri="{28A0092B-C50C-407E-A947-70E740481C1C}">
                 <a14:useLocalDpi xmlns:a14="http://schemas.microsoft.com/office/drawing/2010/main" val="0"/>
@@ -4817,8 +4925,8 @@
         </p:blipFill>
         <p:spPr>
           <a:xfrm>
-            <a:off x="6927413" y="2020824"/>
-            <a:ext cx="544781" cy="575047"/>
+            <a:off x="7077707" y="2062824"/>
+            <a:ext cx="462915" cy="480060"/>
           </a:xfrm>
           <a:prstGeom prst="rect">
             <a:avLst/>
@@ -4827,98 +4935,13 @@
       </p:pic>
       <p:sp>
         <p:nvSpPr>
-          <p:cNvPr id="90" name="TextBox 89"/>
-          <p:cNvSpPr txBox="1"/>
-          <p:nvPr/>
-        </p:nvSpPr>
-        <p:spPr>
-          <a:xfrm>
-            <a:off x="6986978" y="2606040"/>
-            <a:ext cx="640080" cy="274320"/>
-          </a:xfrm>
-          <a:prstGeom prst="rect">
-            <a:avLst/>
-          </a:prstGeom>
-          <a:noFill/>
-        </p:spPr>
-        <p:txBody>
-          <a:bodyPr wrap="square" lIns="0" tIns="0" rIns="0" bIns="0" rtlCol="0" anchor="t">
-            <a:noAutofit/>
-          </a:bodyPr>
-          <a:lstStyle/>
-          <a:p>
-            <a:pPr algn="ctr"/>
-            <a:r>
-              <a:rPr lang="en-US" sz="1000" b="1" dirty="0">
-                <a:latin typeface="Verdana" panose="020B0604030504040204" pitchFamily="34" charset="0"/>
-                <a:ea typeface="Verdana" panose="020B0604030504040204" pitchFamily="34" charset="0"/>
-                <a:cs typeface="Verdana" panose="020B0604030504040204" pitchFamily="34" charset="0"/>
-              </a:rPr>
-              <a:t>Bastion </a:t>
-            </a:r>
-            <a:r>
-              <a:rPr lang="en-US" sz="1000" b="1" dirty="0" smtClean="0">
-                <a:latin typeface="Verdana" panose="020B0604030504040204" pitchFamily="34" charset="0"/>
-                <a:ea typeface="Verdana" panose="020B0604030504040204" pitchFamily="34" charset="0"/>
-                <a:cs typeface="Verdana" panose="020B0604030504040204" pitchFamily="34" charset="0"/>
-              </a:rPr>
-              <a:t>hosts</a:t>
-            </a:r>
-            <a:endParaRPr lang="en-US" sz="1000" b="1" dirty="0">
-              <a:latin typeface="Verdana" panose="020B0604030504040204" pitchFamily="34" charset="0"/>
-              <a:ea typeface="Verdana" panose="020B0604030504040204" pitchFamily="34" charset="0"/>
-              <a:cs typeface="Verdana" panose="020B0604030504040204" pitchFamily="34" charset="0"/>
-            </a:endParaRPr>
-          </a:p>
-        </p:txBody>
-      </p:sp>
-      <p:cxnSp>
-        <p:nvCxnSpPr>
-          <p:cNvPr id="95" name="Straight Connector 94"/>
-          <p:cNvCxnSpPr/>
-          <p:nvPr/>
-        </p:nvCxnSpPr>
-        <p:spPr>
-          <a:xfrm>
-            <a:off x="6211399" y="1484526"/>
-            <a:ext cx="0" cy="1778627"/>
-          </a:xfrm>
-          <a:prstGeom prst="line">
-            <a:avLst/>
-          </a:prstGeom>
-          <a:ln w="19050"/>
-          <a:effectLst>
-            <a:outerShdw blurRad="50800" dist="38100" dir="2700000" algn="ctr" rotWithShape="0">
-              <a:schemeClr val="bg2">
-                <a:lumMod val="50000"/>
-              </a:schemeClr>
-            </a:outerShdw>
-          </a:effectLst>
-        </p:spPr>
-        <p:style>
-          <a:lnRef idx="1">
-            <a:schemeClr val="accent1"/>
-          </a:lnRef>
-          <a:fillRef idx="0">
-            <a:schemeClr val="accent1"/>
-          </a:fillRef>
-          <a:effectRef idx="0">
-            <a:schemeClr val="accent1"/>
-          </a:effectRef>
-          <a:fontRef idx="minor">
-            <a:schemeClr val="tx1"/>
-          </a:fontRef>
-        </p:style>
-      </p:cxnSp>
-      <p:sp>
-        <p:nvSpPr>
-          <p:cNvPr id="97" name="Rounded Rectangle 96"/>
+          <p:cNvPr id="65" name="Rounded Rectangle 64"/>
           <p:cNvSpPr/>
           <p:nvPr/>
         </p:nvSpPr>
         <p:spPr>
           <a:xfrm>
-            <a:off x="4318819" y="1958742"/>
+            <a:off x="4304706" y="1955506"/>
             <a:ext cx="3462572" cy="998819"/>
           </a:xfrm>
           <a:prstGeom prst="roundRect">
@@ -4931,9 +4954,11 @@
               <a:alpha val="50000"/>
             </a:srgbClr>
           </a:solidFill>
-          <a:ln w="19050">
+          <a:ln w="22225">
             <a:solidFill>
-              <a:schemeClr val="tx1"/>
+              <a:schemeClr val="accent6">
+                <a:lumMod val="75000"/>
+              </a:schemeClr>
             </a:solidFill>
             <a:prstDash val="dashDot"/>
           </a:ln>
@@ -4978,7 +5003,7 @@
         </p:nvSpPr>
         <p:spPr>
           <a:xfrm>
-            <a:off x="4621672" y="2604970"/>
+            <a:off x="4621672" y="2605505"/>
             <a:ext cx="640080" cy="274320"/>
           </a:xfrm>
           <a:prstGeom prst="rect">
@@ -5007,7 +5032,7 @@
                 <a:ea typeface="Verdana" panose="020B0604030504040204" pitchFamily="34" charset="0"/>
                 <a:cs typeface="Verdana" panose="020B0604030504040204" pitchFamily="34" charset="0"/>
               </a:rPr>
-              <a:t>hosts</a:t>
+              <a:t>host</a:t>
             </a:r>
             <a:endParaRPr lang="en-US" sz="1000" b="1" dirty="0">
               <a:latin typeface="Verdana" panose="020B0604030504040204" pitchFamily="34" charset="0"/>
@@ -5025,7 +5050,7 @@
         </p:nvSpPr>
         <p:spPr>
           <a:xfrm>
-            <a:off x="5365659" y="2673484"/>
+            <a:off x="5365659" y="2755503"/>
             <a:ext cx="1476970" cy="190712"/>
           </a:xfrm>
           <a:prstGeom prst="rect">
@@ -5071,37 +5096,7 @@
       </p:sp>
       <p:pic>
         <p:nvPicPr>
-          <p:cNvPr id="87" name="Picture 86"/>
-          <p:cNvPicPr>
-            <a:picLocks noChangeAspect="1"/>
-          </p:cNvPicPr>
-          <p:nvPr/>
-        </p:nvPicPr>
-        <p:blipFill>
-          <a:blip r:embed="rId11">
-            <a:extLst>
-              <a:ext uri="{28A0092B-C50C-407E-A947-70E740481C1C}">
-                <a14:useLocalDpi xmlns:a14="http://schemas.microsoft.com/office/drawing/2010/main" val="0"/>
-              </a:ext>
-            </a:extLst>
-          </a:blip>
-          <a:stretch>
-            <a:fillRect/>
-          </a:stretch>
-        </p:blipFill>
-        <p:spPr>
-          <a:xfrm>
-            <a:off x="5831753" y="2142068"/>
-            <a:ext cx="544781" cy="529649"/>
-          </a:xfrm>
-          <a:prstGeom prst="rect">
-            <a:avLst/>
-          </a:prstGeom>
-        </p:spPr>
-      </p:pic>
-      <p:pic>
-        <p:nvPicPr>
-          <p:cNvPr id="88" name="Picture 87"/>
+          <p:cNvPr id="91" name="Picture 90"/>
           <p:cNvPicPr>
             <a:picLocks noChangeAspect="1"/>
           </p:cNvPicPr>
@@ -5109,36 +5104,6 @@
         </p:nvPicPr>
         <p:blipFill>
           <a:blip r:embed="rId10">
-            <a:extLst>
-              <a:ext uri="{28A0092B-C50C-407E-A947-70E740481C1C}">
-                <a14:useLocalDpi xmlns:a14="http://schemas.microsoft.com/office/drawing/2010/main" val="0"/>
-              </a:ext>
-            </a:extLst>
-          </a:blip>
-          <a:stretch>
-            <a:fillRect/>
-          </a:stretch>
-        </p:blipFill>
-        <p:spPr>
-          <a:xfrm>
-            <a:off x="4586629" y="2020295"/>
-            <a:ext cx="544781" cy="575047"/>
-          </a:xfrm>
-          <a:prstGeom prst="rect">
-            <a:avLst/>
-          </a:prstGeom>
-        </p:spPr>
-      </p:pic>
-      <p:pic>
-        <p:nvPicPr>
-          <p:cNvPr id="91" name="Picture 90"/>
-          <p:cNvPicPr>
-            <a:picLocks noChangeAspect="1"/>
-          </p:cNvPicPr>
-          <p:nvPr/>
-        </p:nvPicPr>
-        <p:blipFill>
-          <a:blip r:embed="rId12">
             <a:extLst>
               <a:ext uri="{28A0092B-C50C-407E-A947-70E740481C1C}">
                 <a14:useLocalDpi xmlns:a14="http://schemas.microsoft.com/office/drawing/2010/main" val="0"/>
@@ -5285,7 +5250,7 @@
         </p:nvSpPr>
         <p:spPr>
           <a:xfrm>
-            <a:off x="4260056" y="4687227"/>
+            <a:off x="4260056" y="4871947"/>
             <a:ext cx="1044070" cy="274320"/>
           </a:xfrm>
           <a:prstGeom prst="rect">
@@ -5324,7 +5289,7 @@
         </p:nvSpPr>
         <p:spPr>
           <a:xfrm>
-            <a:off x="7049620" y="4687227"/>
+            <a:off x="7049620" y="4871947"/>
             <a:ext cx="1044070" cy="274320"/>
           </a:xfrm>
           <a:prstGeom prst="rect">
@@ -5363,7 +5328,7 @@
         </p:nvSpPr>
         <p:spPr>
           <a:xfrm>
-            <a:off x="8181697" y="4687227"/>
+            <a:off x="8181697" y="4871947"/>
             <a:ext cx="1044070" cy="274320"/>
           </a:xfrm>
           <a:prstGeom prst="rect">
@@ -5394,6 +5359,66 @@
           </a:p>
         </p:txBody>
       </p:sp>
+      <p:pic>
+        <p:nvPicPr>
+          <p:cNvPr id="63" name="Picture 62"/>
+          <p:cNvPicPr>
+            <a:picLocks noChangeAspect="1"/>
+          </p:cNvPicPr>
+          <p:nvPr/>
+        </p:nvPicPr>
+        <p:blipFill>
+          <a:blip r:embed="rId8">
+            <a:extLst>
+              <a:ext uri="{28A0092B-C50C-407E-A947-70E740481C1C}">
+                <a14:useLocalDpi xmlns:a14="http://schemas.microsoft.com/office/drawing/2010/main" val="0"/>
+              </a:ext>
+            </a:extLst>
+          </a:blip>
+          <a:stretch>
+            <a:fillRect/>
+          </a:stretch>
+        </p:blipFill>
+        <p:spPr>
+          <a:xfrm>
+            <a:off x="4700004" y="2062824"/>
+            <a:ext cx="462915" cy="480060"/>
+          </a:xfrm>
+          <a:prstGeom prst="rect">
+            <a:avLst/>
+          </a:prstGeom>
+        </p:spPr>
+      </p:pic>
+      <p:pic>
+        <p:nvPicPr>
+          <p:cNvPr id="87" name="Picture 86"/>
+          <p:cNvPicPr>
+            <a:picLocks noChangeAspect="1"/>
+          </p:cNvPicPr>
+          <p:nvPr/>
+        </p:nvPicPr>
+        <p:blipFill>
+          <a:blip r:embed="rId11">
+            <a:extLst>
+              <a:ext uri="{28A0092B-C50C-407E-A947-70E740481C1C}">
+                <a14:useLocalDpi xmlns:a14="http://schemas.microsoft.com/office/drawing/2010/main" val="0"/>
+              </a:ext>
+            </a:extLst>
+          </a:blip>
+          <a:stretch>
+            <a:fillRect/>
+          </a:stretch>
+        </p:blipFill>
+        <p:spPr>
+          <a:xfrm>
+            <a:off x="4144265" y="1784887"/>
+            <a:ext cx="377190" cy="366713"/>
+          </a:xfrm>
+          <a:prstGeom prst="rect">
+            <a:avLst/>
+          </a:prstGeom>
+        </p:spPr>
+      </p:pic>
     </p:spTree>
     <p:extLst>
       <p:ext uri="{BB962C8B-B14F-4D97-AF65-F5344CB8AC3E}">

--- a/doc/Quick Start architecture diagram.pptx
+++ b/doc/Quick Start architecture diagram.pptx
@@ -259,7 +259,7 @@
           <a:p>
             <a:fld id="{6244D3B9-4146-964F-9E7E-473F62F24AD4}" type="datetimeFigureOut">
               <a:rPr lang="en-US" smtClean="0"/>
-              <a:t>11/5/2018</a:t>
+              <a:t>1/1/2019</a:t>
             </a:fld>
             <a:endParaRPr lang="en-US"/>
           </a:p>
@@ -457,7 +457,7 @@
           <a:p>
             <a:fld id="{6244D3B9-4146-964F-9E7E-473F62F24AD4}" type="datetimeFigureOut">
               <a:rPr lang="en-US" smtClean="0"/>
-              <a:t>11/5/2018</a:t>
+              <a:t>1/1/2019</a:t>
             </a:fld>
             <a:endParaRPr lang="en-US"/>
           </a:p>
@@ -665,7 +665,7 @@
           <a:p>
             <a:fld id="{6244D3B9-4146-964F-9E7E-473F62F24AD4}" type="datetimeFigureOut">
               <a:rPr lang="en-US" smtClean="0"/>
-              <a:t>11/5/2018</a:t>
+              <a:t>1/1/2019</a:t>
             </a:fld>
             <a:endParaRPr lang="en-US"/>
           </a:p>
@@ -863,7 +863,7 @@
           <a:p>
             <a:fld id="{6244D3B9-4146-964F-9E7E-473F62F24AD4}" type="datetimeFigureOut">
               <a:rPr lang="en-US" smtClean="0"/>
-              <a:t>11/5/2018</a:t>
+              <a:t>1/1/2019</a:t>
             </a:fld>
             <a:endParaRPr lang="en-US"/>
           </a:p>
@@ -1138,7 +1138,7 @@
           <a:p>
             <a:fld id="{6244D3B9-4146-964F-9E7E-473F62F24AD4}" type="datetimeFigureOut">
               <a:rPr lang="en-US" smtClean="0"/>
-              <a:t>11/5/2018</a:t>
+              <a:t>1/1/2019</a:t>
             </a:fld>
             <a:endParaRPr lang="en-US"/>
           </a:p>
@@ -1403,7 +1403,7 @@
           <a:p>
             <a:fld id="{6244D3B9-4146-964F-9E7E-473F62F24AD4}" type="datetimeFigureOut">
               <a:rPr lang="en-US" smtClean="0"/>
-              <a:t>11/5/2018</a:t>
+              <a:t>1/1/2019</a:t>
             </a:fld>
             <a:endParaRPr lang="en-US"/>
           </a:p>
@@ -1815,7 +1815,7 @@
           <a:p>
             <a:fld id="{6244D3B9-4146-964F-9E7E-473F62F24AD4}" type="datetimeFigureOut">
               <a:rPr lang="en-US" smtClean="0"/>
-              <a:t>11/5/2018</a:t>
+              <a:t>1/1/2019</a:t>
             </a:fld>
             <a:endParaRPr lang="en-US"/>
           </a:p>
@@ -1956,7 +1956,7 @@
           <a:p>
             <a:fld id="{6244D3B9-4146-964F-9E7E-473F62F24AD4}" type="datetimeFigureOut">
               <a:rPr lang="en-US" smtClean="0"/>
-              <a:t>11/5/2018</a:t>
+              <a:t>1/1/2019</a:t>
             </a:fld>
             <a:endParaRPr lang="en-US"/>
           </a:p>
@@ -2069,7 +2069,7 @@
           <a:p>
             <a:fld id="{6244D3B9-4146-964F-9E7E-473F62F24AD4}" type="datetimeFigureOut">
               <a:rPr lang="en-US" smtClean="0"/>
-              <a:t>11/5/2018</a:t>
+              <a:t>1/1/2019</a:t>
             </a:fld>
             <a:endParaRPr lang="en-US"/>
           </a:p>
@@ -2380,7 +2380,7 @@
           <a:p>
             <a:fld id="{6244D3B9-4146-964F-9E7E-473F62F24AD4}" type="datetimeFigureOut">
               <a:rPr lang="en-US" smtClean="0"/>
-              <a:t>11/5/2018</a:t>
+              <a:t>1/1/2019</a:t>
             </a:fld>
             <a:endParaRPr lang="en-US"/>
           </a:p>
@@ -2668,7 +2668,7 @@
           <a:p>
             <a:fld id="{6244D3B9-4146-964F-9E7E-473F62F24AD4}" type="datetimeFigureOut">
               <a:rPr lang="en-US" smtClean="0"/>
-              <a:t>11/5/2018</a:t>
+              <a:t>1/1/2019</a:t>
             </a:fld>
             <a:endParaRPr lang="en-US"/>
           </a:p>
@@ -2909,7 +2909,7 @@
           <a:p>
             <a:fld id="{6244D3B9-4146-964F-9E7E-473F62F24AD4}" type="datetimeFigureOut">
               <a:rPr lang="en-US" smtClean="0"/>
-              <a:t>11/5/2018</a:t>
+              <a:t>1/1/2019</a:t>
             </a:fld>
             <a:endParaRPr lang="en-US"/>
           </a:p>
@@ -4356,13 +4356,14 @@
           </p:cNvPr>
           <p:cNvCxnSpPr>
             <a:cxnSpLocks/>
+            <a:stCxn id="49" idx="3"/>
           </p:cNvCxnSpPr>
           <p:nvPr/>
         </p:nvCxnSpPr>
         <p:spPr>
           <a:xfrm flipV="1">
-            <a:off x="4297527" y="4632698"/>
-            <a:ext cx="1426464" cy="3277"/>
+            <a:off x="4307255" y="4632698"/>
+            <a:ext cx="1373106" cy="0"/>
           </a:xfrm>
           <a:prstGeom prst="straightConnector1">
             <a:avLst/>
@@ -5035,7 +5036,7 @@
         </p:blipFill>
         <p:spPr>
           <a:xfrm>
-            <a:off x="2679191" y="1413927"/>
+            <a:off x="2679191" y="1423655"/>
             <a:ext cx="342900" cy="342900"/>
           </a:xfrm>
           <a:prstGeom prst="rect">
@@ -5071,7 +5072,7 @@
         </p:blipFill>
         <p:spPr>
           <a:xfrm>
-            <a:off x="6586558" y="1409013"/>
+            <a:off x="6586558" y="1418741"/>
             <a:ext cx="342900" cy="342900"/>
           </a:xfrm>
           <a:prstGeom prst="rect">
@@ -5179,7 +5180,7 @@
         </p:blipFill>
         <p:spPr>
           <a:xfrm>
-            <a:off x="2477692" y="596816"/>
+            <a:off x="2469379" y="598231"/>
             <a:ext cx="342900" cy="342900"/>
           </a:xfrm>
           <a:prstGeom prst="rect">
@@ -5215,7 +5216,7 @@
         </p:blipFill>
         <p:spPr>
           <a:xfrm>
-            <a:off x="6402291" y="595366"/>
+            <a:off x="6393978" y="596781"/>
             <a:ext cx="342900" cy="342900"/>
           </a:xfrm>
           <a:prstGeom prst="rect">
@@ -5251,7 +5252,7 @@
         </p:blipFill>
         <p:spPr>
           <a:xfrm>
-            <a:off x="2049666" y="1046332"/>
+            <a:off x="2049666" y="1038019"/>
             <a:ext cx="342900" cy="342900"/>
           </a:xfrm>
           <a:prstGeom prst="rect">
@@ -5287,7 +5288,7 @@
         </p:blipFill>
         <p:spPr>
           <a:xfrm>
-            <a:off x="1752614" y="240272"/>
+            <a:off x="1752614" y="242005"/>
             <a:ext cx="342900" cy="342900"/>
           </a:xfrm>
           <a:prstGeom prst="rect">
@@ -5331,11 +5332,6 @@
               </a:rPr>
               <a:t>10.0.128.0/20</a:t>
             </a:r>
-            <a:endParaRPr lang="en-US" sz="1100" dirty="0">
-              <a:solidFill>
-                <a:srgbClr val="545B64"/>
-              </a:solidFill>
-            </a:endParaRPr>
           </a:p>
         </p:txBody>
       </p:sp>
@@ -5375,11 +5371,6 @@
               </a:rPr>
               <a:t>10.0.144.0/20</a:t>
             </a:r>
-            <a:endParaRPr lang="en-US" sz="1100" dirty="0">
-              <a:solidFill>
-                <a:srgbClr val="545B64"/>
-              </a:solidFill>
-            </a:endParaRPr>
           </a:p>
         </p:txBody>
       </p:sp>
@@ -5463,11 +5454,6 @@
               </a:rPr>
               <a:t>10.0.32.0/19</a:t>
             </a:r>
-            <a:endParaRPr lang="en-US" sz="1100" dirty="0">
-              <a:solidFill>
-                <a:srgbClr val="545B64"/>
-              </a:solidFill>
-            </a:endParaRPr>
           </a:p>
         </p:txBody>
       </p:sp>

--- a/doc/Quick Start architecture diagram.pptx
+++ b/doc/Quick Start architecture diagram.pptx
@@ -5,7 +5,7 @@
     <p:sldMasterId id="2147483648" r:id="rId1"/>
   </p:sldMasterIdLst>
   <p:sldIdLst>
-    <p:sldId id="259" r:id="rId2"/>
+    <p:sldId id="260" r:id="rId2"/>
   </p:sldIdLst>
   <p:sldSz cx="12192000" cy="6858000"/>
   <p:notesSz cx="6858000" cy="9144000"/>
@@ -259,7 +259,7 @@
           <a:p>
             <a:fld id="{6244D3B9-4146-964F-9E7E-473F62F24AD4}" type="datetimeFigureOut">
               <a:rPr lang="en-US" smtClean="0"/>
-              <a:t>1/1/2019</a:t>
+              <a:t>2/12/2019</a:t>
             </a:fld>
             <a:endParaRPr lang="en-US"/>
           </a:p>
@@ -457,7 +457,7 @@
           <a:p>
             <a:fld id="{6244D3B9-4146-964F-9E7E-473F62F24AD4}" type="datetimeFigureOut">
               <a:rPr lang="en-US" smtClean="0"/>
-              <a:t>1/1/2019</a:t>
+              <a:t>2/12/2019</a:t>
             </a:fld>
             <a:endParaRPr lang="en-US"/>
           </a:p>
@@ -665,7 +665,7 @@
           <a:p>
             <a:fld id="{6244D3B9-4146-964F-9E7E-473F62F24AD4}" type="datetimeFigureOut">
               <a:rPr lang="en-US" smtClean="0"/>
-              <a:t>1/1/2019</a:t>
+              <a:t>2/12/2019</a:t>
             </a:fld>
             <a:endParaRPr lang="en-US"/>
           </a:p>
@@ -863,7 +863,7 @@
           <a:p>
             <a:fld id="{6244D3B9-4146-964F-9E7E-473F62F24AD4}" type="datetimeFigureOut">
               <a:rPr lang="en-US" smtClean="0"/>
-              <a:t>1/1/2019</a:t>
+              <a:t>2/12/2019</a:t>
             </a:fld>
             <a:endParaRPr lang="en-US"/>
           </a:p>
@@ -1138,7 +1138,7 @@
           <a:p>
             <a:fld id="{6244D3B9-4146-964F-9E7E-473F62F24AD4}" type="datetimeFigureOut">
               <a:rPr lang="en-US" smtClean="0"/>
-              <a:t>1/1/2019</a:t>
+              <a:t>2/12/2019</a:t>
             </a:fld>
             <a:endParaRPr lang="en-US"/>
           </a:p>
@@ -1403,7 +1403,7 @@
           <a:p>
             <a:fld id="{6244D3B9-4146-964F-9E7E-473F62F24AD4}" type="datetimeFigureOut">
               <a:rPr lang="en-US" smtClean="0"/>
-              <a:t>1/1/2019</a:t>
+              <a:t>2/12/2019</a:t>
             </a:fld>
             <a:endParaRPr lang="en-US"/>
           </a:p>
@@ -1815,7 +1815,7 @@
           <a:p>
             <a:fld id="{6244D3B9-4146-964F-9E7E-473F62F24AD4}" type="datetimeFigureOut">
               <a:rPr lang="en-US" smtClean="0"/>
-              <a:t>1/1/2019</a:t>
+              <a:t>2/12/2019</a:t>
             </a:fld>
             <a:endParaRPr lang="en-US"/>
           </a:p>
@@ -1956,7 +1956,7 @@
           <a:p>
             <a:fld id="{6244D3B9-4146-964F-9E7E-473F62F24AD4}" type="datetimeFigureOut">
               <a:rPr lang="en-US" smtClean="0"/>
-              <a:t>1/1/2019</a:t>
+              <a:t>2/12/2019</a:t>
             </a:fld>
             <a:endParaRPr lang="en-US"/>
           </a:p>
@@ -2069,7 +2069,7 @@
           <a:p>
             <a:fld id="{6244D3B9-4146-964F-9E7E-473F62F24AD4}" type="datetimeFigureOut">
               <a:rPr lang="en-US" smtClean="0"/>
-              <a:t>1/1/2019</a:t>
+              <a:t>2/12/2019</a:t>
             </a:fld>
             <a:endParaRPr lang="en-US"/>
           </a:p>
@@ -2380,7 +2380,7 @@
           <a:p>
             <a:fld id="{6244D3B9-4146-964F-9E7E-473F62F24AD4}" type="datetimeFigureOut">
               <a:rPr lang="en-US" smtClean="0"/>
-              <a:t>1/1/2019</a:t>
+              <a:t>2/12/2019</a:t>
             </a:fld>
             <a:endParaRPr lang="en-US"/>
           </a:p>
@@ -2668,7 +2668,7 @@
           <a:p>
             <a:fld id="{6244D3B9-4146-964F-9E7E-473F62F24AD4}" type="datetimeFigureOut">
               <a:rPr lang="en-US" smtClean="0"/>
-              <a:t>1/1/2019</a:t>
+              <a:t>2/12/2019</a:t>
             </a:fld>
             <a:endParaRPr lang="en-US"/>
           </a:p>
@@ -2909,7 +2909,7 @@
           <a:p>
             <a:fld id="{6244D3B9-4146-964F-9E7E-473F62F24AD4}" type="datetimeFigureOut">
               <a:rPr lang="en-US" smtClean="0"/>
-              <a:t>1/1/2019</a:t>
+              <a:t>2/12/2019</a:t>
             </a:fld>
             <a:endParaRPr lang="en-US"/>
           </a:p>
@@ -3326,129 +3326,12 @@
           <a:chExt cx="0" cy="0"/>
         </a:xfrm>
       </p:grpSpPr>
-      <p:grpSp>
-        <p:nvGrpSpPr>
-          <p:cNvPr id="75" name="Group 74">
-            <a:extLst>
-              <a:ext uri="{FF2B5EF4-FFF2-40B4-BE49-F238E27FC236}">
-                <a16:creationId xmlns:a16="http://schemas.microsoft.com/office/drawing/2014/main" id="{C1D21465-1D33-DF42-9CD6-13821F0C4696}"/>
-              </a:ext>
-            </a:extLst>
-          </p:cNvPr>
-          <p:cNvGrpSpPr/>
-          <p:nvPr/>
-        </p:nvGrpSpPr>
-        <p:grpSpPr>
-          <a:xfrm>
-            <a:off x="6886973" y="2087839"/>
-            <a:ext cx="1072750" cy="1064682"/>
-            <a:chOff x="6250260" y="2753509"/>
-            <a:chExt cx="1072750" cy="1064682"/>
-          </a:xfrm>
-        </p:grpSpPr>
-        <p:pic>
-          <p:nvPicPr>
-            <p:cNvPr id="76" name="Graphic 56">
-              <a:extLst>
-                <a:ext uri="{FF2B5EF4-FFF2-40B4-BE49-F238E27FC236}">
-                  <a16:creationId xmlns:a16="http://schemas.microsoft.com/office/drawing/2014/main" id="{D9489393-8CF0-F943-9C2E-B271952ED21E}"/>
-                </a:ext>
-              </a:extLst>
-            </p:cNvPr>
-            <p:cNvPicPr>
-              <a:picLocks noChangeAspect="1"/>
-            </p:cNvPicPr>
-            <p:nvPr/>
-          </p:nvPicPr>
-          <p:blipFill>
-            <a:blip r:embed="rId2">
-              <a:extLst>
-                <a:ext uri="{96DAC541-7B7A-43D3-8B79-37D633B846F1}">
-                  <asvg:svgBlip xmlns:asvg="http://schemas.microsoft.com/office/drawing/2016/SVG/main" xmlns="" r:embed="rId23"/>
-                </a:ext>
-              </a:extLst>
-            </a:blip>
-            <a:stretch>
-              <a:fillRect/>
-            </a:stretch>
-          </p:blipFill>
-          <p:spPr>
-            <a:xfrm>
-              <a:off x="6500885" y="2753509"/>
-              <a:ext cx="571500" cy="571500"/>
-            </a:xfrm>
-            <a:prstGeom prst="rect">
-              <a:avLst/>
-            </a:prstGeom>
-          </p:spPr>
-        </p:pic>
-        <p:sp>
-          <p:nvSpPr>
-            <p:cNvPr id="77" name="TextBox 76">
-              <a:extLst>
-                <a:ext uri="{FF2B5EF4-FFF2-40B4-BE49-F238E27FC236}">
-                  <a16:creationId xmlns:a16="http://schemas.microsoft.com/office/drawing/2014/main" id="{22B0399D-A17E-1C40-9416-2ACAC20006C1}"/>
-                </a:ext>
-              </a:extLst>
-            </p:cNvPr>
-            <p:cNvSpPr txBox="1"/>
-            <p:nvPr/>
-          </p:nvSpPr>
-          <p:spPr>
-            <a:xfrm>
-              <a:off x="6250260" y="3387304"/>
-              <a:ext cx="1072750" cy="430887"/>
-            </a:xfrm>
-            <a:prstGeom prst="rect">
-              <a:avLst/>
-            </a:prstGeom>
-            <a:noFill/>
-          </p:spPr>
-          <p:txBody>
-            <a:bodyPr wrap="square" rtlCol="0">
-              <a:spAutoFit/>
-            </a:bodyPr>
-            <a:lstStyle/>
-            <a:p>
-              <a:pPr algn="ctr"/>
-              <a:r>
-                <a:rPr lang="en-US" sz="1100" dirty="0" smtClean="0">
-                  <a:solidFill>
-                    <a:srgbClr val="232F3E"/>
-                  </a:solidFill>
-                </a:rPr>
-                <a:t>Bastion</a:t>
-              </a:r>
-              <a:br>
-                <a:rPr lang="en-US" sz="1100" dirty="0" smtClean="0">
-                  <a:solidFill>
-                    <a:srgbClr val="232F3E"/>
-                  </a:solidFill>
-                </a:rPr>
-              </a:br>
-              <a:r>
-                <a:rPr lang="en-US" sz="1100" dirty="0" smtClean="0">
-                  <a:solidFill>
-                    <a:srgbClr val="232F3E"/>
-                  </a:solidFill>
-                </a:rPr>
-                <a:t>host</a:t>
-              </a:r>
-              <a:endParaRPr lang="en-US" sz="1100" dirty="0">
-                <a:solidFill>
-                  <a:srgbClr val="232F3E"/>
-                </a:solidFill>
-              </a:endParaRPr>
-            </a:p>
-          </p:txBody>
-        </p:sp>
-      </p:grpSp>
-      <p:sp>
-        <p:nvSpPr>
-          <p:cNvPr id="79" name="Rectangle 78">
-            <a:extLst>
-              <a:ext uri="{FF2B5EF4-FFF2-40B4-BE49-F238E27FC236}">
-                <a16:creationId xmlns:a16="http://schemas.microsoft.com/office/drawing/2014/main" id="{852B35AD-618C-D841-B61B-F8D062AEF293}"/>
+      <p:sp>
+        <p:nvSpPr>
+          <p:cNvPr id="30" name="Rectangle 29">
+            <a:extLst>
+              <a:ext uri="{FF2B5EF4-FFF2-40B4-BE49-F238E27FC236}">
+                <a16:creationId xmlns:a16="http://schemas.microsoft.com/office/drawing/2014/main" id="{C773603B-5798-7D4A-B1E4-2072ADA8AD70}"/>
               </a:ext>
             </a:extLst>
           </p:cNvPr>
@@ -3457,19 +3340,22 @@
         </p:nvSpPr>
         <p:spPr>
           <a:xfrm>
-            <a:off x="3823393" y="1919329"/>
-            <a:ext cx="4340851" cy="1293437"/>
+            <a:off x="6244917" y="1394495"/>
+            <a:ext cx="2474928" cy="2065388"/>
           </a:xfrm>
           <a:prstGeom prst="rect">
             <a:avLst/>
           </a:prstGeom>
           <a:solidFill>
-            <a:srgbClr val="AAB7B8">
-              <a:alpha val="22000"/>
+            <a:srgbClr val="1D8900">
+              <a:alpha val="9804"/>
             </a:srgbClr>
           </a:solidFill>
           <a:ln w="12700">
-            <a:noFill/>
+            <a:solidFill>
+              <a:srgbClr val="1E8900"/>
+            </a:solidFill>
+            <a:prstDash val="solid"/>
           </a:ln>
         </p:spPr>
         <p:style>
@@ -3489,7 +3375,7 @@
           </a:fontRef>
         </p:style>
         <p:txBody>
-          <a:bodyPr rot="0" spcFirstLastPara="0" vertOverflow="overflow" horzOverflow="overflow" vert="horz" wrap="square" lIns="91440" tIns="91440" rIns="91440" bIns="45720" numCol="1" spcCol="0" rtlCol="0" fromWordArt="0" anchor="t" anchorCtr="0" forceAA="0" compatLnSpc="1">
+          <a:bodyPr rot="0" spcFirstLastPara="0" vertOverflow="overflow" horzOverflow="overflow" vert="horz" wrap="square" lIns="338328" tIns="45720" rIns="91440" bIns="45720" numCol="1" spcCol="0" rtlCol="0" fromWordArt="0" anchor="t" anchorCtr="0" forceAA="0" compatLnSpc="1">
             <a:prstTxWarp prst="textNoShape">
               <a:avLst/>
             </a:prstTxWarp>
@@ -3497,87 +3383,132 @@
           </a:bodyPr>
           <a:lstStyle/>
           <a:p>
-            <a:pPr algn="ctr"/>
-            <a:endParaRPr lang="en-US" sz="1200" dirty="0">
-              <a:solidFill>
-                <a:srgbClr val="AAB7B8"/>
-              </a:solidFill>
-            </a:endParaRPr>
-          </a:p>
-          <a:p>
-            <a:pPr algn="ctr"/>
-            <a:endParaRPr lang="en-US" sz="1200" dirty="0">
-              <a:solidFill>
-                <a:srgbClr val="AAB7B8"/>
-              </a:solidFill>
-            </a:endParaRPr>
-          </a:p>
-          <a:p>
-            <a:pPr algn="ctr"/>
+            <a:pPr algn="l"/>
             <a:r>
               <a:rPr lang="en-US" sz="1200" dirty="0">
                 <a:solidFill>
-                  <a:srgbClr val="545B64"/>
+                  <a:srgbClr val="1E8900"/>
                 </a:solidFill>
               </a:rPr>
-              <a:t>Auto Scaling </a:t>
-            </a:r>
-            <a:r>
-              <a:rPr lang="en-US" sz="1200" dirty="0" smtClean="0">
-                <a:solidFill>
-                  <a:srgbClr val="545B64"/>
-                </a:solidFill>
-              </a:rPr>
-              <a:t/>
-            </a:r>
-            <a:br>
-              <a:rPr lang="en-US" sz="1200" dirty="0" smtClean="0">
-                <a:solidFill>
-                  <a:srgbClr val="545B64"/>
-                </a:solidFill>
-              </a:rPr>
-            </a:br>
-            <a:r>
-              <a:rPr lang="en-US" sz="1200" dirty="0" smtClean="0">
-                <a:solidFill>
-                  <a:srgbClr val="545B64"/>
-                </a:solidFill>
-              </a:rPr>
-              <a:t>group</a:t>
-            </a:r>
-            <a:endParaRPr lang="en-US" sz="1200" dirty="0">
-              <a:solidFill>
-                <a:srgbClr val="545B64"/>
-              </a:solidFill>
-            </a:endParaRPr>
-          </a:p>
-        </p:txBody>
-      </p:sp>
-      <p:sp>
-        <p:nvSpPr>
-          <p:cNvPr id="11" name="Rectangle 10">
-            <a:extLst>
-              <a:ext uri="{FF2B5EF4-FFF2-40B4-BE49-F238E27FC236}">
-                <a16:creationId xmlns:a16="http://schemas.microsoft.com/office/drawing/2014/main" id="{0E82ABF7-3EFC-C442-B99F-17C90F4B847D}"/>
-              </a:ext>
-            </a:extLst>
-          </p:cNvPr>
-          <p:cNvSpPr/>
+              <a:t>Public subnet</a:t>
+            </a:r>
+          </a:p>
+        </p:txBody>
+      </p:sp>
+      <p:pic>
+        <p:nvPicPr>
+          <p:cNvPr id="37" name="Graphic 36">
+            <a:extLst>
+              <a:ext uri="{FF2B5EF4-FFF2-40B4-BE49-F238E27FC236}">
+                <a16:creationId xmlns:a16="http://schemas.microsoft.com/office/drawing/2014/main" id="{756BA681-A93E-434D-B654-6440C1188B57}"/>
+              </a:ext>
+            </a:extLst>
+          </p:cNvPr>
+          <p:cNvPicPr>
+            <a:picLocks noChangeAspect="1"/>
+          </p:cNvPicPr>
           <p:nvPr/>
-        </p:nvSpPr>
-        <p:spPr>
-          <a:xfrm>
-            <a:off x="2052899" y="1033855"/>
-            <a:ext cx="7549687" cy="5244266"/>
+        </p:nvPicPr>
+        <p:blipFill>
+          <a:blip r:embed="rId2">
+            <a:extLst>
+              <a:ext uri="{BEBA8EAE-BF5A-486C-A8C5-ECC9F3942E4B}">
+                <a14:imgProps xmlns:a14="http://schemas.microsoft.com/office/drawing/2010/main">
+                  <a14:imgLayer r:embed="rId3">
+                    <a14:imgEffect>
+                      <a14:artisticBlur/>
+                    </a14:imgEffect>
+                  </a14:imgLayer>
+                </a14:imgProps>
+              </a:ext>
+              <a:ext uri="{96DAC541-7B7A-43D3-8B79-37D633B846F1}">
+                <asvg:svgBlip xmlns:asvg="http://schemas.microsoft.com/office/drawing/2016/SVG/main" xmlns="" r:embed="rId4"/>
+              </a:ext>
+            </a:extLst>
+          </a:blip>
+          <a:stretch>
+            <a:fillRect/>
+          </a:stretch>
+        </p:blipFill>
+        <p:spPr>
+          <a:xfrm>
+            <a:off x="6686706" y="2121570"/>
+            <a:ext cx="469900" cy="469900"/>
+          </a:xfrm>
+          <a:prstGeom prst="rect">
+            <a:avLst/>
+          </a:prstGeom>
+          <a:effectLst>
+            <a:softEdge rad="0"/>
+          </a:effectLst>
+        </p:spPr>
+      </p:pic>
+      <p:sp>
+        <p:nvSpPr>
+          <p:cNvPr id="40" name="TextBox 39">
+            <a:extLst>
+              <a:ext uri="{FF2B5EF4-FFF2-40B4-BE49-F238E27FC236}">
+                <a16:creationId xmlns:a16="http://schemas.microsoft.com/office/drawing/2014/main" id="{4394DFF6-5686-E64D-849D-B0B9A63801B0}"/>
+              </a:ext>
+            </a:extLst>
+          </p:cNvPr>
+          <p:cNvSpPr txBox="1"/>
+          <p:nvPr/>
+        </p:nvSpPr>
+        <p:spPr>
+          <a:xfrm>
+            <a:off x="6435103" y="2580352"/>
+            <a:ext cx="973105" cy="276999"/>
           </a:xfrm>
           <a:prstGeom prst="rect">
             <a:avLst/>
           </a:prstGeom>
           <a:noFill/>
+        </p:spPr>
+        <p:txBody>
+          <a:bodyPr wrap="square" rtlCol="0">
+            <a:spAutoFit/>
+          </a:bodyPr>
+          <a:lstStyle/>
+          <a:p>
+            <a:pPr algn="ctr"/>
+            <a:r>
+              <a:rPr lang="en-US" sz="1200" dirty="0"/>
+              <a:t>Bastion host</a:t>
+            </a:r>
+          </a:p>
+        </p:txBody>
+      </p:sp>
+      <p:sp>
+        <p:nvSpPr>
+          <p:cNvPr id="10" name="Rectangle 9">
+            <a:extLst>
+              <a:ext uri="{FF2B5EF4-FFF2-40B4-BE49-F238E27FC236}">
+                <a16:creationId xmlns:a16="http://schemas.microsoft.com/office/drawing/2014/main" id="{97470CE0-BF03-6A48-90D5-E9FD99948C96}"/>
+              </a:ext>
+            </a:extLst>
+          </p:cNvPr>
+          <p:cNvSpPr/>
+          <p:nvPr/>
+        </p:nvSpPr>
+        <p:spPr>
+          <a:xfrm>
+            <a:off x="2027796" y="1384705"/>
+            <a:ext cx="2474928" cy="2065388"/>
+          </a:xfrm>
+          <a:prstGeom prst="rect">
+            <a:avLst/>
+          </a:prstGeom>
+          <a:solidFill>
+            <a:srgbClr val="1D8900">
+              <a:alpha val="9804"/>
+            </a:srgbClr>
+          </a:solidFill>
           <a:ln w="12700">
             <a:solidFill>
-              <a:srgbClr val="879196"/>
+              <a:srgbClr val="1E8900"/>
             </a:solidFill>
+            <a:prstDash val="solid"/>
           </a:ln>
         </p:spPr>
         <p:style>
@@ -3597,7 +3528,7 @@
           </a:fontRef>
         </p:style>
         <p:txBody>
-          <a:bodyPr rot="0" spcFirstLastPara="0" vertOverflow="overflow" horzOverflow="overflow" vert="horz" wrap="square" lIns="457200" tIns="91440" rIns="91440" bIns="45720" numCol="1" spcCol="0" rtlCol="0" fromWordArt="0" anchor="t" anchorCtr="0" forceAA="0" compatLnSpc="1">
+          <a:bodyPr rot="0" spcFirstLastPara="0" vertOverflow="overflow" horzOverflow="overflow" vert="horz" wrap="square" lIns="338328" tIns="45720" rIns="91440" bIns="45720" numCol="1" spcCol="0" rtlCol="0" fromWordArt="0" anchor="t" anchorCtr="0" forceAA="0" compatLnSpc="1">
             <a:prstTxWarp prst="textNoShape">
               <a:avLst/>
             </a:prstTxWarp>
@@ -3607,27 +3538,22 @@
           <a:p>
             <a:pPr algn="l"/>
             <a:r>
-              <a:rPr lang="en-US" sz="1200" dirty="0" err="1" smtClean="0">
+              <a:rPr lang="en-US" sz="1200" dirty="0">
                 <a:solidFill>
-                  <a:srgbClr val="879196"/>
+                  <a:srgbClr val="1E8900"/>
                 </a:solidFill>
               </a:rPr>
-              <a:t>VPC</a:t>
-            </a:r>
-            <a:endParaRPr lang="en-US" sz="1200" dirty="0">
-              <a:solidFill>
-                <a:srgbClr val="879196"/>
-              </a:solidFill>
-            </a:endParaRPr>
-          </a:p>
-        </p:txBody>
-      </p:sp>
-      <p:sp>
-        <p:nvSpPr>
-          <p:cNvPr id="14" name="Rectangle 13">
-            <a:extLst>
-              <a:ext uri="{FF2B5EF4-FFF2-40B4-BE49-F238E27FC236}">
-                <a16:creationId xmlns:a16="http://schemas.microsoft.com/office/drawing/2014/main" id="{410C3C30-03FB-D741-A024-F08D77F1EF96}"/>
+              <a:t>Public subnet</a:t>
+            </a:r>
+          </a:p>
+        </p:txBody>
+      </p:sp>
+      <p:sp>
+        <p:nvSpPr>
+          <p:cNvPr id="2" name="Rectangle 1">
+            <a:extLst>
+              <a:ext uri="{FF2B5EF4-FFF2-40B4-BE49-F238E27FC236}">
+                <a16:creationId xmlns:a16="http://schemas.microsoft.com/office/drawing/2014/main" id="{90D38B4F-D429-7841-A9AC-908EF32195EA}"/>
               </a:ext>
             </a:extLst>
           </p:cNvPr>
@@ -3636,8 +3562,8 @@
         </p:nvSpPr>
         <p:spPr>
           <a:xfrm>
-            <a:off x="2687066" y="1416350"/>
-            <a:ext cx="2651760" cy="2084832"/>
+            <a:off x="1461155" y="1026373"/>
+            <a:ext cx="7741839" cy="5266272"/>
           </a:xfrm>
           <a:prstGeom prst="rect">
             <a:avLst/>
@@ -3645,7 +3571,7 @@
           <a:noFill/>
           <a:ln w="12700">
             <a:solidFill>
-              <a:srgbClr val="545B64"/>
+              <a:srgbClr val="1E8900"/>
             </a:solidFill>
           </a:ln>
         </p:spPr>
@@ -3677,34 +3603,22 @@
             <a:pPr algn="l"/>
             <a:r>
               <a:rPr lang="en-US" sz="1200" dirty="0">
+                <a:ln w="0"/>
                 <a:solidFill>
-                  <a:srgbClr val="545B64"/>
+                  <a:srgbClr val="1E8900"/>
                 </a:solidFill>
               </a:rPr>
-              <a:t>Public </a:t>
-            </a:r>
-            <a:r>
-              <a:rPr lang="en-US" sz="1200" dirty="0" smtClean="0">
-                <a:solidFill>
-                  <a:srgbClr val="545B64"/>
-                </a:solidFill>
-              </a:rPr>
-              <a:t>subnet</a:t>
-            </a:r>
-            <a:endParaRPr lang="en-US" sz="1200" dirty="0">
-              <a:solidFill>
-                <a:srgbClr val="545B64"/>
-              </a:solidFill>
-            </a:endParaRPr>
-          </a:p>
-        </p:txBody>
-      </p:sp>
-      <p:sp>
-        <p:nvSpPr>
-          <p:cNvPr id="17" name="Rectangle 16">
-            <a:extLst>
-              <a:ext uri="{FF2B5EF4-FFF2-40B4-BE49-F238E27FC236}">
-                <a16:creationId xmlns:a16="http://schemas.microsoft.com/office/drawing/2014/main" id="{B683F1DE-341D-CA43-883A-3D50F8375087}"/>
+              <a:t>VPC</a:t>
+            </a:r>
+          </a:p>
+        </p:txBody>
+      </p:sp>
+      <p:sp>
+        <p:nvSpPr>
+          <p:cNvPr id="3" name="Rectangle 2">
+            <a:extLst>
+              <a:ext uri="{FF2B5EF4-FFF2-40B4-BE49-F238E27FC236}">
+                <a16:creationId xmlns:a16="http://schemas.microsoft.com/office/drawing/2014/main" id="{C2F65D24-7DB6-A147-BECA-9EA935B27F20}"/>
               </a:ext>
             </a:extLst>
           </p:cNvPr>
@@ -3713,17 +3627,22 @@
         </p:nvSpPr>
         <p:spPr>
           <a:xfrm>
-            <a:off x="1754647" y="241533"/>
-            <a:ext cx="9183647" cy="6352074"/>
+            <a:off x="2029776" y="3727092"/>
+            <a:ext cx="2470969" cy="2414536"/>
           </a:xfrm>
           <a:prstGeom prst="rect">
             <a:avLst/>
           </a:prstGeom>
-          <a:noFill/>
+          <a:solidFill>
+            <a:srgbClr val="007CBC">
+              <a:alpha val="9804"/>
+            </a:srgbClr>
+          </a:solidFill>
           <a:ln w="12700">
             <a:solidFill>
-              <a:srgbClr val="AAB7B8"/>
+              <a:srgbClr val="007DBC"/>
             </a:solidFill>
+            <a:prstDash val="solid"/>
           </a:ln>
         </p:spPr>
         <p:style>
@@ -3743,7 +3662,7 @@
           </a:fontRef>
         </p:style>
         <p:txBody>
-          <a:bodyPr rot="0" spcFirstLastPara="0" vertOverflow="overflow" horzOverflow="overflow" vert="horz" wrap="square" lIns="457200" tIns="91440" rIns="91440" bIns="45720" numCol="1" spcCol="0" rtlCol="0" fromWordArt="0" anchor="t" anchorCtr="0" forceAA="0" compatLnSpc="1">
+          <a:bodyPr rot="0" spcFirstLastPara="0" vertOverflow="overflow" horzOverflow="overflow" vert="horz" wrap="square" lIns="338328" tIns="45720" rIns="91440" bIns="45720" numCol="1" spcCol="0" rtlCol="0" fromWordArt="0" anchor="t" anchorCtr="0" forceAA="0" compatLnSpc="1">
             <a:prstTxWarp prst="textNoShape">
               <a:avLst/>
             </a:prstTxWarp>
@@ -3755,20 +3674,20 @@
             <a:r>
               <a:rPr lang="en-US" sz="1200" dirty="0">
                 <a:solidFill>
-                  <a:srgbClr val="AAB7B8"/>
+                  <a:srgbClr val="007DBC"/>
                 </a:solidFill>
               </a:rPr>
-              <a:t>AWS Cloud</a:t>
-            </a:r>
-          </a:p>
-        </p:txBody>
-      </p:sp>
-      <p:sp>
-        <p:nvSpPr>
-          <p:cNvPr id="20" name="Rectangle 19">
-            <a:extLst>
-              <a:ext uri="{FF2B5EF4-FFF2-40B4-BE49-F238E27FC236}">
-                <a16:creationId xmlns:a16="http://schemas.microsoft.com/office/drawing/2014/main" id="{570DB90B-E1C3-0F48-8B34-F23089D0157D}"/>
+              <a:t>Private subnet</a:t>
+            </a:r>
+          </a:p>
+        </p:txBody>
+      </p:sp>
+      <p:sp>
+        <p:nvSpPr>
+          <p:cNvPr id="4" name="Rectangle 3">
+            <a:extLst>
+              <a:ext uri="{FF2B5EF4-FFF2-40B4-BE49-F238E27FC236}">
+                <a16:creationId xmlns:a16="http://schemas.microsoft.com/office/drawing/2014/main" id="{A89417FC-56D4-E941-8CC3-E9F8FACFB63F}"/>
               </a:ext>
             </a:extLst>
           </p:cNvPr>
@@ -3777,8 +3696,8 @@
         </p:nvSpPr>
         <p:spPr>
           <a:xfrm>
-            <a:off x="2478024" y="596817"/>
-            <a:ext cx="3026262" cy="5833985"/>
+            <a:off x="1269214" y="172372"/>
+            <a:ext cx="9585599" cy="6474233"/>
           </a:xfrm>
           <a:prstGeom prst="rect">
             <a:avLst/>
@@ -3786,9 +3705,8 @@
           <a:noFill/>
           <a:ln w="12700">
             <a:solidFill>
-              <a:srgbClr val="545B64"/>
+              <a:schemeClr val="tx1"/>
             </a:solidFill>
-            <a:prstDash val="dash"/>
           </a:ln>
         </p:spPr>
         <p:style>
@@ -3820,133 +3738,20 @@
             <a:r>
               <a:rPr lang="en-US" sz="1200" dirty="0">
                 <a:solidFill>
-                  <a:srgbClr val="545B64"/>
+                  <a:sysClr val="windowText" lastClr="000000"/>
                 </a:solidFill>
               </a:rPr>
-              <a:t> Availability </a:t>
-            </a:r>
-            <a:r>
-              <a:rPr lang="en-US" sz="1200" dirty="0" smtClean="0">
-                <a:solidFill>
-                  <a:srgbClr val="545B64"/>
-                </a:solidFill>
-              </a:rPr>
-              <a:t>Zone </a:t>
-            </a:r>
-            <a:r>
-              <a:rPr lang="en-US" sz="1200" dirty="0">
-                <a:solidFill>
-                  <a:srgbClr val="545B64"/>
-                </a:solidFill>
-              </a:rPr>
-              <a:t>1</a:t>
-            </a:r>
-          </a:p>
-        </p:txBody>
-      </p:sp>
-      <p:grpSp>
-        <p:nvGrpSpPr>
-          <p:cNvPr id="24" name="Group 23">
-            <a:extLst>
-              <a:ext uri="{FF2B5EF4-FFF2-40B4-BE49-F238E27FC236}">
-                <a16:creationId xmlns:a16="http://schemas.microsoft.com/office/drawing/2014/main" id="{9ACCE69E-0951-DB45-AB9F-5CCE3BDAF8EF}"/>
-              </a:ext>
-            </a:extLst>
-          </p:cNvPr>
-          <p:cNvGrpSpPr/>
-          <p:nvPr/>
-        </p:nvGrpSpPr>
-        <p:grpSpPr>
-          <a:xfrm>
-            <a:off x="2762668" y="2193720"/>
-            <a:ext cx="1072750" cy="872371"/>
-            <a:chOff x="2994855" y="2827165"/>
-            <a:chExt cx="1072750" cy="872371"/>
-          </a:xfrm>
-        </p:grpSpPr>
-        <p:pic>
-          <p:nvPicPr>
-            <p:cNvPr id="25" name="Graphic 24">
-              <a:extLst>
-                <a:ext uri="{FF2B5EF4-FFF2-40B4-BE49-F238E27FC236}">
-                  <a16:creationId xmlns:a16="http://schemas.microsoft.com/office/drawing/2014/main" id="{F707317A-2D49-B048-95EB-5209094579C4}"/>
-                </a:ext>
-              </a:extLst>
-            </p:cNvPr>
-            <p:cNvPicPr>
-              <a:picLocks noChangeAspect="1"/>
-            </p:cNvPicPr>
-            <p:nvPr/>
-          </p:nvPicPr>
-          <p:blipFill>
-            <a:blip r:embed="rId24">
-              <a:extLst>
-                <a:ext uri="{96DAC541-7B7A-43D3-8B79-37D633B846F1}">
-                  <asvg:svgBlip xmlns:asvg="http://schemas.microsoft.com/office/drawing/2016/SVG/main" xmlns="" r:embed="rId15"/>
-                </a:ext>
-              </a:extLst>
-            </a:blip>
-            <a:stretch>
-              <a:fillRect/>
-            </a:stretch>
-          </p:blipFill>
-          <p:spPr>
-            <a:xfrm>
-              <a:off x="3245480" y="2827165"/>
-              <a:ext cx="571500" cy="571500"/>
-            </a:xfrm>
-            <a:prstGeom prst="rect">
-              <a:avLst/>
-            </a:prstGeom>
-          </p:spPr>
-        </p:pic>
-        <p:sp>
-          <p:nvSpPr>
-            <p:cNvPr id="26" name="TextBox 25">
-              <a:extLst>
-                <a:ext uri="{FF2B5EF4-FFF2-40B4-BE49-F238E27FC236}">
-                  <a16:creationId xmlns:a16="http://schemas.microsoft.com/office/drawing/2014/main" id="{866ED9A8-3CB1-B54A-8F32-3CB1C1C601B0}"/>
-                </a:ext>
-              </a:extLst>
-            </p:cNvPr>
-            <p:cNvSpPr txBox="1"/>
-            <p:nvPr/>
-          </p:nvSpPr>
-          <p:spPr>
-            <a:xfrm>
-              <a:off x="2994855" y="3437926"/>
-              <a:ext cx="1072750" cy="261610"/>
-            </a:xfrm>
-            <a:prstGeom prst="rect">
-              <a:avLst/>
-            </a:prstGeom>
-            <a:noFill/>
-          </p:spPr>
-          <p:txBody>
-            <a:bodyPr wrap="square" rtlCol="0">
-              <a:spAutoFit/>
-            </a:bodyPr>
-            <a:lstStyle/>
-            <a:p>
-              <a:pPr algn="ctr"/>
-              <a:r>
-                <a:rPr lang="en-US" sz="1100" dirty="0">
-                  <a:solidFill>
-                    <a:srgbClr val="232F3E"/>
-                  </a:solidFill>
-                </a:rPr>
-                <a:t>NAT gateway</a:t>
-              </a:r>
-            </a:p>
-          </p:txBody>
-        </p:sp>
-      </p:grpSp>
-      <p:sp>
-        <p:nvSpPr>
-          <p:cNvPr id="35" name="Rectangle 34">
-            <a:extLst>
-              <a:ext uri="{FF2B5EF4-FFF2-40B4-BE49-F238E27FC236}">
-                <a16:creationId xmlns:a16="http://schemas.microsoft.com/office/drawing/2014/main" id="{6EAB9FB6-B513-0245-91BD-2EFA6D4F3598}"/>
+              <a:t>AWS Cloud</a:t>
+            </a:r>
+          </a:p>
+        </p:txBody>
+      </p:sp>
+      <p:sp>
+        <p:nvSpPr>
+          <p:cNvPr id="5" name="Rectangle 4">
+            <a:extLst>
+              <a:ext uri="{FF2B5EF4-FFF2-40B4-BE49-F238E27FC236}">
+                <a16:creationId xmlns:a16="http://schemas.microsoft.com/office/drawing/2014/main" id="{36F59100-3334-F144-A4DB-28B6FDAB4FFC}"/>
               </a:ext>
             </a:extLst>
           </p:cNvPr>
@@ -3955,8 +3760,8 @@
         </p:nvSpPr>
         <p:spPr>
           <a:xfrm>
-            <a:off x="6583307" y="1416350"/>
-            <a:ext cx="2651761" cy="2084832"/>
+            <a:off x="1876371" y="619972"/>
+            <a:ext cx="2782099" cy="5849653"/>
           </a:xfrm>
           <a:prstGeom prst="rect">
             <a:avLst/>
@@ -3964,8 +3769,9 @@
           <a:noFill/>
           <a:ln w="12700">
             <a:solidFill>
-              <a:srgbClr val="545B64"/>
+              <a:srgbClr val="007DBC"/>
             </a:solidFill>
+            <a:prstDash val="dash"/>
           </a:ln>
         </p:spPr>
         <p:style>
@@ -3985,7 +3791,7 @@
           </a:fontRef>
         </p:style>
         <p:txBody>
-          <a:bodyPr rot="0" spcFirstLastPara="0" vertOverflow="overflow" horzOverflow="overflow" vert="horz" wrap="square" lIns="457200" tIns="91440" rIns="91440" bIns="45720" numCol="1" spcCol="0" rtlCol="0" fromWordArt="0" anchor="t" anchorCtr="0" forceAA="0" compatLnSpc="1">
+          <a:bodyPr rot="0" spcFirstLastPara="0" vertOverflow="overflow" horzOverflow="overflow" vert="horz" wrap="square" lIns="91440" tIns="91440" rIns="91440" bIns="45720" numCol="1" spcCol="0" rtlCol="0" fromWordArt="0" anchor="t" anchorCtr="0" forceAA="0" compatLnSpc="1">
             <a:prstTxWarp prst="textNoShape">
               <a:avLst/>
             </a:prstTxWarp>
@@ -3993,57 +3799,740 @@
           </a:bodyPr>
           <a:lstStyle/>
           <a:p>
-            <a:pPr algn="l"/>
+            <a:pPr algn="ctr"/>
             <a:r>
               <a:rPr lang="en-US" sz="1200" dirty="0">
                 <a:solidFill>
-                  <a:srgbClr val="545B64"/>
+                  <a:srgbClr val="007DBC"/>
                 </a:solidFill>
               </a:rPr>
-              <a:t>Public </a:t>
-            </a:r>
-            <a:r>
-              <a:rPr lang="en-US" sz="1200" dirty="0" smtClean="0">
-                <a:solidFill>
-                  <a:srgbClr val="545B64"/>
-                </a:solidFill>
-              </a:rPr>
-              <a:t>subnet</a:t>
-            </a:r>
-            <a:endParaRPr lang="en-US" sz="1200" dirty="0">
-              <a:solidFill>
-                <a:srgbClr val="545B64"/>
-              </a:solidFill>
-            </a:endParaRPr>
-          </a:p>
-        </p:txBody>
-      </p:sp>
-      <p:sp>
-        <p:nvSpPr>
-          <p:cNvPr id="38" name="Rectangle 37">
-            <a:extLst>
-              <a:ext uri="{FF2B5EF4-FFF2-40B4-BE49-F238E27FC236}">
-                <a16:creationId xmlns:a16="http://schemas.microsoft.com/office/drawing/2014/main" id="{54AA418D-4BD0-CB40-9345-374B004E912E}"/>
-              </a:ext>
-            </a:extLst>
-          </p:cNvPr>
-          <p:cNvSpPr/>
+              <a:t>Availability Zone 1</a:t>
+            </a:r>
+          </a:p>
+        </p:txBody>
+      </p:sp>
+      <p:pic>
+        <p:nvPicPr>
+          <p:cNvPr id="7" name="Graphic 6">
+            <a:extLst>
+              <a:ext uri="{FF2B5EF4-FFF2-40B4-BE49-F238E27FC236}">
+                <a16:creationId xmlns:a16="http://schemas.microsoft.com/office/drawing/2014/main" id="{F87736BC-EF01-454C-A88E-546607A59719}"/>
+              </a:ext>
+            </a:extLst>
+          </p:cNvPr>
+          <p:cNvPicPr>
+            <a:picLocks noChangeAspect="1"/>
+          </p:cNvPicPr>
           <p:nvPr/>
-        </p:nvSpPr>
-        <p:spPr>
-          <a:xfrm>
-            <a:off x="6400802" y="596817"/>
-            <a:ext cx="3026664" cy="5833985"/>
+        </p:nvPicPr>
+        <p:blipFill>
+          <a:blip r:embed="rId5">
+            <a:extLst>
+              <a:ext uri="{96DAC541-7B7A-43D3-8B79-37D633B846F1}">
+                <asvg:svgBlip xmlns:asvg="http://schemas.microsoft.com/office/drawing/2016/SVG/main" xmlns="" r:embed="rId6"/>
+              </a:ext>
+            </a:extLst>
+          </a:blip>
+          <a:stretch>
+            <a:fillRect/>
+          </a:stretch>
+        </p:blipFill>
+        <p:spPr>
+          <a:xfrm>
+            <a:off x="5220667" y="1837586"/>
+            <a:ext cx="330200" cy="330200"/>
+          </a:xfrm>
+          <a:prstGeom prst="rect">
+            <a:avLst/>
+          </a:prstGeom>
+        </p:spPr>
+      </p:pic>
+      <p:pic>
+        <p:nvPicPr>
+          <p:cNvPr id="8" name="Graphic 7">
+            <a:extLst>
+              <a:ext uri="{FF2B5EF4-FFF2-40B4-BE49-F238E27FC236}">
+                <a16:creationId xmlns:a16="http://schemas.microsoft.com/office/drawing/2014/main" id="{8C52EDEC-608A-7244-9C8E-3B1D5D0558B6}"/>
+              </a:ext>
+            </a:extLst>
+          </p:cNvPr>
+          <p:cNvPicPr>
+            <a:picLocks noChangeAspect="1"/>
+          </p:cNvPicPr>
+          <p:nvPr/>
+        </p:nvPicPr>
+        <p:blipFill>
+          <a:blip r:embed="rId7">
+            <a:extLst>
+              <a:ext uri="{96DAC541-7B7A-43D3-8B79-37D633B846F1}">
+                <asvg:svgBlip xmlns:asvg="http://schemas.microsoft.com/office/drawing/2016/SVG/main" xmlns="" r:embed="rId8"/>
+              </a:ext>
+            </a:extLst>
+          </a:blip>
+          <a:stretch>
+            <a:fillRect/>
+          </a:stretch>
+        </p:blipFill>
+        <p:spPr>
+          <a:xfrm>
+            <a:off x="1269215" y="172373"/>
+            <a:ext cx="330200" cy="330200"/>
+          </a:xfrm>
+          <a:prstGeom prst="rect">
+            <a:avLst/>
+          </a:prstGeom>
+        </p:spPr>
+      </p:pic>
+      <p:pic>
+        <p:nvPicPr>
+          <p:cNvPr id="9" name="Graphic 8">
+            <a:extLst>
+              <a:ext uri="{FF2B5EF4-FFF2-40B4-BE49-F238E27FC236}">
+                <a16:creationId xmlns:a16="http://schemas.microsoft.com/office/drawing/2014/main" id="{011BCAE1-B92B-7840-9563-921CE65285D8}"/>
+              </a:ext>
+            </a:extLst>
+          </p:cNvPr>
+          <p:cNvPicPr>
+            <a:picLocks noChangeAspect="1"/>
+          </p:cNvPicPr>
+          <p:nvPr/>
+        </p:nvPicPr>
+        <p:blipFill>
+          <a:blip r:embed="rId9">
+            <a:extLst>
+              <a:ext uri="{96DAC541-7B7A-43D3-8B79-37D633B846F1}">
+                <asvg:svgBlip xmlns:asvg="http://schemas.microsoft.com/office/drawing/2016/SVG/main" xmlns="" r:embed="rId10"/>
+              </a:ext>
+            </a:extLst>
+          </a:blip>
+          <a:stretch>
+            <a:fillRect/>
+          </a:stretch>
+        </p:blipFill>
+        <p:spPr>
+          <a:xfrm>
+            <a:off x="1461156" y="1026373"/>
+            <a:ext cx="330200" cy="330200"/>
+          </a:xfrm>
+          <a:prstGeom prst="rect">
+            <a:avLst/>
+          </a:prstGeom>
+        </p:spPr>
+      </p:pic>
+      <p:pic>
+        <p:nvPicPr>
+          <p:cNvPr id="11" name="Graphic 10">
+            <a:extLst>
+              <a:ext uri="{FF2B5EF4-FFF2-40B4-BE49-F238E27FC236}">
+                <a16:creationId xmlns:a16="http://schemas.microsoft.com/office/drawing/2014/main" id="{A27495A7-D781-034C-BC9D-AE77455948A6}"/>
+              </a:ext>
+            </a:extLst>
+          </p:cNvPr>
+          <p:cNvPicPr>
+            <a:picLocks noChangeAspect="1"/>
+          </p:cNvPicPr>
+          <p:nvPr/>
+        </p:nvPicPr>
+        <p:blipFill>
+          <a:blip r:embed="rId11">
+            <a:extLst>
+              <a:ext uri="{96DAC541-7B7A-43D3-8B79-37D633B846F1}">
+                <asvg:svgBlip xmlns:asvg="http://schemas.microsoft.com/office/drawing/2016/SVG/main" xmlns="" r:embed="rId12"/>
+              </a:ext>
+            </a:extLst>
+          </a:blip>
+          <a:stretch>
+            <a:fillRect/>
+          </a:stretch>
+        </p:blipFill>
+        <p:spPr>
+          <a:xfrm>
+            <a:off x="2027796" y="1382346"/>
+            <a:ext cx="274320" cy="274320"/>
+          </a:xfrm>
+          <a:prstGeom prst="rect">
+            <a:avLst/>
+          </a:prstGeom>
+        </p:spPr>
+      </p:pic>
+      <p:pic>
+        <p:nvPicPr>
+          <p:cNvPr id="12" name="Graphic 11">
+            <a:extLst>
+              <a:ext uri="{FF2B5EF4-FFF2-40B4-BE49-F238E27FC236}">
+                <a16:creationId xmlns:a16="http://schemas.microsoft.com/office/drawing/2014/main" id="{6DF2F2BD-5D9A-8046-A860-3517B0AB2957}"/>
+              </a:ext>
+            </a:extLst>
+          </p:cNvPr>
+          <p:cNvPicPr>
+            <a:picLocks noChangeAspect="1"/>
+          </p:cNvPicPr>
+          <p:nvPr/>
+        </p:nvPicPr>
+        <p:blipFill>
+          <a:blip r:embed="rId13">
+            <a:extLst>
+              <a:ext uri="{96DAC541-7B7A-43D3-8B79-37D633B846F1}">
+                <asvg:svgBlip xmlns:asvg="http://schemas.microsoft.com/office/drawing/2016/SVG/main" xmlns="" r:embed="rId14"/>
+              </a:ext>
+            </a:extLst>
+          </a:blip>
+          <a:stretch>
+            <a:fillRect/>
+          </a:stretch>
+        </p:blipFill>
+        <p:spPr>
+          <a:xfrm>
+            <a:off x="2031500" y="3724733"/>
+            <a:ext cx="274320" cy="274320"/>
+          </a:xfrm>
+          <a:prstGeom prst="rect">
+            <a:avLst/>
+          </a:prstGeom>
+        </p:spPr>
+      </p:pic>
+      <p:sp>
+        <p:nvSpPr>
+          <p:cNvPr id="13" name="TextBox 12">
+            <a:extLst>
+              <a:ext uri="{FF2B5EF4-FFF2-40B4-BE49-F238E27FC236}">
+                <a16:creationId xmlns:a16="http://schemas.microsoft.com/office/drawing/2014/main" id="{D4EA7CF5-5EB1-1445-865B-A3E5D58F02AD}"/>
+              </a:ext>
+            </a:extLst>
+          </p:cNvPr>
+          <p:cNvSpPr txBox="1"/>
+          <p:nvPr/>
+        </p:nvSpPr>
+        <p:spPr>
+          <a:xfrm>
+            <a:off x="2109829" y="2591084"/>
+            <a:ext cx="994971" cy="276999"/>
           </a:xfrm>
           <a:prstGeom prst="rect">
             <a:avLst/>
           </a:prstGeom>
           <a:noFill/>
+        </p:spPr>
+        <p:txBody>
+          <a:bodyPr wrap="square" rtlCol="0">
+            <a:spAutoFit/>
+          </a:bodyPr>
+          <a:lstStyle/>
+          <a:p>
+            <a:pPr algn="ctr"/>
+            <a:r>
+              <a:rPr lang="en-US" sz="1200" dirty="0"/>
+              <a:t>NAT gateway</a:t>
+            </a:r>
+          </a:p>
+        </p:txBody>
+      </p:sp>
+      <p:pic>
+        <p:nvPicPr>
+          <p:cNvPr id="14" name="Graphic 13">
+            <a:extLst>
+              <a:ext uri="{FF2B5EF4-FFF2-40B4-BE49-F238E27FC236}">
+                <a16:creationId xmlns:a16="http://schemas.microsoft.com/office/drawing/2014/main" id="{6027A170-9F7D-154D-9BDC-7C83139E50CF}"/>
+              </a:ext>
+            </a:extLst>
+          </p:cNvPr>
+          <p:cNvPicPr>
+            <a:picLocks noChangeAspect="1"/>
+          </p:cNvPicPr>
+          <p:nvPr/>
+        </p:nvPicPr>
+        <p:blipFill>
+          <a:blip r:embed="rId15">
+            <a:extLst>
+              <a:ext uri="{96DAC541-7B7A-43D3-8B79-37D633B846F1}">
+                <asvg:svgBlip xmlns:asvg="http://schemas.microsoft.com/office/drawing/2016/SVG/main" xmlns="" r:embed="rId16"/>
+              </a:ext>
+            </a:extLst>
+          </a:blip>
+          <a:stretch>
+            <a:fillRect/>
+          </a:stretch>
+        </p:blipFill>
+        <p:spPr>
+          <a:xfrm>
+            <a:off x="2361942" y="2111895"/>
+            <a:ext cx="469900" cy="469900"/>
+          </a:xfrm>
+          <a:prstGeom prst="rect">
+            <a:avLst/>
+          </a:prstGeom>
+        </p:spPr>
+      </p:pic>
+      <p:pic>
+        <p:nvPicPr>
+          <p:cNvPr id="15" name="Graphic 14">
+            <a:extLst>
+              <a:ext uri="{FF2B5EF4-FFF2-40B4-BE49-F238E27FC236}">
+                <a16:creationId xmlns:a16="http://schemas.microsoft.com/office/drawing/2014/main" id="{C286F45A-451D-824E-ACAD-79A90C040B73}"/>
+              </a:ext>
+            </a:extLst>
+          </p:cNvPr>
+          <p:cNvPicPr>
+            <a:picLocks noChangeAspect="1"/>
+          </p:cNvPicPr>
+          <p:nvPr/>
+        </p:nvPicPr>
+        <p:blipFill>
+          <a:blip r:embed="rId17">
+            <a:extLst>
+              <a:ext uri="{96DAC541-7B7A-43D3-8B79-37D633B846F1}">
+                <asvg:svgBlip xmlns:asvg="http://schemas.microsoft.com/office/drawing/2016/SVG/main" xmlns="" r:embed="rId4"/>
+              </a:ext>
+            </a:extLst>
+          </a:blip>
+          <a:stretch>
+            <a:fillRect/>
+          </a:stretch>
+        </p:blipFill>
+        <p:spPr>
+          <a:xfrm>
+            <a:off x="3560861" y="2111780"/>
+            <a:ext cx="469900" cy="469900"/>
+          </a:xfrm>
+          <a:prstGeom prst="rect">
+            <a:avLst/>
+          </a:prstGeom>
+        </p:spPr>
+      </p:pic>
+      <p:pic>
+        <p:nvPicPr>
+          <p:cNvPr id="16" name="Graphic 15">
+            <a:extLst>
+              <a:ext uri="{FF2B5EF4-FFF2-40B4-BE49-F238E27FC236}">
+                <a16:creationId xmlns:a16="http://schemas.microsoft.com/office/drawing/2014/main" id="{9518DF0A-AF9D-B54C-9DA7-96DD5508F42F}"/>
+              </a:ext>
+            </a:extLst>
+          </p:cNvPr>
+          <p:cNvPicPr>
+            <a:picLocks noChangeAspect="1"/>
+          </p:cNvPicPr>
+          <p:nvPr/>
+        </p:nvPicPr>
+        <p:blipFill>
+          <a:blip r:embed="rId18">
+            <a:extLst>
+              <a:ext uri="{96DAC541-7B7A-43D3-8B79-37D633B846F1}">
+                <asvg:svgBlip xmlns:asvg="http://schemas.microsoft.com/office/drawing/2016/SVG/main" xmlns="" r:embed="rId19"/>
+              </a:ext>
+            </a:extLst>
+          </a:blip>
+          <a:stretch>
+            <a:fillRect/>
+          </a:stretch>
+        </p:blipFill>
+        <p:spPr>
+          <a:xfrm>
+            <a:off x="3007449" y="4404100"/>
+            <a:ext cx="469900" cy="469900"/>
+          </a:xfrm>
+          <a:prstGeom prst="rect">
+            <a:avLst/>
+          </a:prstGeom>
+        </p:spPr>
+      </p:pic>
+      <p:sp>
+        <p:nvSpPr>
+          <p:cNvPr id="17" name="TextBox 16">
+            <a:extLst>
+              <a:ext uri="{FF2B5EF4-FFF2-40B4-BE49-F238E27FC236}">
+                <a16:creationId xmlns:a16="http://schemas.microsoft.com/office/drawing/2014/main" id="{B6EBEA26-4CEC-2E47-8517-92580C6F8E34}"/>
+              </a:ext>
+            </a:extLst>
+          </p:cNvPr>
+          <p:cNvSpPr txBox="1"/>
+          <p:nvPr/>
+        </p:nvSpPr>
+        <p:spPr>
+          <a:xfrm>
+            <a:off x="2485746" y="4900733"/>
+            <a:ext cx="1513305" cy="461665"/>
+          </a:xfrm>
+          <a:prstGeom prst="rect">
+            <a:avLst/>
+          </a:prstGeom>
+          <a:noFill/>
+        </p:spPr>
+        <p:txBody>
+          <a:bodyPr wrap="square" rtlCol="0">
+            <a:spAutoFit/>
+          </a:bodyPr>
+          <a:lstStyle/>
+          <a:p>
+            <a:pPr algn="ctr"/>
+            <a:r>
+              <a:rPr lang="en-US" sz="1200" dirty="0"/>
+              <a:t>&lt;Your product instances&gt;</a:t>
+            </a:r>
+          </a:p>
+        </p:txBody>
+      </p:sp>
+      <p:sp>
+        <p:nvSpPr>
+          <p:cNvPr id="18" name="TextBox 17">
+            <a:extLst>
+              <a:ext uri="{FF2B5EF4-FFF2-40B4-BE49-F238E27FC236}">
+                <a16:creationId xmlns:a16="http://schemas.microsoft.com/office/drawing/2014/main" id="{E86B4EF8-8467-EA40-B547-0B08490E5C82}"/>
+              </a:ext>
+            </a:extLst>
+          </p:cNvPr>
+          <p:cNvSpPr txBox="1"/>
+          <p:nvPr/>
+        </p:nvSpPr>
+        <p:spPr>
+          <a:xfrm>
+            <a:off x="3309258" y="2570562"/>
+            <a:ext cx="973105" cy="276999"/>
+          </a:xfrm>
+          <a:prstGeom prst="rect">
+            <a:avLst/>
+          </a:prstGeom>
+          <a:noFill/>
+        </p:spPr>
+        <p:txBody>
+          <a:bodyPr wrap="square" rtlCol="0">
+            <a:spAutoFit/>
+          </a:bodyPr>
+          <a:lstStyle/>
+          <a:p>
+            <a:pPr algn="ctr"/>
+            <a:r>
+              <a:rPr lang="en-US" sz="1200" dirty="0"/>
+              <a:t>Bastion host</a:t>
+            </a:r>
+          </a:p>
+        </p:txBody>
+      </p:sp>
+      <p:pic>
+        <p:nvPicPr>
+          <p:cNvPr id="19" name="Graphic 18">
+            <a:extLst>
+              <a:ext uri="{FF2B5EF4-FFF2-40B4-BE49-F238E27FC236}">
+                <a16:creationId xmlns:a16="http://schemas.microsoft.com/office/drawing/2014/main" id="{D2FBCDE9-5632-C241-9B09-D917C7ECFCE4}"/>
+              </a:ext>
+            </a:extLst>
+          </p:cNvPr>
+          <p:cNvPicPr>
+            <a:picLocks noChangeAspect="1"/>
+          </p:cNvPicPr>
+          <p:nvPr/>
+        </p:nvPicPr>
+        <p:blipFill>
+          <a:blip r:embed="rId20">
+            <a:extLst>
+              <a:ext uri="{96DAC541-7B7A-43D3-8B79-37D633B846F1}">
+                <asvg:svgBlip xmlns:asvg="http://schemas.microsoft.com/office/drawing/2016/SVG/main" xmlns="" r:embed="rId21"/>
+              </a:ext>
+            </a:extLst>
+          </a:blip>
+          <a:stretch>
+            <a:fillRect/>
+          </a:stretch>
+        </p:blipFill>
+        <p:spPr>
+          <a:xfrm>
+            <a:off x="9743572" y="2884994"/>
+            <a:ext cx="591034" cy="591034"/>
+          </a:xfrm>
+          <a:prstGeom prst="rect">
+            <a:avLst/>
+          </a:prstGeom>
+        </p:spPr>
+      </p:pic>
+      <p:sp>
+        <p:nvSpPr>
+          <p:cNvPr id="20" name="TextBox 19">
+            <a:extLst>
+              <a:ext uri="{FF2B5EF4-FFF2-40B4-BE49-F238E27FC236}">
+                <a16:creationId xmlns:a16="http://schemas.microsoft.com/office/drawing/2014/main" id="{11E2C7DD-4926-484A-AE4D-F0DC390C8CAA}"/>
+              </a:ext>
+            </a:extLst>
+          </p:cNvPr>
+          <p:cNvSpPr txBox="1"/>
+          <p:nvPr/>
+        </p:nvSpPr>
+        <p:spPr>
+          <a:xfrm>
+            <a:off x="9202994" y="3467302"/>
+            <a:ext cx="1651819" cy="276999"/>
+          </a:xfrm>
+          <a:prstGeom prst="rect">
+            <a:avLst/>
+          </a:prstGeom>
+          <a:noFill/>
+        </p:spPr>
+        <p:txBody>
+          <a:bodyPr wrap="square" rtlCol="0">
+            <a:spAutoFit/>
+          </a:bodyPr>
+          <a:lstStyle/>
+          <a:p>
+            <a:pPr algn="ctr"/>
+            <a:r>
+              <a:rPr lang="en-US" sz="1200" dirty="0"/>
+              <a:t>Amazon S3</a:t>
+            </a:r>
+          </a:p>
+        </p:txBody>
+      </p:sp>
+      <p:sp>
+        <p:nvSpPr>
+          <p:cNvPr id="21" name="TextBox 20">
+            <a:extLst>
+              <a:ext uri="{FF2B5EF4-FFF2-40B4-BE49-F238E27FC236}">
+                <a16:creationId xmlns:a16="http://schemas.microsoft.com/office/drawing/2014/main" id="{A00BBC54-2A6F-F748-9C00-C2E743DF9224}"/>
+              </a:ext>
+            </a:extLst>
+          </p:cNvPr>
+          <p:cNvSpPr txBox="1"/>
+          <p:nvPr/>
+        </p:nvSpPr>
+        <p:spPr>
+          <a:xfrm>
+            <a:off x="9202994" y="4954116"/>
+            <a:ext cx="1651819" cy="276999"/>
+          </a:xfrm>
+          <a:prstGeom prst="rect">
+            <a:avLst/>
+          </a:prstGeom>
+          <a:noFill/>
+        </p:spPr>
+        <p:txBody>
+          <a:bodyPr wrap="square" rtlCol="0">
+            <a:spAutoFit/>
+          </a:bodyPr>
+          <a:lstStyle/>
+          <a:p>
+            <a:pPr algn="ctr"/>
+            <a:r>
+              <a:rPr lang="en-US" sz="1200" dirty="0"/>
+              <a:t>Amazon Route 53</a:t>
+            </a:r>
+          </a:p>
+        </p:txBody>
+      </p:sp>
+      <p:pic>
+        <p:nvPicPr>
+          <p:cNvPr id="22" name="Graphic 21">
+            <a:extLst>
+              <a:ext uri="{FF2B5EF4-FFF2-40B4-BE49-F238E27FC236}">
+                <a16:creationId xmlns:a16="http://schemas.microsoft.com/office/drawing/2014/main" id="{A3C24CF0-9C15-B84E-AF0F-4BDAF5019BFD}"/>
+              </a:ext>
+            </a:extLst>
+          </p:cNvPr>
+          <p:cNvPicPr>
+            <a:picLocks noChangeAspect="1"/>
+          </p:cNvPicPr>
+          <p:nvPr/>
+        </p:nvPicPr>
+        <p:blipFill>
+          <a:blip r:embed="rId22">
+            <a:extLst>
+              <a:ext uri="{96DAC541-7B7A-43D3-8B79-37D633B846F1}">
+                <asvg:svgBlip xmlns:asvg="http://schemas.microsoft.com/office/drawing/2016/SVG/main" xmlns="" r:embed="rId23"/>
+              </a:ext>
+            </a:extLst>
+          </a:blip>
+          <a:stretch>
+            <a:fillRect/>
+          </a:stretch>
+        </p:blipFill>
+        <p:spPr>
+          <a:xfrm>
+            <a:off x="9743572" y="4307394"/>
+            <a:ext cx="591034" cy="591034"/>
+          </a:xfrm>
+          <a:prstGeom prst="rect">
+            <a:avLst/>
+          </a:prstGeom>
+        </p:spPr>
+      </p:pic>
+      <p:sp>
+        <p:nvSpPr>
+          <p:cNvPr id="23" name="TextBox 22">
+            <a:extLst>
+              <a:ext uri="{FF2B5EF4-FFF2-40B4-BE49-F238E27FC236}">
+                <a16:creationId xmlns:a16="http://schemas.microsoft.com/office/drawing/2014/main" id="{2234739D-32CB-5340-8B73-75B885B1FBCF}"/>
+              </a:ext>
+            </a:extLst>
+          </p:cNvPr>
+          <p:cNvSpPr txBox="1"/>
+          <p:nvPr/>
+        </p:nvSpPr>
+        <p:spPr>
+          <a:xfrm>
+            <a:off x="4786108" y="4961997"/>
+            <a:ext cx="1194005" cy="461665"/>
+          </a:xfrm>
+          <a:prstGeom prst="rect">
+            <a:avLst/>
+          </a:prstGeom>
+          <a:noFill/>
+        </p:spPr>
+        <p:txBody>
+          <a:bodyPr wrap="square" rtlCol="0">
+            <a:spAutoFit/>
+          </a:bodyPr>
+          <a:lstStyle/>
+          <a:p>
+            <a:pPr algn="ctr"/>
+            <a:r>
+              <a:rPr lang="en-US" sz="1200" dirty="0"/>
+              <a:t>Elastic Load Balancing (ELB)</a:t>
+            </a:r>
+          </a:p>
+        </p:txBody>
+      </p:sp>
+      <p:pic>
+        <p:nvPicPr>
+          <p:cNvPr id="24" name="Graphic 23">
+            <a:extLst>
+              <a:ext uri="{FF2B5EF4-FFF2-40B4-BE49-F238E27FC236}">
+                <a16:creationId xmlns:a16="http://schemas.microsoft.com/office/drawing/2014/main" id="{6A627AED-A106-E347-809C-A73FDAEAAD52}"/>
+              </a:ext>
+            </a:extLst>
+          </p:cNvPr>
+          <p:cNvPicPr>
+            <a:picLocks noChangeAspect="1"/>
+          </p:cNvPicPr>
+          <p:nvPr/>
+        </p:nvPicPr>
+        <p:blipFill>
+          <a:blip r:embed="rId24">
+            <a:extLst>
+              <a:ext uri="{96DAC541-7B7A-43D3-8B79-37D633B846F1}">
+                <asvg:svgBlip xmlns:asvg="http://schemas.microsoft.com/office/drawing/2016/SVG/main" xmlns="" r:embed="rId25"/>
+              </a:ext>
+            </a:extLst>
+          </a:blip>
+          <a:stretch>
+            <a:fillRect/>
+          </a:stretch>
+        </p:blipFill>
+        <p:spPr>
+          <a:xfrm>
+            <a:off x="5102418" y="4371159"/>
+            <a:ext cx="591034" cy="591034"/>
+          </a:xfrm>
+          <a:prstGeom prst="rect">
+            <a:avLst/>
+          </a:prstGeom>
+        </p:spPr>
+      </p:pic>
+      <p:sp>
+        <p:nvSpPr>
+          <p:cNvPr id="26" name="TextBox 25">
+            <a:extLst>
+              <a:ext uri="{FF2B5EF4-FFF2-40B4-BE49-F238E27FC236}">
+                <a16:creationId xmlns:a16="http://schemas.microsoft.com/office/drawing/2014/main" id="{B772C9E7-5575-704F-A634-C0FE096CA084}"/>
+              </a:ext>
+            </a:extLst>
+          </p:cNvPr>
+          <p:cNvSpPr txBox="1"/>
+          <p:nvPr/>
+        </p:nvSpPr>
+        <p:spPr>
+          <a:xfrm>
+            <a:off x="2638908" y="3173094"/>
+            <a:ext cx="1252704" cy="276999"/>
+          </a:xfrm>
+          <a:prstGeom prst="rect">
+            <a:avLst/>
+          </a:prstGeom>
+          <a:noFill/>
+        </p:spPr>
+        <p:txBody>
+          <a:bodyPr wrap="square" rtlCol="0">
+            <a:spAutoFit/>
+          </a:bodyPr>
+          <a:lstStyle/>
+          <a:p>
+            <a:pPr algn="ctr"/>
+            <a:r>
+              <a:rPr lang="en-US" sz="1200" dirty="0">
+                <a:solidFill>
+                  <a:srgbClr val="1E8900"/>
+                </a:solidFill>
+              </a:rPr>
+              <a:t>10.0.128.0/20</a:t>
+            </a:r>
+          </a:p>
+        </p:txBody>
+      </p:sp>
+      <p:sp>
+        <p:nvSpPr>
+          <p:cNvPr id="27" name="TextBox 26">
+            <a:extLst>
+              <a:ext uri="{FF2B5EF4-FFF2-40B4-BE49-F238E27FC236}">
+                <a16:creationId xmlns:a16="http://schemas.microsoft.com/office/drawing/2014/main" id="{83C5B1B5-5E37-0C46-99A6-19DDD3162CBA}"/>
+              </a:ext>
+            </a:extLst>
+          </p:cNvPr>
+          <p:cNvSpPr txBox="1"/>
+          <p:nvPr/>
+        </p:nvSpPr>
+        <p:spPr>
+          <a:xfrm>
+            <a:off x="2638908" y="5856092"/>
+            <a:ext cx="1252704" cy="276999"/>
+          </a:xfrm>
+          <a:prstGeom prst="rect">
+            <a:avLst/>
+          </a:prstGeom>
+          <a:noFill/>
+        </p:spPr>
+        <p:txBody>
+          <a:bodyPr wrap="square" rtlCol="0">
+            <a:spAutoFit/>
+          </a:bodyPr>
+          <a:lstStyle/>
+          <a:p>
+            <a:pPr algn="ctr"/>
+            <a:r>
+              <a:rPr lang="en-US" sz="1200" dirty="0">
+                <a:solidFill>
+                  <a:srgbClr val="007DBC"/>
+                </a:solidFill>
+              </a:rPr>
+              <a:t>10.0.0.0/19</a:t>
+            </a:r>
+          </a:p>
+        </p:txBody>
+      </p:sp>
+      <p:sp>
+        <p:nvSpPr>
+          <p:cNvPr id="31" name="Rectangle 30">
+            <a:extLst>
+              <a:ext uri="{FF2B5EF4-FFF2-40B4-BE49-F238E27FC236}">
+                <a16:creationId xmlns:a16="http://schemas.microsoft.com/office/drawing/2014/main" id="{C9AB2DA7-DA00-5D4A-9698-2A7EF6E082FE}"/>
+              </a:ext>
+            </a:extLst>
+          </p:cNvPr>
+          <p:cNvSpPr/>
+          <p:nvPr/>
+        </p:nvSpPr>
+        <p:spPr>
+          <a:xfrm>
+            <a:off x="6246897" y="3736882"/>
+            <a:ext cx="2470969" cy="2414536"/>
+          </a:xfrm>
+          <a:prstGeom prst="rect">
+            <a:avLst/>
+          </a:prstGeom>
+          <a:solidFill>
+            <a:srgbClr val="007CBC">
+              <a:alpha val="9804"/>
+            </a:srgbClr>
+          </a:solidFill>
           <a:ln w="12700">
             <a:solidFill>
-              <a:srgbClr val="545B64"/>
+              <a:srgbClr val="007DBC"/>
             </a:solidFill>
-            <a:prstDash val="dash"/>
+            <a:prstDash val="solid"/>
           </a:ln>
         </p:spPr>
         <p:style>
@@ -4063,7 +4552,7 @@
           </a:fontRef>
         </p:style>
         <p:txBody>
-          <a:bodyPr rot="0" spcFirstLastPara="0" vertOverflow="overflow" horzOverflow="overflow" vert="horz" wrap="square" lIns="457200" tIns="91440" rIns="91440" bIns="45720" numCol="1" spcCol="0" rtlCol="0" fromWordArt="0" anchor="t" anchorCtr="0" forceAA="0" compatLnSpc="1">
+          <a:bodyPr rot="0" spcFirstLastPara="0" vertOverflow="overflow" horzOverflow="overflow" vert="horz" wrap="square" lIns="338328" tIns="45720" rIns="91440" bIns="45720" numCol="1" spcCol="0" rtlCol="0" fromWordArt="0" anchor="t" anchorCtr="0" forceAA="0" compatLnSpc="1">
             <a:prstTxWarp prst="textNoShape">
               <a:avLst/>
             </a:prstTxWarp>
@@ -4075,246 +4564,85 @@
             <a:r>
               <a:rPr lang="en-US" sz="1200" dirty="0">
                 <a:solidFill>
-                  <a:srgbClr val="545B64"/>
+                  <a:srgbClr val="007DBC"/>
                 </a:solidFill>
               </a:rPr>
-              <a:t> Availability </a:t>
-            </a:r>
-            <a:r>
-              <a:rPr lang="en-US" sz="1200" dirty="0" smtClean="0">
+              <a:t>Private subnet</a:t>
+            </a:r>
+          </a:p>
+        </p:txBody>
+      </p:sp>
+      <p:sp>
+        <p:nvSpPr>
+          <p:cNvPr id="32" name="Rectangle 31">
+            <a:extLst>
+              <a:ext uri="{FF2B5EF4-FFF2-40B4-BE49-F238E27FC236}">
+                <a16:creationId xmlns:a16="http://schemas.microsoft.com/office/drawing/2014/main" id="{7096E968-AD7E-1745-89D5-3B7F86F5DD97}"/>
+              </a:ext>
+            </a:extLst>
+          </p:cNvPr>
+          <p:cNvSpPr/>
+          <p:nvPr/>
+        </p:nvSpPr>
+        <p:spPr>
+          <a:xfrm>
+            <a:off x="6093492" y="629762"/>
+            <a:ext cx="2782099" cy="5849653"/>
+          </a:xfrm>
+          <a:prstGeom prst="rect">
+            <a:avLst/>
+          </a:prstGeom>
+          <a:noFill/>
+          <a:ln w="12700">
+            <a:solidFill>
+              <a:srgbClr val="007DBC"/>
+            </a:solidFill>
+            <a:prstDash val="dash"/>
+          </a:ln>
+        </p:spPr>
+        <p:style>
+          <a:lnRef idx="2">
+            <a:schemeClr val="accent1">
+              <a:shade val="50000"/>
+            </a:schemeClr>
+          </a:lnRef>
+          <a:fillRef idx="1">
+            <a:schemeClr val="accent1"/>
+          </a:fillRef>
+          <a:effectRef idx="0">
+            <a:schemeClr val="accent1"/>
+          </a:effectRef>
+          <a:fontRef idx="minor">
+            <a:schemeClr val="lt1"/>
+          </a:fontRef>
+        </p:style>
+        <p:txBody>
+          <a:bodyPr rot="0" spcFirstLastPara="0" vertOverflow="overflow" horzOverflow="overflow" vert="horz" wrap="square" lIns="91440" tIns="91440" rIns="91440" bIns="45720" numCol="1" spcCol="0" rtlCol="0" fromWordArt="0" anchor="t" anchorCtr="0" forceAA="0" compatLnSpc="1">
+            <a:prstTxWarp prst="textNoShape">
+              <a:avLst/>
+            </a:prstTxWarp>
+            <a:noAutofit/>
+          </a:bodyPr>
+          <a:lstStyle/>
+          <a:p>
+            <a:pPr algn="ctr"/>
+            <a:r>
+              <a:rPr lang="en-US" sz="1200" dirty="0">
                 <a:solidFill>
-                  <a:srgbClr val="545B64"/>
+                  <a:srgbClr val="007DBC"/>
                 </a:solidFill>
               </a:rPr>
-              <a:t>Zone </a:t>
-            </a:r>
-            <a:r>
-              <a:rPr lang="en-US" sz="1200" dirty="0">
-                <a:solidFill>
-                  <a:srgbClr val="545B64"/>
-                </a:solidFill>
-              </a:rPr>
-              <a:t>2</a:t>
-            </a:r>
-          </a:p>
-        </p:txBody>
-      </p:sp>
-      <p:grpSp>
-        <p:nvGrpSpPr>
-          <p:cNvPr id="39" name="Group 38">
-            <a:extLst>
-              <a:ext uri="{FF2B5EF4-FFF2-40B4-BE49-F238E27FC236}">
-                <a16:creationId xmlns:a16="http://schemas.microsoft.com/office/drawing/2014/main" id="{F34E6E60-18C2-1F40-A6A4-828AF35425B9}"/>
-              </a:ext>
-            </a:extLst>
-          </p:cNvPr>
-          <p:cNvGrpSpPr/>
-          <p:nvPr/>
-        </p:nvGrpSpPr>
-        <p:grpSpPr>
-          <a:xfrm>
-            <a:off x="8145696" y="2193720"/>
-            <a:ext cx="1072750" cy="872371"/>
-            <a:chOff x="2994855" y="2827165"/>
-            <a:chExt cx="1072750" cy="872371"/>
-          </a:xfrm>
-        </p:grpSpPr>
-        <p:pic>
-          <p:nvPicPr>
-            <p:cNvPr id="40" name="Graphic 39">
-              <a:extLst>
-                <a:ext uri="{FF2B5EF4-FFF2-40B4-BE49-F238E27FC236}">
-                  <a16:creationId xmlns:a16="http://schemas.microsoft.com/office/drawing/2014/main" id="{CD4D3968-E451-C84D-87AC-C60EEFC6F543}"/>
-                </a:ext>
-              </a:extLst>
-            </p:cNvPr>
-            <p:cNvPicPr>
-              <a:picLocks noChangeAspect="1"/>
-            </p:cNvPicPr>
-            <p:nvPr/>
-          </p:nvPicPr>
-          <p:blipFill>
-            <a:blip r:embed="rId24">
-              <a:extLst>
-                <a:ext uri="{96DAC541-7B7A-43D3-8B79-37D633B846F1}">
-                  <asvg:svgBlip xmlns:asvg="http://schemas.microsoft.com/office/drawing/2016/SVG/main" xmlns="" r:embed="rId15"/>
-                </a:ext>
-              </a:extLst>
-            </a:blip>
-            <a:stretch>
-              <a:fillRect/>
-            </a:stretch>
-          </p:blipFill>
-          <p:spPr>
-            <a:xfrm>
-              <a:off x="3245480" y="2827165"/>
-              <a:ext cx="571500" cy="571500"/>
-            </a:xfrm>
-            <a:prstGeom prst="rect">
-              <a:avLst/>
-            </a:prstGeom>
-          </p:spPr>
-        </p:pic>
-        <p:sp>
-          <p:nvSpPr>
-            <p:cNvPr id="41" name="TextBox 40">
-              <a:extLst>
-                <a:ext uri="{FF2B5EF4-FFF2-40B4-BE49-F238E27FC236}">
-                  <a16:creationId xmlns:a16="http://schemas.microsoft.com/office/drawing/2014/main" id="{75727A24-A7AB-194D-9ACB-5D28A72FA4E2}"/>
-                </a:ext>
-              </a:extLst>
-            </p:cNvPr>
-            <p:cNvSpPr txBox="1"/>
-            <p:nvPr/>
-          </p:nvSpPr>
-          <p:spPr>
-            <a:xfrm>
-              <a:off x="2994855" y="3437926"/>
-              <a:ext cx="1072750" cy="261610"/>
-            </a:xfrm>
-            <a:prstGeom prst="rect">
-              <a:avLst/>
-            </a:prstGeom>
-            <a:noFill/>
-          </p:spPr>
-          <p:txBody>
-            <a:bodyPr wrap="square" rtlCol="0">
-              <a:spAutoFit/>
-            </a:bodyPr>
-            <a:lstStyle/>
-            <a:p>
-              <a:pPr algn="ctr"/>
-              <a:r>
-                <a:rPr lang="en-US" sz="1100" dirty="0">
-                  <a:solidFill>
-                    <a:srgbClr val="232F3E"/>
-                  </a:solidFill>
-                </a:rPr>
-                <a:t>NAT gateway</a:t>
-              </a:r>
-            </a:p>
-          </p:txBody>
-        </p:sp>
-      </p:grpSp>
-      <p:grpSp>
-        <p:nvGrpSpPr>
-          <p:cNvPr id="48" name="Group 47">
-            <a:extLst>
-              <a:ext uri="{FF2B5EF4-FFF2-40B4-BE49-F238E27FC236}">
-                <a16:creationId xmlns:a16="http://schemas.microsoft.com/office/drawing/2014/main" id="{0D46C14A-5CEB-E54D-B96A-73F781C7211D}"/>
-              </a:ext>
-            </a:extLst>
-          </p:cNvPr>
-          <p:cNvGrpSpPr/>
-          <p:nvPr/>
-        </p:nvGrpSpPr>
-        <p:grpSpPr>
-          <a:xfrm>
-            <a:off x="3485130" y="4361428"/>
-            <a:ext cx="1072750" cy="1061228"/>
-            <a:chOff x="1255267" y="3843536"/>
-            <a:chExt cx="1072750" cy="1061228"/>
-          </a:xfrm>
-        </p:grpSpPr>
-        <p:pic>
-          <p:nvPicPr>
-            <p:cNvPr id="49" name="Graphic 48">
-              <a:extLst>
-                <a:ext uri="{FF2B5EF4-FFF2-40B4-BE49-F238E27FC236}">
-                  <a16:creationId xmlns:a16="http://schemas.microsoft.com/office/drawing/2014/main" id="{2FC64889-2AC0-7543-8AD2-B0D5E6ED9FEB}"/>
-                </a:ext>
-              </a:extLst>
-            </p:cNvPr>
-            <p:cNvPicPr>
-              <a:picLocks noChangeAspect="1"/>
-            </p:cNvPicPr>
-            <p:nvPr/>
-          </p:nvPicPr>
-          <p:blipFill>
-            <a:blip r:embed="rId25">
-              <a:extLst>
-                <a:ext uri="{96DAC541-7B7A-43D3-8B79-37D633B846F1}">
-                  <asvg:svgBlip xmlns:asvg="http://schemas.microsoft.com/office/drawing/2016/SVG/main" xmlns="" r:embed="rId3"/>
-                </a:ext>
-              </a:extLst>
-            </a:blip>
-            <a:stretch>
-              <a:fillRect/>
-            </a:stretch>
-          </p:blipFill>
-          <p:spPr>
-            <a:xfrm>
-              <a:off x="1505892" y="3843536"/>
-              <a:ext cx="571500" cy="571500"/>
-            </a:xfrm>
-            <a:prstGeom prst="rect">
-              <a:avLst/>
-            </a:prstGeom>
-          </p:spPr>
-        </p:pic>
-        <p:sp>
-          <p:nvSpPr>
-            <p:cNvPr id="50" name="TextBox 49">
-              <a:extLst>
-                <a:ext uri="{FF2B5EF4-FFF2-40B4-BE49-F238E27FC236}">
-                  <a16:creationId xmlns:a16="http://schemas.microsoft.com/office/drawing/2014/main" id="{5C5F836E-CB6E-4847-AFD6-F1D101D0C866}"/>
-                </a:ext>
-              </a:extLst>
-            </p:cNvPr>
-            <p:cNvSpPr txBox="1"/>
-            <p:nvPr/>
-          </p:nvSpPr>
-          <p:spPr>
-            <a:xfrm>
-              <a:off x="1255267" y="4473877"/>
-              <a:ext cx="1072750" cy="430887"/>
-            </a:xfrm>
-            <a:prstGeom prst="rect">
-              <a:avLst/>
-            </a:prstGeom>
-            <a:noFill/>
-          </p:spPr>
-          <p:txBody>
-            <a:bodyPr wrap="square" rtlCol="0">
-              <a:spAutoFit/>
-            </a:bodyPr>
-            <a:lstStyle/>
-            <a:p>
-              <a:pPr algn="ctr"/>
-              <a:r>
-                <a:rPr lang="en-US" sz="1100" dirty="0">
-                  <a:solidFill>
-                    <a:srgbClr val="232F3E"/>
-                  </a:solidFill>
-                </a:rPr>
-                <a:t>&lt;your </a:t>
-              </a:r>
-              <a:r>
-                <a:rPr lang="en-US" sz="1100" dirty="0" smtClean="0">
-                  <a:solidFill>
-                    <a:srgbClr val="232F3E"/>
-                  </a:solidFill>
-                </a:rPr>
-                <a:t>product </a:t>
-              </a:r>
-              <a:r>
-                <a:rPr lang="en-US" sz="1100" dirty="0">
-                  <a:solidFill>
-                    <a:srgbClr val="232F3E"/>
-                  </a:solidFill>
-                </a:rPr>
-                <a:t>Instances&gt;</a:t>
-              </a:r>
-            </a:p>
-          </p:txBody>
-        </p:sp>
-      </p:grpSp>
+              <a:t>Availability Zone 2</a:t>
+            </a:r>
+          </a:p>
+        </p:txBody>
+      </p:sp>
       <p:pic>
         <p:nvPicPr>
-          <p:cNvPr id="51" name="Graphic 50">
-            <a:extLst>
-              <a:ext uri="{FF2B5EF4-FFF2-40B4-BE49-F238E27FC236}">
-                <a16:creationId xmlns:a16="http://schemas.microsoft.com/office/drawing/2014/main" id="{A1A49BC9-7F44-DC49-9277-9A68D9F3FD6E}"/>
+          <p:cNvPr id="33" name="Graphic 32">
+            <a:extLst>
+              <a:ext uri="{FF2B5EF4-FFF2-40B4-BE49-F238E27FC236}">
+                <a16:creationId xmlns:a16="http://schemas.microsoft.com/office/drawing/2014/main" id="{350585F2-7B67-FB44-A7D1-88EBE25B2918}"/>
               </a:ext>
             </a:extLst>
           </p:cNvPr>
@@ -4324,10 +4652,10 @@
           <p:nvPr/>
         </p:nvPicPr>
         <p:blipFill>
-          <a:blip r:embed="rId26">
+          <a:blip r:embed="rId11">
             <a:extLst>
               <a:ext uri="{96DAC541-7B7A-43D3-8B79-37D633B846F1}">
-                <asvg:svgBlip xmlns:asvg="http://schemas.microsoft.com/office/drawing/2016/SVG/main" xmlns="" r:embed="rId19"/>
+                <asvg:svgBlip xmlns:asvg="http://schemas.microsoft.com/office/drawing/2016/SVG/main" xmlns="" r:embed="rId12"/>
               </a:ext>
             </a:extLst>
           </a:blip>
@@ -4337,33 +4665,293 @@
         </p:blipFill>
         <p:spPr>
           <a:xfrm>
-            <a:off x="5680361" y="4331232"/>
-            <a:ext cx="569953" cy="816932"/>
+            <a:off x="6244917" y="1392136"/>
+            <a:ext cx="274320" cy="274320"/>
           </a:xfrm>
           <a:prstGeom prst="rect">
             <a:avLst/>
           </a:prstGeom>
         </p:spPr>
       </p:pic>
+      <p:pic>
+        <p:nvPicPr>
+          <p:cNvPr id="34" name="Graphic 33">
+            <a:extLst>
+              <a:ext uri="{FF2B5EF4-FFF2-40B4-BE49-F238E27FC236}">
+                <a16:creationId xmlns:a16="http://schemas.microsoft.com/office/drawing/2014/main" id="{C776ABA9-5E64-204C-B51D-F2AB180851BE}"/>
+              </a:ext>
+            </a:extLst>
+          </p:cNvPr>
+          <p:cNvPicPr>
+            <a:picLocks noChangeAspect="1"/>
+          </p:cNvPicPr>
+          <p:nvPr/>
+        </p:nvPicPr>
+        <p:blipFill>
+          <a:blip r:embed="rId13">
+            <a:extLst>
+              <a:ext uri="{96DAC541-7B7A-43D3-8B79-37D633B846F1}">
+                <asvg:svgBlip xmlns:asvg="http://schemas.microsoft.com/office/drawing/2016/SVG/main" xmlns="" r:embed="rId14"/>
+              </a:ext>
+            </a:extLst>
+          </a:blip>
+          <a:stretch>
+            <a:fillRect/>
+          </a:stretch>
+        </p:blipFill>
+        <p:spPr>
+          <a:xfrm>
+            <a:off x="6248621" y="3734523"/>
+            <a:ext cx="274320" cy="274320"/>
+          </a:xfrm>
+          <a:prstGeom prst="rect">
+            <a:avLst/>
+          </a:prstGeom>
+        </p:spPr>
+      </p:pic>
+      <p:sp>
+        <p:nvSpPr>
+          <p:cNvPr id="35" name="TextBox 34">
+            <a:extLst>
+              <a:ext uri="{FF2B5EF4-FFF2-40B4-BE49-F238E27FC236}">
+                <a16:creationId xmlns:a16="http://schemas.microsoft.com/office/drawing/2014/main" id="{1CF886C8-1D5E-494C-8004-7362DA77D891}"/>
+              </a:ext>
+            </a:extLst>
+          </p:cNvPr>
+          <p:cNvSpPr txBox="1"/>
+          <p:nvPr/>
+        </p:nvSpPr>
+        <p:spPr>
+          <a:xfrm>
+            <a:off x="7648700" y="2600874"/>
+            <a:ext cx="994971" cy="276999"/>
+          </a:xfrm>
+          <a:prstGeom prst="rect">
+            <a:avLst/>
+          </a:prstGeom>
+          <a:noFill/>
+        </p:spPr>
+        <p:txBody>
+          <a:bodyPr wrap="square" rtlCol="0">
+            <a:spAutoFit/>
+          </a:bodyPr>
+          <a:lstStyle/>
+          <a:p>
+            <a:pPr algn="ctr"/>
+            <a:r>
+              <a:rPr lang="en-US" sz="1200" dirty="0"/>
+              <a:t>NAT gateway</a:t>
+            </a:r>
+          </a:p>
+        </p:txBody>
+      </p:sp>
+      <p:pic>
+        <p:nvPicPr>
+          <p:cNvPr id="36" name="Graphic 35">
+            <a:extLst>
+              <a:ext uri="{FF2B5EF4-FFF2-40B4-BE49-F238E27FC236}">
+                <a16:creationId xmlns:a16="http://schemas.microsoft.com/office/drawing/2014/main" id="{76E8F122-CFD4-394C-98DC-C6D9C4D39481}"/>
+              </a:ext>
+            </a:extLst>
+          </p:cNvPr>
+          <p:cNvPicPr>
+            <a:picLocks noChangeAspect="1"/>
+          </p:cNvPicPr>
+          <p:nvPr/>
+        </p:nvPicPr>
+        <p:blipFill>
+          <a:blip r:embed="rId15">
+            <a:extLst>
+              <a:ext uri="{96DAC541-7B7A-43D3-8B79-37D633B846F1}">
+                <asvg:svgBlip xmlns:asvg="http://schemas.microsoft.com/office/drawing/2016/SVG/main" xmlns="" r:embed="rId16"/>
+              </a:ext>
+            </a:extLst>
+          </a:blip>
+          <a:stretch>
+            <a:fillRect/>
+          </a:stretch>
+        </p:blipFill>
+        <p:spPr>
+          <a:xfrm>
+            <a:off x="7900813" y="2111895"/>
+            <a:ext cx="469900" cy="469900"/>
+          </a:xfrm>
+          <a:prstGeom prst="rect">
+            <a:avLst/>
+          </a:prstGeom>
+        </p:spPr>
+      </p:pic>
+      <p:pic>
+        <p:nvPicPr>
+          <p:cNvPr id="38" name="Graphic 37">
+            <a:extLst>
+              <a:ext uri="{FF2B5EF4-FFF2-40B4-BE49-F238E27FC236}">
+                <a16:creationId xmlns:a16="http://schemas.microsoft.com/office/drawing/2014/main" id="{7E98237A-7A2B-3045-986B-F4A5E03E8C8D}"/>
+              </a:ext>
+            </a:extLst>
+          </p:cNvPr>
+          <p:cNvPicPr>
+            <a:picLocks noChangeAspect="1"/>
+          </p:cNvPicPr>
+          <p:nvPr/>
+        </p:nvPicPr>
+        <p:blipFill>
+          <a:blip r:embed="rId18">
+            <a:extLst>
+              <a:ext uri="{96DAC541-7B7A-43D3-8B79-37D633B846F1}">
+                <asvg:svgBlip xmlns:asvg="http://schemas.microsoft.com/office/drawing/2016/SVG/main" xmlns="" r:embed="rId19"/>
+              </a:ext>
+            </a:extLst>
+          </a:blip>
+          <a:stretch>
+            <a:fillRect/>
+          </a:stretch>
+        </p:blipFill>
+        <p:spPr>
+          <a:xfrm>
+            <a:off x="7148158" y="4404100"/>
+            <a:ext cx="469900" cy="469900"/>
+          </a:xfrm>
+          <a:prstGeom prst="rect">
+            <a:avLst/>
+          </a:prstGeom>
+        </p:spPr>
+      </p:pic>
+      <p:sp>
+        <p:nvSpPr>
+          <p:cNvPr id="39" name="TextBox 38">
+            <a:extLst>
+              <a:ext uri="{FF2B5EF4-FFF2-40B4-BE49-F238E27FC236}">
+                <a16:creationId xmlns:a16="http://schemas.microsoft.com/office/drawing/2014/main" id="{2D7A6486-DBBA-2947-8A33-98B10E2FFA19}"/>
+              </a:ext>
+            </a:extLst>
+          </p:cNvPr>
+          <p:cNvSpPr txBox="1"/>
+          <p:nvPr/>
+        </p:nvSpPr>
+        <p:spPr>
+          <a:xfrm>
+            <a:off x="6626455" y="4900733"/>
+            <a:ext cx="1513305" cy="461665"/>
+          </a:xfrm>
+          <a:prstGeom prst="rect">
+            <a:avLst/>
+          </a:prstGeom>
+          <a:noFill/>
+        </p:spPr>
+        <p:txBody>
+          <a:bodyPr wrap="square" rtlCol="0">
+            <a:spAutoFit/>
+          </a:bodyPr>
+          <a:lstStyle/>
+          <a:p>
+            <a:pPr algn="ctr"/>
+            <a:r>
+              <a:rPr lang="en-US" sz="1200" dirty="0"/>
+              <a:t>&lt;Your product instances&gt;</a:t>
+            </a:r>
+          </a:p>
+        </p:txBody>
+      </p:sp>
+      <p:sp>
+        <p:nvSpPr>
+          <p:cNvPr id="41" name="TextBox 40">
+            <a:extLst>
+              <a:ext uri="{FF2B5EF4-FFF2-40B4-BE49-F238E27FC236}">
+                <a16:creationId xmlns:a16="http://schemas.microsoft.com/office/drawing/2014/main" id="{DB29C73C-8545-AA4E-89F0-D5F30EDF11A4}"/>
+              </a:ext>
+            </a:extLst>
+          </p:cNvPr>
+          <p:cNvSpPr txBox="1"/>
+          <p:nvPr/>
+        </p:nvSpPr>
+        <p:spPr>
+          <a:xfrm>
+            <a:off x="6856029" y="3182884"/>
+            <a:ext cx="1252704" cy="276999"/>
+          </a:xfrm>
+          <a:prstGeom prst="rect">
+            <a:avLst/>
+          </a:prstGeom>
+          <a:noFill/>
+        </p:spPr>
+        <p:txBody>
+          <a:bodyPr wrap="square" rtlCol="0">
+            <a:spAutoFit/>
+          </a:bodyPr>
+          <a:lstStyle/>
+          <a:p>
+            <a:pPr algn="ctr"/>
+            <a:r>
+              <a:rPr lang="en-US" sz="1200" dirty="0">
+                <a:solidFill>
+                  <a:srgbClr val="1E8900"/>
+                </a:solidFill>
+              </a:rPr>
+              <a:t>10.0.144.0/20</a:t>
+            </a:r>
+          </a:p>
+        </p:txBody>
+      </p:sp>
+      <p:sp>
+        <p:nvSpPr>
+          <p:cNvPr id="42" name="TextBox 41">
+            <a:extLst>
+              <a:ext uri="{FF2B5EF4-FFF2-40B4-BE49-F238E27FC236}">
+                <a16:creationId xmlns:a16="http://schemas.microsoft.com/office/drawing/2014/main" id="{8075A413-1B0E-604E-B4B1-0DA13B87AD04}"/>
+              </a:ext>
+            </a:extLst>
+          </p:cNvPr>
+          <p:cNvSpPr txBox="1"/>
+          <p:nvPr/>
+        </p:nvSpPr>
+        <p:spPr>
+          <a:xfrm>
+            <a:off x="6856029" y="5865882"/>
+            <a:ext cx="1252704" cy="276999"/>
+          </a:xfrm>
+          <a:prstGeom prst="rect">
+            <a:avLst/>
+          </a:prstGeom>
+          <a:noFill/>
+        </p:spPr>
+        <p:txBody>
+          <a:bodyPr wrap="square" rtlCol="0">
+            <a:spAutoFit/>
+          </a:bodyPr>
+          <a:lstStyle/>
+          <a:p>
+            <a:pPr algn="ctr"/>
+            <a:r>
+              <a:rPr lang="en-US" sz="1200" dirty="0">
+                <a:solidFill>
+                  <a:srgbClr val="007DBC"/>
+                </a:solidFill>
+              </a:rPr>
+              <a:t>10.0.32.0/19</a:t>
+            </a:r>
+          </a:p>
+        </p:txBody>
+      </p:sp>
       <p:cxnSp>
         <p:nvCxnSpPr>
-          <p:cNvPr id="68" name="Straight Arrow Connector 67">
-            <a:extLst>
-              <a:ext uri="{FF2B5EF4-FFF2-40B4-BE49-F238E27FC236}">
-                <a16:creationId xmlns:a16="http://schemas.microsoft.com/office/drawing/2014/main" id="{B0C16BA3-9722-0040-929F-DDC8B75F09D2}"/>
+          <p:cNvPr id="43" name="Straight Arrow Connector 42">
+            <a:extLst>
+              <a:ext uri="{FF2B5EF4-FFF2-40B4-BE49-F238E27FC236}">
+                <a16:creationId xmlns:a16="http://schemas.microsoft.com/office/drawing/2014/main" id="{61B45ABE-A1AB-C04D-AAA7-AEA500AA3236}"/>
               </a:ext>
             </a:extLst>
           </p:cNvPr>
           <p:cNvCxnSpPr>
             <a:cxnSpLocks/>
-            <a:stCxn id="49" idx="3"/>
+            <a:stCxn id="24" idx="3"/>
           </p:cNvCxnSpPr>
           <p:nvPr/>
         </p:nvCxnSpPr>
         <p:spPr>
-          <a:xfrm flipV="1">
-            <a:off x="4307255" y="4632698"/>
-            <a:ext cx="1373106" cy="0"/>
+          <a:xfrm>
+            <a:off x="5693452" y="4666676"/>
+            <a:ext cx="1356004" cy="0"/>
           </a:xfrm>
           <a:prstGeom prst="straightConnector1">
             <a:avLst/>
@@ -4372,8 +4960,8 @@
             <a:solidFill>
               <a:srgbClr val="545B64"/>
             </a:solidFill>
-            <a:headEnd type="arrow" w="med" len="sm"/>
-            <a:tailEnd type="none" w="med" len="sm"/>
+            <a:headEnd type="none" w="med" len="sm"/>
+            <a:tailEnd type="arrow" w="med" len="sm"/>
           </a:ln>
         </p:spPr>
         <p:style>
@@ -4393,22 +4981,23 @@
       </p:cxnSp>
       <p:cxnSp>
         <p:nvCxnSpPr>
-          <p:cNvPr id="71" name="Straight Arrow Connector 70">
-            <a:extLst>
-              <a:ext uri="{FF2B5EF4-FFF2-40B4-BE49-F238E27FC236}">
-                <a16:creationId xmlns:a16="http://schemas.microsoft.com/office/drawing/2014/main" id="{AE61F011-ADF9-A546-A079-B35F90D0D07B}"/>
+          <p:cNvPr id="44" name="Straight Arrow Connector 43">
+            <a:extLst>
+              <a:ext uri="{FF2B5EF4-FFF2-40B4-BE49-F238E27FC236}">
+                <a16:creationId xmlns:a16="http://schemas.microsoft.com/office/drawing/2014/main" id="{311766B3-165C-D746-B55E-A427F7D6A1CA}"/>
               </a:ext>
             </a:extLst>
           </p:cNvPr>
           <p:cNvCxnSpPr>
             <a:cxnSpLocks/>
+            <a:endCxn id="24" idx="1"/>
           </p:cNvCxnSpPr>
           <p:nvPr/>
         </p:nvCxnSpPr>
         <p:spPr>
-          <a:xfrm flipH="1">
-            <a:off x="6240586" y="4632698"/>
-            <a:ext cx="1426464" cy="0"/>
+          <a:xfrm flipV="1">
+            <a:off x="3765371" y="4666676"/>
+            <a:ext cx="1337047" cy="0"/>
           </a:xfrm>
           <a:prstGeom prst="straightConnector1">
             <a:avLst/>
@@ -4438,10 +5027,50 @@
       </p:cxnSp>
       <p:sp>
         <p:nvSpPr>
-          <p:cNvPr id="94" name="Rectangle 93">
-            <a:extLst>
-              <a:ext uri="{FF2B5EF4-FFF2-40B4-BE49-F238E27FC236}">
-                <a16:creationId xmlns:a16="http://schemas.microsoft.com/office/drawing/2014/main" id="{3D33BC01-94BA-0A47-8887-38044CEF6F5B}"/>
+          <p:cNvPr id="49" name="TextBox 48">
+            <a:extLst>
+              <a:ext uri="{FF2B5EF4-FFF2-40B4-BE49-F238E27FC236}">
+                <a16:creationId xmlns:a16="http://schemas.microsoft.com/office/drawing/2014/main" id="{968C9F2C-FD3C-2147-AEF7-3A12A3025C38}"/>
+              </a:ext>
+            </a:extLst>
+          </p:cNvPr>
+          <p:cNvSpPr txBox="1"/>
+          <p:nvPr/>
+        </p:nvSpPr>
+        <p:spPr>
+          <a:xfrm>
+            <a:off x="4657596" y="6017483"/>
+            <a:ext cx="1435022" cy="276999"/>
+          </a:xfrm>
+          <a:prstGeom prst="rect">
+            <a:avLst/>
+          </a:prstGeom>
+          <a:noFill/>
+        </p:spPr>
+        <p:txBody>
+          <a:bodyPr wrap="square" rtlCol="0">
+            <a:spAutoFit/>
+          </a:bodyPr>
+          <a:lstStyle/>
+          <a:p>
+            <a:pPr algn="ctr"/>
+            <a:r>
+              <a:rPr lang="en-US" sz="1200" dirty="0">
+                <a:solidFill>
+                  <a:srgbClr val="1E8900"/>
+                </a:solidFill>
+              </a:rPr>
+              <a:t>10.0.0.0/16</a:t>
+            </a:r>
+          </a:p>
+        </p:txBody>
+      </p:sp>
+      <p:sp>
+        <p:nvSpPr>
+          <p:cNvPr id="45" name="Rectangle 44">
+            <a:extLst>
+              <a:ext uri="{FF2B5EF4-FFF2-40B4-BE49-F238E27FC236}">
+                <a16:creationId xmlns:a16="http://schemas.microsoft.com/office/drawing/2014/main" id="{20690DAB-75D7-F04A-AF99-72F7BEC7812F}"/>
               </a:ext>
             </a:extLst>
           </p:cNvPr>
@@ -4450,8 +5079,8 @@
         </p:nvSpPr>
         <p:spPr>
           <a:xfrm>
-            <a:off x="6583307" y="3699851"/>
-            <a:ext cx="2651761" cy="2429691"/>
+            <a:off x="3165987" y="1845899"/>
+            <a:ext cx="4442344" cy="1143000"/>
           </a:xfrm>
           <a:prstGeom prst="rect">
             <a:avLst/>
@@ -4459,8 +5088,9 @@
           <a:noFill/>
           <a:ln w="12700">
             <a:solidFill>
-              <a:srgbClr val="545B64"/>
+              <a:srgbClr val="D86613"/>
             </a:solidFill>
+            <a:prstDash val="dash"/>
           </a:ln>
         </p:spPr>
         <p:style>
@@ -4480,7 +5110,7 @@
           </a:fontRef>
         </p:style>
         <p:txBody>
-          <a:bodyPr rot="0" spcFirstLastPara="0" vertOverflow="overflow" horzOverflow="overflow" vert="horz" wrap="square" lIns="457200" tIns="91440" rIns="91440" bIns="45720" numCol="1" spcCol="0" rtlCol="0" fromWordArt="0" anchor="t" anchorCtr="0" forceAA="0" compatLnSpc="1">
+          <a:bodyPr rot="0" spcFirstLastPara="0" vertOverflow="overflow" horzOverflow="overflow" vert="horz" wrap="square" lIns="91440" tIns="91440" rIns="91440" bIns="45720" numCol="1" spcCol="0" rtlCol="0" fromWordArt="0" anchor="t" anchorCtr="0" forceAA="0" compatLnSpc="1">
             <a:prstTxWarp prst="textNoShape">
               <a:avLst/>
             </a:prstTxWarp>
@@ -4488,1023 +5118,38 @@
           </a:bodyPr>
           <a:lstStyle/>
           <a:p>
-            <a:pPr algn="l"/>
+            <a:pPr algn="ctr"/>
+            <a:endParaRPr lang="en-US" sz="1200" dirty="0">
+              <a:solidFill>
+                <a:srgbClr val="D86613"/>
+              </a:solidFill>
+            </a:endParaRPr>
+          </a:p>
+          <a:p>
+            <a:pPr algn="ctr"/>
+            <a:endParaRPr lang="en-US" sz="1200" dirty="0">
+              <a:solidFill>
+                <a:srgbClr val="D86613"/>
+              </a:solidFill>
+            </a:endParaRPr>
+          </a:p>
+          <a:p>
+            <a:pPr algn="ctr"/>
             <a:r>
               <a:rPr lang="en-US" sz="1200" dirty="0">
                 <a:solidFill>
-                  <a:srgbClr val="545B64"/>
+                  <a:srgbClr val="D86613"/>
                 </a:solidFill>
               </a:rPr>
-              <a:t>Private </a:t>
-            </a:r>
-            <a:r>
-              <a:rPr lang="en-US" sz="1200" dirty="0" smtClean="0">
-                <a:solidFill>
-                  <a:srgbClr val="545B64"/>
-                </a:solidFill>
-              </a:rPr>
-              <a:t>subnet</a:t>
-            </a:r>
-            <a:endParaRPr lang="en-US" sz="1200" dirty="0">
-              <a:solidFill>
-                <a:srgbClr val="545B64"/>
-              </a:solidFill>
-            </a:endParaRPr>
-          </a:p>
-        </p:txBody>
-      </p:sp>
-      <p:pic>
-        <p:nvPicPr>
-          <p:cNvPr id="97" name="Graphic 96">
-            <a:extLst>
-              <a:ext uri="{FF2B5EF4-FFF2-40B4-BE49-F238E27FC236}">
-                <a16:creationId xmlns:a16="http://schemas.microsoft.com/office/drawing/2014/main" id="{163E897B-CC1D-9D4B-8069-CF417313698C}"/>
-              </a:ext>
-            </a:extLst>
-          </p:cNvPr>
-          <p:cNvPicPr>
-            <a:picLocks noChangeAspect="1"/>
-          </p:cNvPicPr>
-          <p:nvPr/>
-        </p:nvPicPr>
-        <p:blipFill>
-          <a:blip r:embed="rId27">
-            <a:extLst>
-              <a:ext uri="{96DAC541-7B7A-43D3-8B79-37D633B846F1}">
-                <asvg:svgBlip xmlns:asvg="http://schemas.microsoft.com/office/drawing/2016/SVG/main" xmlns="" r:embed="rId21"/>
-              </a:ext>
-            </a:extLst>
-          </a:blip>
-          <a:stretch>
-            <a:fillRect/>
-          </a:stretch>
-        </p:blipFill>
-        <p:spPr>
-          <a:xfrm>
-            <a:off x="9885129" y="3682785"/>
-            <a:ext cx="762000" cy="1092200"/>
-          </a:xfrm>
-          <a:prstGeom prst="rect">
-            <a:avLst/>
-          </a:prstGeom>
-        </p:spPr>
-      </p:pic>
-      <p:pic>
-        <p:nvPicPr>
-          <p:cNvPr id="98" name="Graphic 97">
-            <a:extLst>
-              <a:ext uri="{FF2B5EF4-FFF2-40B4-BE49-F238E27FC236}">
-                <a16:creationId xmlns:a16="http://schemas.microsoft.com/office/drawing/2014/main" id="{B005EBC7-A24E-6246-B85D-12428B3EEF4A}"/>
-              </a:ext>
-            </a:extLst>
-          </p:cNvPr>
-          <p:cNvPicPr>
-            <a:picLocks noChangeAspect="1"/>
-          </p:cNvPicPr>
-          <p:nvPr/>
-        </p:nvPicPr>
-        <p:blipFill>
-          <a:blip r:embed="rId28">
-            <a:extLst>
-              <a:ext uri="{96DAC541-7B7A-43D3-8B79-37D633B846F1}">
-                <asvg:svgBlip xmlns:asvg="http://schemas.microsoft.com/office/drawing/2016/SVG/main" xmlns="" r:embed="rId34"/>
-              </a:ext>
-            </a:extLst>
-          </a:blip>
-          <a:stretch>
-            <a:fillRect/>
-          </a:stretch>
-        </p:blipFill>
-        <p:spPr>
-          <a:xfrm>
-            <a:off x="9885129" y="2290445"/>
-            <a:ext cx="762000" cy="952500"/>
-          </a:xfrm>
-          <a:prstGeom prst="rect">
-            <a:avLst/>
-          </a:prstGeom>
-        </p:spPr>
-      </p:pic>
-      <p:grpSp>
-        <p:nvGrpSpPr>
-          <p:cNvPr id="58" name="Group 57">
-            <a:extLst>
-              <a:ext uri="{FF2B5EF4-FFF2-40B4-BE49-F238E27FC236}">
-                <a16:creationId xmlns:a16="http://schemas.microsoft.com/office/drawing/2014/main" id="{0D46C14A-5CEB-E54D-B96A-73F781C7211D}"/>
-              </a:ext>
-            </a:extLst>
-          </p:cNvPr>
-          <p:cNvGrpSpPr/>
-          <p:nvPr/>
-        </p:nvGrpSpPr>
-        <p:grpSpPr>
-          <a:xfrm>
-            <a:off x="7436528" y="4361428"/>
-            <a:ext cx="1072750" cy="1061228"/>
-            <a:chOff x="1255267" y="3843536"/>
-            <a:chExt cx="1072750" cy="1061228"/>
-          </a:xfrm>
-        </p:grpSpPr>
-        <p:pic>
-          <p:nvPicPr>
-            <p:cNvPr id="59" name="Graphic 48">
-              <a:extLst>
-                <a:ext uri="{FF2B5EF4-FFF2-40B4-BE49-F238E27FC236}">
-                  <a16:creationId xmlns:a16="http://schemas.microsoft.com/office/drawing/2014/main" id="{2FC64889-2AC0-7543-8AD2-B0D5E6ED9FEB}"/>
-                </a:ext>
-              </a:extLst>
-            </p:cNvPr>
-            <p:cNvPicPr>
-              <a:picLocks noChangeAspect="1"/>
-            </p:cNvPicPr>
-            <p:nvPr/>
-          </p:nvPicPr>
-          <p:blipFill>
-            <a:blip r:embed="rId25">
-              <a:extLst>
-                <a:ext uri="{96DAC541-7B7A-43D3-8B79-37D633B846F1}">
-                  <asvg:svgBlip xmlns:asvg="http://schemas.microsoft.com/office/drawing/2016/SVG/main" xmlns="" r:embed="rId3"/>
-                </a:ext>
-              </a:extLst>
-            </a:blip>
-            <a:stretch>
-              <a:fillRect/>
-            </a:stretch>
-          </p:blipFill>
-          <p:spPr>
-            <a:xfrm>
-              <a:off x="1505892" y="3843536"/>
-              <a:ext cx="571500" cy="571500"/>
-            </a:xfrm>
-            <a:prstGeom prst="rect">
-              <a:avLst/>
-            </a:prstGeom>
-          </p:spPr>
-        </p:pic>
-        <p:sp>
-          <p:nvSpPr>
-            <p:cNvPr id="60" name="TextBox 59">
-              <a:extLst>
-                <a:ext uri="{FF2B5EF4-FFF2-40B4-BE49-F238E27FC236}">
-                  <a16:creationId xmlns:a16="http://schemas.microsoft.com/office/drawing/2014/main" id="{5C5F836E-CB6E-4847-AFD6-F1D101D0C866}"/>
-                </a:ext>
-              </a:extLst>
-            </p:cNvPr>
-            <p:cNvSpPr txBox="1"/>
-            <p:nvPr/>
-          </p:nvSpPr>
-          <p:spPr>
-            <a:xfrm>
-              <a:off x="1255267" y="4473877"/>
-              <a:ext cx="1072750" cy="430887"/>
-            </a:xfrm>
-            <a:prstGeom prst="rect">
-              <a:avLst/>
-            </a:prstGeom>
-            <a:noFill/>
-          </p:spPr>
-          <p:txBody>
-            <a:bodyPr wrap="square" rtlCol="0">
-              <a:spAutoFit/>
-            </a:bodyPr>
-            <a:lstStyle/>
-            <a:p>
-              <a:pPr algn="ctr"/>
-              <a:r>
-                <a:rPr lang="en-US" sz="1100" dirty="0">
-                  <a:solidFill>
-                    <a:srgbClr val="232F3E"/>
-                  </a:solidFill>
-                </a:rPr>
-                <a:t>&lt;your product Instances&gt;</a:t>
-              </a:r>
-            </a:p>
-          </p:txBody>
-        </p:sp>
-      </p:grpSp>
-      <p:grpSp>
-        <p:nvGrpSpPr>
-          <p:cNvPr id="72" name="Group 71">
-            <a:extLst>
-              <a:ext uri="{FF2B5EF4-FFF2-40B4-BE49-F238E27FC236}">
-                <a16:creationId xmlns:a16="http://schemas.microsoft.com/office/drawing/2014/main" id="{C1D21465-1D33-DF42-9CD6-13821F0C4696}"/>
-              </a:ext>
-            </a:extLst>
-          </p:cNvPr>
-          <p:cNvGrpSpPr/>
-          <p:nvPr/>
-        </p:nvGrpSpPr>
-        <p:grpSpPr>
-          <a:xfrm>
-            <a:off x="4059600" y="2087839"/>
-            <a:ext cx="1072750" cy="1064682"/>
-            <a:chOff x="6250260" y="2753509"/>
-            <a:chExt cx="1072750" cy="1064682"/>
-          </a:xfrm>
-        </p:grpSpPr>
-        <p:pic>
-          <p:nvPicPr>
-            <p:cNvPr id="73" name="Graphic 56">
-              <a:extLst>
-                <a:ext uri="{FF2B5EF4-FFF2-40B4-BE49-F238E27FC236}">
-                  <a16:creationId xmlns:a16="http://schemas.microsoft.com/office/drawing/2014/main" id="{D9489393-8CF0-F943-9C2E-B271952ED21E}"/>
-                </a:ext>
-              </a:extLst>
-            </p:cNvPr>
-            <p:cNvPicPr>
-              <a:picLocks noChangeAspect="1"/>
-            </p:cNvPicPr>
-            <p:nvPr/>
-          </p:nvPicPr>
-          <p:blipFill>
-            <a:blip r:embed="rId2">
-              <a:extLst>
-                <a:ext uri="{96DAC541-7B7A-43D3-8B79-37D633B846F1}">
-                  <asvg:svgBlip xmlns:asvg="http://schemas.microsoft.com/office/drawing/2016/SVG/main" xmlns="" r:embed="rId23"/>
-                </a:ext>
-              </a:extLst>
-            </a:blip>
-            <a:stretch>
-              <a:fillRect/>
-            </a:stretch>
-          </p:blipFill>
-          <p:spPr>
-            <a:xfrm>
-              <a:off x="6500885" y="2753509"/>
-              <a:ext cx="571500" cy="571500"/>
-            </a:xfrm>
-            <a:prstGeom prst="rect">
-              <a:avLst/>
-            </a:prstGeom>
-          </p:spPr>
-        </p:pic>
-        <p:sp>
-          <p:nvSpPr>
-            <p:cNvPr id="74" name="TextBox 73">
-              <a:extLst>
-                <a:ext uri="{FF2B5EF4-FFF2-40B4-BE49-F238E27FC236}">
-                  <a16:creationId xmlns:a16="http://schemas.microsoft.com/office/drawing/2014/main" id="{22B0399D-A17E-1C40-9416-2ACAC20006C1}"/>
-                </a:ext>
-              </a:extLst>
-            </p:cNvPr>
-            <p:cNvSpPr txBox="1"/>
-            <p:nvPr/>
-          </p:nvSpPr>
-          <p:spPr>
-            <a:xfrm>
-              <a:off x="6250260" y="3387304"/>
-              <a:ext cx="1072750" cy="430887"/>
-            </a:xfrm>
-            <a:prstGeom prst="rect">
-              <a:avLst/>
-            </a:prstGeom>
-            <a:noFill/>
-          </p:spPr>
-          <p:txBody>
-            <a:bodyPr wrap="square" rtlCol="0">
-              <a:spAutoFit/>
-            </a:bodyPr>
-            <a:lstStyle/>
-            <a:p>
-              <a:pPr algn="ctr"/>
-              <a:r>
-                <a:rPr lang="en-US" sz="1100" dirty="0" smtClean="0">
-                  <a:solidFill>
-                    <a:srgbClr val="232F3E"/>
-                  </a:solidFill>
-                </a:rPr>
-                <a:t>Bastion</a:t>
-              </a:r>
-              <a:br>
-                <a:rPr lang="en-US" sz="1100" dirty="0" smtClean="0">
-                  <a:solidFill>
-                    <a:srgbClr val="232F3E"/>
-                  </a:solidFill>
-                </a:rPr>
-              </a:br>
-              <a:r>
-                <a:rPr lang="en-US" sz="1100" dirty="0" smtClean="0">
-                  <a:solidFill>
-                    <a:srgbClr val="232F3E"/>
-                  </a:solidFill>
-                </a:rPr>
-                <a:t>host</a:t>
-              </a:r>
-              <a:endParaRPr lang="en-US" sz="1100" dirty="0">
-                <a:solidFill>
-                  <a:srgbClr val="232F3E"/>
-                </a:solidFill>
-              </a:endParaRPr>
-            </a:p>
-          </p:txBody>
-        </p:sp>
-      </p:grpSp>
-      <p:pic>
-        <p:nvPicPr>
-          <p:cNvPr id="53" name="Graphic 31">
-            <a:extLst>
-              <a:ext uri="{FF2B5EF4-FFF2-40B4-BE49-F238E27FC236}">
-                <a16:creationId xmlns:a16="http://schemas.microsoft.com/office/drawing/2014/main" id="{247AF2EF-C304-A84B-8E8D-927ED38F0CD3}"/>
-              </a:ext>
-            </a:extLst>
-          </p:cNvPr>
-          <p:cNvPicPr>
-            <a:picLocks noChangeAspect="1"/>
-          </p:cNvPicPr>
-          <p:nvPr/>
-        </p:nvPicPr>
-        <p:blipFill>
-          <a:blip r:embed="rId35">
-            <a:extLst>
-              <a:ext uri="{96DAC541-7B7A-43D3-8B79-37D633B846F1}">
-                <asvg:svgBlip xmlns:asvg="http://schemas.microsoft.com/office/drawing/2016/SVG/main" xmlns="" r:embed="rId13"/>
-              </a:ext>
-            </a:extLst>
-          </a:blip>
-          <a:stretch>
-            <a:fillRect/>
-          </a:stretch>
-        </p:blipFill>
-        <p:spPr>
-          <a:xfrm>
-            <a:off x="5813343" y="1919328"/>
-            <a:ext cx="342900" cy="342900"/>
-          </a:xfrm>
-          <a:prstGeom prst="rect">
-            <a:avLst/>
-          </a:prstGeom>
-        </p:spPr>
-      </p:pic>
-      <p:sp>
-        <p:nvSpPr>
-          <p:cNvPr id="61" name="Rectangle 60">
-            <a:extLst>
-              <a:ext uri="{FF2B5EF4-FFF2-40B4-BE49-F238E27FC236}">
-                <a16:creationId xmlns:a16="http://schemas.microsoft.com/office/drawing/2014/main" id="{3D33BC01-94BA-0A47-8887-38044CEF6F5B}"/>
-              </a:ext>
-            </a:extLst>
-          </p:cNvPr>
-          <p:cNvSpPr/>
-          <p:nvPr/>
-        </p:nvSpPr>
-        <p:spPr>
-          <a:xfrm>
-            <a:off x="2687066" y="3699851"/>
-            <a:ext cx="2651761" cy="2429691"/>
-          </a:xfrm>
-          <a:prstGeom prst="rect">
-            <a:avLst/>
-          </a:prstGeom>
-          <a:noFill/>
-          <a:ln w="12700">
-            <a:solidFill>
-              <a:srgbClr val="545B64"/>
-            </a:solidFill>
-          </a:ln>
-        </p:spPr>
-        <p:style>
-          <a:lnRef idx="2">
-            <a:schemeClr val="accent1">
-              <a:shade val="50000"/>
-            </a:schemeClr>
-          </a:lnRef>
-          <a:fillRef idx="1">
-            <a:schemeClr val="accent1"/>
-          </a:fillRef>
-          <a:effectRef idx="0">
-            <a:schemeClr val="accent1"/>
-          </a:effectRef>
-          <a:fontRef idx="minor">
-            <a:schemeClr val="lt1"/>
-          </a:fontRef>
-        </p:style>
-        <p:txBody>
-          <a:bodyPr rot="0" spcFirstLastPara="0" vertOverflow="overflow" horzOverflow="overflow" vert="horz" wrap="square" lIns="457200" tIns="91440" rIns="91440" bIns="45720" numCol="1" spcCol="0" rtlCol="0" fromWordArt="0" anchor="t" anchorCtr="0" forceAA="0" compatLnSpc="1">
-            <a:prstTxWarp prst="textNoShape">
-              <a:avLst/>
-            </a:prstTxWarp>
-            <a:noAutofit/>
-          </a:bodyPr>
-          <a:lstStyle/>
-          <a:p>
-            <a:pPr algn="l"/>
-            <a:r>
-              <a:rPr lang="en-US" sz="1200" dirty="0">
-                <a:solidFill>
-                  <a:srgbClr val="545B64"/>
-                </a:solidFill>
-              </a:rPr>
-              <a:t>Private </a:t>
-            </a:r>
-            <a:r>
-              <a:rPr lang="en-US" sz="1200" dirty="0" smtClean="0">
-                <a:solidFill>
-                  <a:srgbClr val="545B64"/>
-                </a:solidFill>
-              </a:rPr>
-              <a:t>subnet</a:t>
-            </a:r>
-            <a:endParaRPr lang="en-US" sz="1200" dirty="0">
-              <a:solidFill>
-                <a:srgbClr val="545B64"/>
-              </a:solidFill>
-            </a:endParaRPr>
-          </a:p>
-        </p:txBody>
-      </p:sp>
-      <p:pic>
-        <p:nvPicPr>
-          <p:cNvPr id="2" name="Picture 1"/>
-          <p:cNvPicPr>
-            <a:picLocks noChangeAspect="1"/>
-          </p:cNvPicPr>
-          <p:nvPr/>
-        </p:nvPicPr>
-        <p:blipFill>
-          <a:blip r:embed="rId36"/>
-          <a:stretch>
-            <a:fillRect/>
-          </a:stretch>
-        </p:blipFill>
-        <p:spPr>
-          <a:xfrm>
-            <a:off x="5146699" y="1313889"/>
-            <a:ext cx="247619" cy="285714"/>
-          </a:xfrm>
-          <a:prstGeom prst="rect">
-            <a:avLst/>
-          </a:prstGeom>
-        </p:spPr>
-      </p:pic>
-      <p:pic>
-        <p:nvPicPr>
-          <p:cNvPr id="3" name="Picture 2"/>
-          <p:cNvPicPr>
-            <a:picLocks noChangeAspect="1"/>
-          </p:cNvPicPr>
-          <p:nvPr/>
-        </p:nvPicPr>
-        <p:blipFill>
-          <a:blip r:embed="rId36"/>
-          <a:stretch>
-            <a:fillRect/>
-          </a:stretch>
-        </p:blipFill>
-        <p:spPr>
-          <a:xfrm>
-            <a:off x="9056644" y="1314138"/>
-            <a:ext cx="247619" cy="285714"/>
-          </a:xfrm>
-          <a:prstGeom prst="rect">
-            <a:avLst/>
-          </a:prstGeom>
-        </p:spPr>
-      </p:pic>
-      <p:pic>
-        <p:nvPicPr>
-          <p:cNvPr id="54" name="Picture 53"/>
-          <p:cNvPicPr>
-            <a:picLocks noChangeAspect="1"/>
-          </p:cNvPicPr>
-          <p:nvPr/>
-        </p:nvPicPr>
-        <p:blipFill>
-          <a:blip r:embed="rId36"/>
-          <a:stretch>
-            <a:fillRect/>
-          </a:stretch>
-        </p:blipFill>
-        <p:spPr>
-          <a:xfrm>
-            <a:off x="5148072" y="3599168"/>
-            <a:ext cx="247619" cy="285714"/>
-          </a:xfrm>
-          <a:prstGeom prst="rect">
-            <a:avLst/>
-          </a:prstGeom>
-        </p:spPr>
-      </p:pic>
-      <p:pic>
-        <p:nvPicPr>
-          <p:cNvPr id="55" name="Picture 54"/>
-          <p:cNvPicPr>
-            <a:picLocks noChangeAspect="1"/>
-          </p:cNvPicPr>
-          <p:nvPr/>
-        </p:nvPicPr>
-        <p:blipFill>
-          <a:blip r:embed="rId36"/>
-          <a:stretch>
-            <a:fillRect/>
-          </a:stretch>
-        </p:blipFill>
-        <p:spPr>
-          <a:xfrm>
-            <a:off x="9052560" y="3599417"/>
-            <a:ext cx="247619" cy="285714"/>
-          </a:xfrm>
-          <a:prstGeom prst="rect">
-            <a:avLst/>
-          </a:prstGeom>
-        </p:spPr>
-      </p:pic>
-      <p:pic>
-        <p:nvPicPr>
-          <p:cNvPr id="62" name="Graphic 18">
-            <a:extLst>
-              <a:ext uri="{FF2B5EF4-FFF2-40B4-BE49-F238E27FC236}">
-                <a16:creationId xmlns:a16="http://schemas.microsoft.com/office/drawing/2014/main" id="{C08F3F4F-CB3C-FB4D-8167-E4920EE596CD}"/>
-              </a:ext>
-            </a:extLst>
-          </p:cNvPr>
-          <p:cNvPicPr>
-            <a:picLocks noChangeAspect="1"/>
-          </p:cNvPicPr>
-          <p:nvPr/>
-        </p:nvPicPr>
-        <p:blipFill>
-          <a:blip r:embed="rId37">
-            <a:extLst>
-              <a:ext uri="{96DAC541-7B7A-43D3-8B79-37D633B846F1}">
-                <asvg:svgBlip xmlns:asvg="http://schemas.microsoft.com/office/drawing/2016/SVG/main" xmlns="" r:embed="rId7"/>
-              </a:ext>
-            </a:extLst>
-          </a:blip>
-          <a:stretch>
-            <a:fillRect/>
-          </a:stretch>
-        </p:blipFill>
-        <p:spPr>
-          <a:xfrm>
-            <a:off x="2679191" y="1423655"/>
-            <a:ext cx="342900" cy="342900"/>
-          </a:xfrm>
-          <a:prstGeom prst="rect">
-            <a:avLst/>
-          </a:prstGeom>
-        </p:spPr>
-      </p:pic>
-      <p:pic>
-        <p:nvPicPr>
-          <p:cNvPr id="63" name="Graphic 18">
-            <a:extLst>
-              <a:ext uri="{FF2B5EF4-FFF2-40B4-BE49-F238E27FC236}">
-                <a16:creationId xmlns:a16="http://schemas.microsoft.com/office/drawing/2014/main" id="{C08F3F4F-CB3C-FB4D-8167-E4920EE596CD}"/>
-              </a:ext>
-            </a:extLst>
-          </p:cNvPr>
-          <p:cNvPicPr>
-            <a:picLocks noChangeAspect="1"/>
-          </p:cNvPicPr>
-          <p:nvPr/>
-        </p:nvPicPr>
-        <p:blipFill>
-          <a:blip r:embed="rId37">
-            <a:extLst>
-              <a:ext uri="{96DAC541-7B7A-43D3-8B79-37D633B846F1}">
-                <asvg:svgBlip xmlns:asvg="http://schemas.microsoft.com/office/drawing/2016/SVG/main" xmlns="" r:embed="rId7"/>
-              </a:ext>
-            </a:extLst>
-          </a:blip>
-          <a:stretch>
-            <a:fillRect/>
-          </a:stretch>
-        </p:blipFill>
-        <p:spPr>
-          <a:xfrm>
-            <a:off x="6586558" y="1418741"/>
-            <a:ext cx="342900" cy="342900"/>
-          </a:xfrm>
-          <a:prstGeom prst="rect">
-            <a:avLst/>
-          </a:prstGeom>
-        </p:spPr>
-      </p:pic>
-      <p:pic>
-        <p:nvPicPr>
-          <p:cNvPr id="64" name="Graphic 18">
-            <a:extLst>
-              <a:ext uri="{FF2B5EF4-FFF2-40B4-BE49-F238E27FC236}">
-                <a16:creationId xmlns:a16="http://schemas.microsoft.com/office/drawing/2014/main" id="{C08F3F4F-CB3C-FB4D-8167-E4920EE596CD}"/>
-              </a:ext>
-            </a:extLst>
-          </p:cNvPr>
-          <p:cNvPicPr>
-            <a:picLocks noChangeAspect="1"/>
-          </p:cNvPicPr>
-          <p:nvPr/>
-        </p:nvPicPr>
-        <p:blipFill>
-          <a:blip r:embed="rId37">
-            <a:extLst>
-              <a:ext uri="{96DAC541-7B7A-43D3-8B79-37D633B846F1}">
-                <asvg:svgBlip xmlns:asvg="http://schemas.microsoft.com/office/drawing/2016/SVG/main" xmlns="" r:embed="rId7"/>
-              </a:ext>
-            </a:extLst>
-          </a:blip>
-          <a:stretch>
-            <a:fillRect/>
-          </a:stretch>
-        </p:blipFill>
-        <p:spPr>
-          <a:xfrm>
-            <a:off x="2694939" y="3698337"/>
-            <a:ext cx="342900" cy="342900"/>
-          </a:xfrm>
-          <a:prstGeom prst="rect">
-            <a:avLst/>
-          </a:prstGeom>
-        </p:spPr>
-      </p:pic>
-      <p:pic>
-        <p:nvPicPr>
-          <p:cNvPr id="65" name="Graphic 18">
-            <a:extLst>
-              <a:ext uri="{FF2B5EF4-FFF2-40B4-BE49-F238E27FC236}">
-                <a16:creationId xmlns:a16="http://schemas.microsoft.com/office/drawing/2014/main" id="{C08F3F4F-CB3C-FB4D-8167-E4920EE596CD}"/>
-              </a:ext>
-            </a:extLst>
-          </p:cNvPr>
-          <p:cNvPicPr>
-            <a:picLocks noChangeAspect="1"/>
-          </p:cNvPicPr>
-          <p:nvPr/>
-        </p:nvPicPr>
-        <p:blipFill>
-          <a:blip r:embed="rId37">
-            <a:extLst>
-              <a:ext uri="{96DAC541-7B7A-43D3-8B79-37D633B846F1}">
-                <asvg:svgBlip xmlns:asvg="http://schemas.microsoft.com/office/drawing/2016/SVG/main" xmlns="" r:embed="rId7"/>
-              </a:ext>
-            </a:extLst>
-          </a:blip>
-          <a:stretch>
-            <a:fillRect/>
-          </a:stretch>
-        </p:blipFill>
-        <p:spPr>
-          <a:xfrm>
-            <a:off x="6583680" y="3694020"/>
-            <a:ext cx="342900" cy="342900"/>
-          </a:xfrm>
-          <a:prstGeom prst="rect">
-            <a:avLst/>
-          </a:prstGeom>
-        </p:spPr>
-      </p:pic>
-      <p:pic>
-        <p:nvPicPr>
-          <p:cNvPr id="66" name="Graphic 27">
-            <a:extLst>
-              <a:ext uri="{FF2B5EF4-FFF2-40B4-BE49-F238E27FC236}">
-                <a16:creationId xmlns:a16="http://schemas.microsoft.com/office/drawing/2014/main" id="{92F9013F-7C17-5E4D-A835-354997304491}"/>
-              </a:ext>
-            </a:extLst>
-          </p:cNvPr>
-          <p:cNvPicPr>
-            <a:picLocks noChangeAspect="1"/>
-          </p:cNvPicPr>
-          <p:nvPr/>
-        </p:nvPicPr>
-        <p:blipFill>
-          <a:blip r:embed="rId38">
-            <a:extLst>
-              <a:ext uri="{96DAC541-7B7A-43D3-8B79-37D633B846F1}">
-                <asvg:svgBlip xmlns:asvg="http://schemas.microsoft.com/office/drawing/2016/SVG/main" xmlns="" r:embed="rId11"/>
-              </a:ext>
-            </a:extLst>
-          </a:blip>
-          <a:stretch>
-            <a:fillRect/>
-          </a:stretch>
-        </p:blipFill>
-        <p:spPr>
-          <a:xfrm>
-            <a:off x="2469379" y="598231"/>
-            <a:ext cx="342900" cy="342900"/>
-          </a:xfrm>
-          <a:prstGeom prst="rect">
-            <a:avLst/>
-          </a:prstGeom>
-        </p:spPr>
-      </p:pic>
-      <p:pic>
-        <p:nvPicPr>
-          <p:cNvPr id="67" name="Graphic 27">
-            <a:extLst>
-              <a:ext uri="{FF2B5EF4-FFF2-40B4-BE49-F238E27FC236}">
-                <a16:creationId xmlns:a16="http://schemas.microsoft.com/office/drawing/2014/main" id="{92F9013F-7C17-5E4D-A835-354997304491}"/>
-              </a:ext>
-            </a:extLst>
-          </p:cNvPr>
-          <p:cNvPicPr>
-            <a:picLocks noChangeAspect="1"/>
-          </p:cNvPicPr>
-          <p:nvPr/>
-        </p:nvPicPr>
-        <p:blipFill>
-          <a:blip r:embed="rId38">
-            <a:extLst>
-              <a:ext uri="{96DAC541-7B7A-43D3-8B79-37D633B846F1}">
-                <asvg:svgBlip xmlns:asvg="http://schemas.microsoft.com/office/drawing/2016/SVG/main" xmlns="" r:embed="rId11"/>
-              </a:ext>
-            </a:extLst>
-          </a:blip>
-          <a:stretch>
-            <a:fillRect/>
-          </a:stretch>
-        </p:blipFill>
-        <p:spPr>
-          <a:xfrm>
-            <a:off x="6393978" y="596781"/>
-            <a:ext cx="342900" cy="342900"/>
-          </a:xfrm>
-          <a:prstGeom prst="rect">
-            <a:avLst/>
-          </a:prstGeom>
-        </p:spPr>
-      </p:pic>
-      <p:pic>
-        <p:nvPicPr>
-          <p:cNvPr id="69" name="Graphic 15">
-            <a:extLst>
-              <a:ext uri="{FF2B5EF4-FFF2-40B4-BE49-F238E27FC236}">
-                <a16:creationId xmlns:a16="http://schemas.microsoft.com/office/drawing/2014/main" id="{5EB04687-6E7D-7E4F-BFDA-12A78DDF340A}"/>
-              </a:ext>
-            </a:extLst>
-          </p:cNvPr>
-          <p:cNvPicPr>
-            <a:picLocks noChangeAspect="1"/>
-          </p:cNvPicPr>
-          <p:nvPr/>
-        </p:nvPicPr>
-        <p:blipFill>
-          <a:blip r:embed="rId39">
-            <a:extLst>
-              <a:ext uri="{96DAC541-7B7A-43D3-8B79-37D633B846F1}">
-                <asvg:svgBlip xmlns:asvg="http://schemas.microsoft.com/office/drawing/2016/SVG/main" xmlns="" r:embed="rId5"/>
-              </a:ext>
-            </a:extLst>
-          </a:blip>
-          <a:stretch>
-            <a:fillRect/>
-          </a:stretch>
-        </p:blipFill>
-        <p:spPr>
-          <a:xfrm>
-            <a:off x="2049666" y="1038019"/>
-            <a:ext cx="342900" cy="342900"/>
-          </a:xfrm>
-          <a:prstGeom prst="rect">
-            <a:avLst/>
-          </a:prstGeom>
-        </p:spPr>
-      </p:pic>
-      <p:pic>
-        <p:nvPicPr>
-          <p:cNvPr id="70" name="Graphic 24">
-            <a:extLst>
-              <a:ext uri="{FF2B5EF4-FFF2-40B4-BE49-F238E27FC236}">
-                <a16:creationId xmlns:a16="http://schemas.microsoft.com/office/drawing/2014/main" id="{AB31B672-5AFB-E44A-9B9F-B2D0D11C1011}"/>
-              </a:ext>
-            </a:extLst>
-          </p:cNvPr>
-          <p:cNvPicPr>
-            <a:picLocks noChangeAspect="1"/>
-          </p:cNvPicPr>
-          <p:nvPr/>
-        </p:nvPicPr>
-        <p:blipFill>
-          <a:blip r:embed="rId40">
-            <a:extLst>
-              <a:ext uri="{96DAC541-7B7A-43D3-8B79-37D633B846F1}">
-                <asvg:svgBlip xmlns:asvg="http://schemas.microsoft.com/office/drawing/2016/SVG/main" xmlns="" r:embed="rId9"/>
-              </a:ext>
-            </a:extLst>
-          </a:blip>
-          <a:stretch>
-            <a:fillRect/>
-          </a:stretch>
-        </p:blipFill>
-        <p:spPr>
-          <a:xfrm>
-            <a:off x="1752614" y="242005"/>
-            <a:ext cx="342900" cy="342900"/>
-          </a:xfrm>
-          <a:prstGeom prst="rect">
-            <a:avLst/>
-          </a:prstGeom>
-        </p:spPr>
-      </p:pic>
-      <p:sp>
-        <p:nvSpPr>
-          <p:cNvPr id="47" name="TextBox 46">
-            <a:extLst>
-              <a:ext uri="{FF2B5EF4-FFF2-40B4-BE49-F238E27FC236}">
-                <a16:creationId xmlns:a16="http://schemas.microsoft.com/office/drawing/2014/main" id="{866ED9A8-3CB1-B54A-8F32-3CB1C1C601B0}"/>
-              </a:ext>
-            </a:extLst>
-          </p:cNvPr>
-          <p:cNvSpPr txBox="1"/>
-          <p:nvPr/>
-        </p:nvSpPr>
-        <p:spPr>
-          <a:xfrm>
-            <a:off x="3485197" y="3270698"/>
-            <a:ext cx="1000538" cy="261610"/>
-          </a:xfrm>
-          <a:prstGeom prst="rect">
-            <a:avLst/>
-          </a:prstGeom>
-          <a:noFill/>
-        </p:spPr>
-        <p:txBody>
-          <a:bodyPr wrap="square" rtlCol="0">
-            <a:spAutoFit/>
-          </a:bodyPr>
-          <a:lstStyle/>
-          <a:p>
-            <a:r>
-              <a:rPr lang="en-US" sz="1100" dirty="0">
-                <a:solidFill>
-                  <a:srgbClr val="545B64"/>
-                </a:solidFill>
-              </a:rPr>
-              <a:t>10.0.128.0/20</a:t>
-            </a:r>
-          </a:p>
-        </p:txBody>
-      </p:sp>
-      <p:sp>
-        <p:nvSpPr>
-          <p:cNvPr id="52" name="TextBox 51">
-            <a:extLst>
-              <a:ext uri="{FF2B5EF4-FFF2-40B4-BE49-F238E27FC236}">
-                <a16:creationId xmlns:a16="http://schemas.microsoft.com/office/drawing/2014/main" id="{866ED9A8-3CB1-B54A-8F32-3CB1C1C601B0}"/>
-              </a:ext>
-            </a:extLst>
-          </p:cNvPr>
-          <p:cNvSpPr txBox="1"/>
-          <p:nvPr/>
-        </p:nvSpPr>
-        <p:spPr>
-          <a:xfrm>
-            <a:off x="7381438" y="3270698"/>
-            <a:ext cx="1023509" cy="261610"/>
-          </a:xfrm>
-          <a:prstGeom prst="rect">
-            <a:avLst/>
-          </a:prstGeom>
-          <a:noFill/>
-        </p:spPr>
-        <p:txBody>
-          <a:bodyPr wrap="square" rtlCol="0">
-            <a:spAutoFit/>
-          </a:bodyPr>
-          <a:lstStyle/>
-          <a:p>
-            <a:r>
-              <a:rPr lang="en-US" sz="1100" dirty="0">
-                <a:solidFill>
-                  <a:srgbClr val="545B64"/>
-                </a:solidFill>
-              </a:rPr>
-              <a:t>10.0.144.0/20</a:t>
-            </a:r>
-          </a:p>
-        </p:txBody>
-      </p:sp>
-      <p:sp>
-        <p:nvSpPr>
-          <p:cNvPr id="56" name="TextBox 55">
-            <a:extLst>
-              <a:ext uri="{FF2B5EF4-FFF2-40B4-BE49-F238E27FC236}">
-                <a16:creationId xmlns:a16="http://schemas.microsoft.com/office/drawing/2014/main" id="{866ED9A8-3CB1-B54A-8F32-3CB1C1C601B0}"/>
-              </a:ext>
-            </a:extLst>
-          </p:cNvPr>
-          <p:cNvSpPr txBox="1"/>
-          <p:nvPr/>
-        </p:nvSpPr>
-        <p:spPr>
-          <a:xfrm>
-            <a:off x="3515389" y="5895106"/>
-            <a:ext cx="940154" cy="261610"/>
-          </a:xfrm>
-          <a:prstGeom prst="rect">
-            <a:avLst/>
-          </a:prstGeom>
-          <a:noFill/>
-        </p:spPr>
-        <p:txBody>
-          <a:bodyPr wrap="square" rtlCol="0">
-            <a:spAutoFit/>
-          </a:bodyPr>
-          <a:lstStyle/>
-          <a:p>
-            <a:r>
-              <a:rPr lang="en-US" sz="1100" dirty="0" smtClean="0">
-                <a:solidFill>
-                  <a:srgbClr val="545B64"/>
-                </a:solidFill>
-              </a:rPr>
-              <a:t>10.0.0.0/19</a:t>
-            </a:r>
-            <a:endParaRPr lang="en-US" sz="1100" dirty="0">
-              <a:solidFill>
-                <a:srgbClr val="545B64"/>
-              </a:solidFill>
-            </a:endParaRPr>
-          </a:p>
-        </p:txBody>
-      </p:sp>
-      <p:sp>
-        <p:nvSpPr>
-          <p:cNvPr id="57" name="TextBox 56">
-            <a:extLst>
-              <a:ext uri="{FF2B5EF4-FFF2-40B4-BE49-F238E27FC236}">
-                <a16:creationId xmlns:a16="http://schemas.microsoft.com/office/drawing/2014/main" id="{866ED9A8-3CB1-B54A-8F32-3CB1C1C601B0}"/>
-              </a:ext>
-            </a:extLst>
-          </p:cNvPr>
-          <p:cNvSpPr txBox="1"/>
-          <p:nvPr/>
-        </p:nvSpPr>
-        <p:spPr>
-          <a:xfrm>
-            <a:off x="7381438" y="5895106"/>
-            <a:ext cx="1023509" cy="261610"/>
-          </a:xfrm>
-          <a:prstGeom prst="rect">
-            <a:avLst/>
-          </a:prstGeom>
-          <a:noFill/>
-        </p:spPr>
-        <p:txBody>
-          <a:bodyPr wrap="square" rtlCol="0">
-            <a:spAutoFit/>
-          </a:bodyPr>
-          <a:lstStyle/>
-          <a:p>
-            <a:r>
-              <a:rPr lang="en-US" sz="1100" dirty="0">
-                <a:solidFill>
-                  <a:srgbClr val="545B64"/>
-                </a:solidFill>
-              </a:rPr>
-              <a:t>10.0.32.0/19</a:t>
-            </a:r>
-          </a:p>
-        </p:txBody>
-      </p:sp>
-      <p:sp>
-        <p:nvSpPr>
-          <p:cNvPr id="78" name="TextBox 77">
-            <a:extLst>
-              <a:ext uri="{FF2B5EF4-FFF2-40B4-BE49-F238E27FC236}">
-                <a16:creationId xmlns:a16="http://schemas.microsoft.com/office/drawing/2014/main" id="{866ED9A8-3CB1-B54A-8F32-3CB1C1C601B0}"/>
-              </a:ext>
-            </a:extLst>
-          </p:cNvPr>
-          <p:cNvSpPr txBox="1"/>
-          <p:nvPr/>
-        </p:nvSpPr>
-        <p:spPr>
-          <a:xfrm>
-            <a:off x="5534446" y="6037867"/>
-            <a:ext cx="1072750" cy="261610"/>
-          </a:xfrm>
-          <a:prstGeom prst="rect">
-            <a:avLst/>
-          </a:prstGeom>
-          <a:noFill/>
-        </p:spPr>
-        <p:txBody>
-          <a:bodyPr wrap="square" rtlCol="0">
-            <a:spAutoFit/>
-          </a:bodyPr>
-          <a:lstStyle/>
-          <a:p>
-            <a:r>
-              <a:rPr lang="en-US" sz="1100" dirty="0">
-                <a:solidFill>
-                  <a:srgbClr val="879196"/>
-                </a:solidFill>
-              </a:rPr>
-              <a:t>10.0.0.0/16</a:t>
-            </a:r>
-            <a:endParaRPr lang="en-US" sz="1100" dirty="0">
-              <a:solidFill>
-                <a:srgbClr val="545B64"/>
-              </a:solidFill>
-            </a:endParaRPr>
+              <a:t>Auto Scaling group</a:t>
+            </a:r>
           </a:p>
         </p:txBody>
       </p:sp>
     </p:spTree>
     <p:extLst>
       <p:ext uri="{BB962C8B-B14F-4D97-AF65-F5344CB8AC3E}">
-        <p14:creationId xmlns:p14="http://schemas.microsoft.com/office/powerpoint/2010/main" val="150248158"/>
+        <p14:creationId xmlns:p14="http://schemas.microsoft.com/office/powerpoint/2010/main" val="1522819922"/>
       </p:ext>
     </p:extLst>
   </p:cSld>

--- a/doc/Quick Start architecture diagram.pptx
+++ b/doc/Quick Start architecture diagram.pptx
@@ -259,7 +259,7 @@
           <a:p>
             <a:fld id="{6244D3B9-4146-964F-9E7E-473F62F24AD4}" type="datetimeFigureOut">
               <a:rPr lang="en-US" smtClean="0"/>
-              <a:t>2/12/2019</a:t>
+              <a:t>5/15/20</a:t>
             </a:fld>
             <a:endParaRPr lang="en-US"/>
           </a:p>
@@ -457,7 +457,7 @@
           <a:p>
             <a:fld id="{6244D3B9-4146-964F-9E7E-473F62F24AD4}" type="datetimeFigureOut">
               <a:rPr lang="en-US" smtClean="0"/>
-              <a:t>2/12/2019</a:t>
+              <a:t>5/15/20</a:t>
             </a:fld>
             <a:endParaRPr lang="en-US"/>
           </a:p>
@@ -665,7 +665,7 @@
           <a:p>
             <a:fld id="{6244D3B9-4146-964F-9E7E-473F62F24AD4}" type="datetimeFigureOut">
               <a:rPr lang="en-US" smtClean="0"/>
-              <a:t>2/12/2019</a:t>
+              <a:t>5/15/20</a:t>
             </a:fld>
             <a:endParaRPr lang="en-US"/>
           </a:p>
@@ -863,7 +863,7 @@
           <a:p>
             <a:fld id="{6244D3B9-4146-964F-9E7E-473F62F24AD4}" type="datetimeFigureOut">
               <a:rPr lang="en-US" smtClean="0"/>
-              <a:t>2/12/2019</a:t>
+              <a:t>5/15/20</a:t>
             </a:fld>
             <a:endParaRPr lang="en-US"/>
           </a:p>
@@ -1138,7 +1138,7 @@
           <a:p>
             <a:fld id="{6244D3B9-4146-964F-9E7E-473F62F24AD4}" type="datetimeFigureOut">
               <a:rPr lang="en-US" smtClean="0"/>
-              <a:t>2/12/2019</a:t>
+              <a:t>5/15/20</a:t>
             </a:fld>
             <a:endParaRPr lang="en-US"/>
           </a:p>
@@ -1403,7 +1403,7 @@
           <a:p>
             <a:fld id="{6244D3B9-4146-964F-9E7E-473F62F24AD4}" type="datetimeFigureOut">
               <a:rPr lang="en-US" smtClean="0"/>
-              <a:t>2/12/2019</a:t>
+              <a:t>5/15/20</a:t>
             </a:fld>
             <a:endParaRPr lang="en-US"/>
           </a:p>
@@ -1815,7 +1815,7 @@
           <a:p>
             <a:fld id="{6244D3B9-4146-964F-9E7E-473F62F24AD4}" type="datetimeFigureOut">
               <a:rPr lang="en-US" smtClean="0"/>
-              <a:t>2/12/2019</a:t>
+              <a:t>5/15/20</a:t>
             </a:fld>
             <a:endParaRPr lang="en-US"/>
           </a:p>
@@ -1956,7 +1956,7 @@
           <a:p>
             <a:fld id="{6244D3B9-4146-964F-9E7E-473F62F24AD4}" type="datetimeFigureOut">
               <a:rPr lang="en-US" smtClean="0"/>
-              <a:t>2/12/2019</a:t>
+              <a:t>5/15/20</a:t>
             </a:fld>
             <a:endParaRPr lang="en-US"/>
           </a:p>
@@ -2069,7 +2069,7 @@
           <a:p>
             <a:fld id="{6244D3B9-4146-964F-9E7E-473F62F24AD4}" type="datetimeFigureOut">
               <a:rPr lang="en-US" smtClean="0"/>
-              <a:t>2/12/2019</a:t>
+              <a:t>5/15/20</a:t>
             </a:fld>
             <a:endParaRPr lang="en-US"/>
           </a:p>
@@ -2380,7 +2380,7 @@
           <a:p>
             <a:fld id="{6244D3B9-4146-964F-9E7E-473F62F24AD4}" type="datetimeFigureOut">
               <a:rPr lang="en-US" smtClean="0"/>
-              <a:t>2/12/2019</a:t>
+              <a:t>5/15/20</a:t>
             </a:fld>
             <a:endParaRPr lang="en-US"/>
           </a:p>
@@ -2668,7 +2668,7 @@
           <a:p>
             <a:fld id="{6244D3B9-4146-964F-9E7E-473F62F24AD4}" type="datetimeFigureOut">
               <a:rPr lang="en-US" smtClean="0"/>
-              <a:t>2/12/2019</a:t>
+              <a:t>5/15/20</a:t>
             </a:fld>
             <a:endParaRPr lang="en-US"/>
           </a:p>
@@ -2909,7 +2909,7 @@
           <a:p>
             <a:fld id="{6244D3B9-4146-964F-9E7E-473F62F24AD4}" type="datetimeFigureOut">
               <a:rPr lang="en-US" smtClean="0"/>
-              <a:t>2/12/2019</a:t>
+              <a:t>5/15/20</a:t>
             </a:fld>
             <a:endParaRPr lang="en-US"/>
           </a:p>
@@ -3352,9 +3352,7 @@
             </a:srgbClr>
           </a:solidFill>
           <a:ln w="12700">
-            <a:solidFill>
-              <a:srgbClr val="1E8900"/>
-            </a:solidFill>
+            <a:noFill/>
             <a:prstDash val="solid"/>
           </a:ln>
         </p:spPr>
@@ -3421,9 +3419,6 @@
                   </a14:imgLayer>
                 </a14:imgProps>
               </a:ext>
-              <a:ext uri="{96DAC541-7B7A-43D3-8B79-37D633B846F1}">
-                <asvg:svgBlip xmlns:asvg="http://schemas.microsoft.com/office/drawing/2016/SVG/main" xmlns="" r:embed="rId4"/>
-              </a:ext>
             </a:extLst>
           </a:blip>
           <a:stretch>
@@ -3505,9 +3500,7 @@
             </a:srgbClr>
           </a:solidFill>
           <a:ln w="12700">
-            <a:solidFill>
-              <a:srgbClr val="1E8900"/>
-            </a:solidFill>
+            <a:noFill/>
             <a:prstDash val="solid"/>
           </a:ln>
         </p:spPr>
@@ -3639,9 +3632,7 @@
             </a:srgbClr>
           </a:solidFill>
           <a:ln w="12700">
-            <a:solidFill>
-              <a:srgbClr val="007DBC"/>
-            </a:solidFill>
+            <a:noFill/>
             <a:prstDash val="solid"/>
           </a:ln>
         </p:spPr>
@@ -3826,10 +3817,10 @@
           <p:nvPr/>
         </p:nvPicPr>
         <p:blipFill>
-          <a:blip r:embed="rId5">
+          <a:blip r:embed="rId4">
             <a:extLst>
               <a:ext uri="{96DAC541-7B7A-43D3-8B79-37D633B846F1}">
-                <asvg:svgBlip xmlns:asvg="http://schemas.microsoft.com/office/drawing/2016/SVG/main" xmlns="" r:embed="rId6"/>
+                <asvg:svgBlip xmlns:asvg="http://schemas.microsoft.com/office/drawing/2016/SVG/main" r:embed="rId5"/>
               </a:ext>
             </a:extLst>
           </a:blip>
@@ -3862,10 +3853,10 @@
           <p:nvPr/>
         </p:nvPicPr>
         <p:blipFill>
-          <a:blip r:embed="rId7">
+          <a:blip r:embed="rId6">
             <a:extLst>
               <a:ext uri="{96DAC541-7B7A-43D3-8B79-37D633B846F1}">
-                <asvg:svgBlip xmlns:asvg="http://schemas.microsoft.com/office/drawing/2016/SVG/main" xmlns="" r:embed="rId8"/>
+                <asvg:svgBlip xmlns:asvg="http://schemas.microsoft.com/office/drawing/2016/SVG/main" r:embed="rId7"/>
               </a:ext>
             </a:extLst>
           </a:blip>
@@ -3898,10 +3889,10 @@
           <p:nvPr/>
         </p:nvPicPr>
         <p:blipFill>
-          <a:blip r:embed="rId9">
+          <a:blip r:embed="rId8">
             <a:extLst>
               <a:ext uri="{96DAC541-7B7A-43D3-8B79-37D633B846F1}">
-                <asvg:svgBlip xmlns:asvg="http://schemas.microsoft.com/office/drawing/2016/SVG/main" xmlns="" r:embed="rId10"/>
+                <asvg:svgBlip xmlns:asvg="http://schemas.microsoft.com/office/drawing/2016/SVG/main" r:embed="rId9"/>
               </a:ext>
             </a:extLst>
           </a:blip>
@@ -3934,10 +3925,10 @@
           <p:nvPr/>
         </p:nvPicPr>
         <p:blipFill>
-          <a:blip r:embed="rId11">
+          <a:blip r:embed="rId10">
             <a:extLst>
               <a:ext uri="{96DAC541-7B7A-43D3-8B79-37D633B846F1}">
-                <asvg:svgBlip xmlns:asvg="http://schemas.microsoft.com/office/drawing/2016/SVG/main" xmlns="" r:embed="rId12"/>
+                <asvg:svgBlip xmlns:asvg="http://schemas.microsoft.com/office/drawing/2016/SVG/main" r:embed="rId11"/>
               </a:ext>
             </a:extLst>
           </a:blip>
@@ -3970,10 +3961,10 @@
           <p:nvPr/>
         </p:nvPicPr>
         <p:blipFill>
-          <a:blip r:embed="rId13">
+          <a:blip r:embed="rId12">
             <a:extLst>
               <a:ext uri="{96DAC541-7B7A-43D3-8B79-37D633B846F1}">
-                <asvg:svgBlip xmlns:asvg="http://schemas.microsoft.com/office/drawing/2016/SVG/main" xmlns="" r:embed="rId14"/>
+                <asvg:svgBlip xmlns:asvg="http://schemas.microsoft.com/office/drawing/2016/SVG/main" r:embed="rId13"/>
               </a:ext>
             </a:extLst>
           </a:blip>
@@ -4042,10 +4033,10 @@
           <p:nvPr/>
         </p:nvPicPr>
         <p:blipFill>
-          <a:blip r:embed="rId15">
+          <a:blip r:embed="rId14">
             <a:extLst>
               <a:ext uri="{96DAC541-7B7A-43D3-8B79-37D633B846F1}">
-                <asvg:svgBlip xmlns:asvg="http://schemas.microsoft.com/office/drawing/2016/SVG/main" xmlns="" r:embed="rId16"/>
+                <asvg:svgBlip xmlns:asvg="http://schemas.microsoft.com/office/drawing/2016/SVG/main" r:embed="rId15"/>
               </a:ext>
             </a:extLst>
           </a:blip>
@@ -4078,10 +4069,10 @@
           <p:nvPr/>
         </p:nvPicPr>
         <p:blipFill>
-          <a:blip r:embed="rId17">
+          <a:blip r:embed="rId16">
             <a:extLst>
               <a:ext uri="{96DAC541-7B7A-43D3-8B79-37D633B846F1}">
-                <asvg:svgBlip xmlns:asvg="http://schemas.microsoft.com/office/drawing/2016/SVG/main" xmlns="" r:embed="rId4"/>
+                <asvg:svgBlip xmlns:asvg="http://schemas.microsoft.com/office/drawing/2016/SVG/main" r:embed="rId17"/>
               </a:ext>
             </a:extLst>
           </a:blip>
@@ -4117,7 +4108,7 @@
           <a:blip r:embed="rId18">
             <a:extLst>
               <a:ext uri="{96DAC541-7B7A-43D3-8B79-37D633B846F1}">
-                <asvg:svgBlip xmlns:asvg="http://schemas.microsoft.com/office/drawing/2016/SVG/main" xmlns="" r:embed="rId19"/>
+                <asvg:svgBlip xmlns:asvg="http://schemas.microsoft.com/office/drawing/2016/SVG/main" r:embed="rId19"/>
               </a:ext>
             </a:extLst>
           </a:blip>
@@ -4225,7 +4216,7 @@
           <a:blip r:embed="rId20">
             <a:extLst>
               <a:ext uri="{96DAC541-7B7A-43D3-8B79-37D633B846F1}">
-                <asvg:svgBlip xmlns:asvg="http://schemas.microsoft.com/office/drawing/2016/SVG/main" xmlns="" r:embed="rId21"/>
+                <asvg:svgBlip xmlns:asvg="http://schemas.microsoft.com/office/drawing/2016/SVG/main" r:embed="rId21"/>
               </a:ext>
             </a:extLst>
           </a:blip>
@@ -4333,7 +4324,7 @@
           <a:blip r:embed="rId22">
             <a:extLst>
               <a:ext uri="{96DAC541-7B7A-43D3-8B79-37D633B846F1}">
-                <asvg:svgBlip xmlns:asvg="http://schemas.microsoft.com/office/drawing/2016/SVG/main" xmlns="" r:embed="rId23"/>
+                <asvg:svgBlip xmlns:asvg="http://schemas.microsoft.com/office/drawing/2016/SVG/main" r:embed="rId23"/>
               </a:ext>
             </a:extLst>
           </a:blip>
@@ -4405,7 +4396,7 @@
           <a:blip r:embed="rId24">
             <a:extLst>
               <a:ext uri="{96DAC541-7B7A-43D3-8B79-37D633B846F1}">
-                <asvg:svgBlip xmlns:asvg="http://schemas.microsoft.com/office/drawing/2016/SVG/main" xmlns="" r:embed="rId25"/>
+                <asvg:svgBlip xmlns:asvg="http://schemas.microsoft.com/office/drawing/2016/SVG/main" r:embed="rId25"/>
               </a:ext>
             </a:extLst>
           </a:blip>
@@ -4529,9 +4520,7 @@
             </a:srgbClr>
           </a:solidFill>
           <a:ln w="12700">
-            <a:solidFill>
-              <a:srgbClr val="007DBC"/>
-            </a:solidFill>
+            <a:noFill/>
             <a:prstDash val="solid"/>
           </a:ln>
         </p:spPr>
@@ -4652,10 +4641,10 @@
           <p:nvPr/>
         </p:nvPicPr>
         <p:blipFill>
-          <a:blip r:embed="rId11">
+          <a:blip r:embed="rId10">
             <a:extLst>
               <a:ext uri="{96DAC541-7B7A-43D3-8B79-37D633B846F1}">
-                <asvg:svgBlip xmlns:asvg="http://schemas.microsoft.com/office/drawing/2016/SVG/main" xmlns="" r:embed="rId12"/>
+                <asvg:svgBlip xmlns:asvg="http://schemas.microsoft.com/office/drawing/2016/SVG/main" r:embed="rId11"/>
               </a:ext>
             </a:extLst>
           </a:blip>
@@ -4688,10 +4677,10 @@
           <p:nvPr/>
         </p:nvPicPr>
         <p:blipFill>
-          <a:blip r:embed="rId13">
+          <a:blip r:embed="rId12">
             <a:extLst>
               <a:ext uri="{96DAC541-7B7A-43D3-8B79-37D633B846F1}">
-                <asvg:svgBlip xmlns:asvg="http://schemas.microsoft.com/office/drawing/2016/SVG/main" xmlns="" r:embed="rId14"/>
+                <asvg:svgBlip xmlns:asvg="http://schemas.microsoft.com/office/drawing/2016/SVG/main" r:embed="rId13"/>
               </a:ext>
             </a:extLst>
           </a:blip>
@@ -4760,10 +4749,10 @@
           <p:nvPr/>
         </p:nvPicPr>
         <p:blipFill>
-          <a:blip r:embed="rId15">
+          <a:blip r:embed="rId14">
             <a:extLst>
               <a:ext uri="{96DAC541-7B7A-43D3-8B79-37D633B846F1}">
-                <asvg:svgBlip xmlns:asvg="http://schemas.microsoft.com/office/drawing/2016/SVG/main" xmlns="" r:embed="rId16"/>
+                <asvg:svgBlip xmlns:asvg="http://schemas.microsoft.com/office/drawing/2016/SVG/main" r:embed="rId15"/>
               </a:ext>
             </a:extLst>
           </a:blip>
@@ -4799,7 +4788,7 @@
           <a:blip r:embed="rId18">
             <a:extLst>
               <a:ext uri="{96DAC541-7B7A-43D3-8B79-37D633B846F1}">
-                <asvg:svgBlip xmlns:asvg="http://schemas.microsoft.com/office/drawing/2016/SVG/main" xmlns="" r:embed="rId19"/>
+                <asvg:svgBlip xmlns:asvg="http://schemas.microsoft.com/office/drawing/2016/SVG/main" r:embed="rId19"/>
               </a:ext>
             </a:extLst>
           </a:blip>

--- a/doc/Quick Start architecture diagram.pptx
+++ b/doc/Quick Start architecture diagram.pptx
@@ -259,7 +259,7 @@
           <a:p>
             <a:fld id="{6244D3B9-4146-964F-9E7E-473F62F24AD4}" type="datetimeFigureOut">
               <a:rPr lang="en-US" smtClean="0"/>
-              <a:t>5/15/20</a:t>
+              <a:t>5/29/20</a:t>
             </a:fld>
             <a:endParaRPr lang="en-US"/>
           </a:p>
@@ -457,7 +457,7 @@
           <a:p>
             <a:fld id="{6244D3B9-4146-964F-9E7E-473F62F24AD4}" type="datetimeFigureOut">
               <a:rPr lang="en-US" smtClean="0"/>
-              <a:t>5/15/20</a:t>
+              <a:t>5/29/20</a:t>
             </a:fld>
             <a:endParaRPr lang="en-US"/>
           </a:p>
@@ -665,7 +665,7 @@
           <a:p>
             <a:fld id="{6244D3B9-4146-964F-9E7E-473F62F24AD4}" type="datetimeFigureOut">
               <a:rPr lang="en-US" smtClean="0"/>
-              <a:t>5/15/20</a:t>
+              <a:t>5/29/20</a:t>
             </a:fld>
             <a:endParaRPr lang="en-US"/>
           </a:p>
@@ -863,7 +863,7 @@
           <a:p>
             <a:fld id="{6244D3B9-4146-964F-9E7E-473F62F24AD4}" type="datetimeFigureOut">
               <a:rPr lang="en-US" smtClean="0"/>
-              <a:t>5/15/20</a:t>
+              <a:t>5/29/20</a:t>
             </a:fld>
             <a:endParaRPr lang="en-US"/>
           </a:p>
@@ -1138,7 +1138,7 @@
           <a:p>
             <a:fld id="{6244D3B9-4146-964F-9E7E-473F62F24AD4}" type="datetimeFigureOut">
               <a:rPr lang="en-US" smtClean="0"/>
-              <a:t>5/15/20</a:t>
+              <a:t>5/29/20</a:t>
             </a:fld>
             <a:endParaRPr lang="en-US"/>
           </a:p>
@@ -1403,7 +1403,7 @@
           <a:p>
             <a:fld id="{6244D3B9-4146-964F-9E7E-473F62F24AD4}" type="datetimeFigureOut">
               <a:rPr lang="en-US" smtClean="0"/>
-              <a:t>5/15/20</a:t>
+              <a:t>5/29/20</a:t>
             </a:fld>
             <a:endParaRPr lang="en-US"/>
           </a:p>
@@ -1815,7 +1815,7 @@
           <a:p>
             <a:fld id="{6244D3B9-4146-964F-9E7E-473F62F24AD4}" type="datetimeFigureOut">
               <a:rPr lang="en-US" smtClean="0"/>
-              <a:t>5/15/20</a:t>
+              <a:t>5/29/20</a:t>
             </a:fld>
             <a:endParaRPr lang="en-US"/>
           </a:p>
@@ -1956,7 +1956,7 @@
           <a:p>
             <a:fld id="{6244D3B9-4146-964F-9E7E-473F62F24AD4}" type="datetimeFigureOut">
               <a:rPr lang="en-US" smtClean="0"/>
-              <a:t>5/15/20</a:t>
+              <a:t>5/29/20</a:t>
             </a:fld>
             <a:endParaRPr lang="en-US"/>
           </a:p>
@@ -2069,7 +2069,7 @@
           <a:p>
             <a:fld id="{6244D3B9-4146-964F-9E7E-473F62F24AD4}" type="datetimeFigureOut">
               <a:rPr lang="en-US" smtClean="0"/>
-              <a:t>5/15/20</a:t>
+              <a:t>5/29/20</a:t>
             </a:fld>
             <a:endParaRPr lang="en-US"/>
           </a:p>
@@ -2380,7 +2380,7 @@
           <a:p>
             <a:fld id="{6244D3B9-4146-964F-9E7E-473F62F24AD4}" type="datetimeFigureOut">
               <a:rPr lang="en-US" smtClean="0"/>
-              <a:t>5/15/20</a:t>
+              <a:t>5/29/20</a:t>
             </a:fld>
             <a:endParaRPr lang="en-US"/>
           </a:p>
@@ -2668,7 +2668,7 @@
           <a:p>
             <a:fld id="{6244D3B9-4146-964F-9E7E-473F62F24AD4}" type="datetimeFigureOut">
               <a:rPr lang="en-US" smtClean="0"/>
-              <a:t>5/15/20</a:t>
+              <a:t>5/29/20</a:t>
             </a:fld>
             <a:endParaRPr lang="en-US"/>
           </a:p>
@@ -2909,7 +2909,7 @@
           <a:p>
             <a:fld id="{6244D3B9-4146-964F-9E7E-473F62F24AD4}" type="datetimeFigureOut">
               <a:rPr lang="en-US" smtClean="0"/>
-              <a:t>5/15/20</a:t>
+              <a:t>5/29/20</a:t>
             </a:fld>
             <a:endParaRPr lang="en-US"/>
           </a:p>
@@ -3387,6 +3387,8 @@
                 <a:solidFill>
                   <a:srgbClr val="1E8900"/>
                 </a:solidFill>
+                <a:latin typeface="Arial" panose="020B0604020202020204" pitchFamily="34" charset="0"/>
+                <a:cs typeface="Arial" panose="020B0604020202020204" pitchFamily="34" charset="0"/>
               </a:rPr>
               <a:t>Public subnet</a:t>
             </a:r>
@@ -3452,8 +3454,8 @@
         </p:nvSpPr>
         <p:spPr>
           <a:xfrm>
-            <a:off x="6435103" y="2580352"/>
-            <a:ext cx="973105" cy="276999"/>
+            <a:off x="6367868" y="2570562"/>
+            <a:ext cx="1116578" cy="276999"/>
           </a:xfrm>
           <a:prstGeom prst="rect">
             <a:avLst/>
@@ -3461,14 +3463,17 @@
           <a:noFill/>
         </p:spPr>
         <p:txBody>
-          <a:bodyPr wrap="square" rtlCol="0">
+          <a:bodyPr wrap="square" rtlCol="0" anchor="t">
             <a:spAutoFit/>
           </a:bodyPr>
           <a:lstStyle/>
           <a:p>
             <a:pPr algn="ctr"/>
             <a:r>
-              <a:rPr lang="en-US" sz="1200" dirty="0"/>
+              <a:rPr lang="en-US" sz="1200" dirty="0">
+                <a:latin typeface="Arial" panose="020B0604020202020204" pitchFamily="34" charset="0"/>
+                <a:cs typeface="Arial" panose="020B0604020202020204" pitchFamily="34" charset="0"/>
+              </a:rPr>
               <a:t>Bastion host</a:t>
             </a:r>
           </a:p>
@@ -3535,6 +3540,8 @@
                 <a:solidFill>
                   <a:srgbClr val="1E8900"/>
                 </a:solidFill>
+                <a:latin typeface="Arial" panose="020B0604020202020204" pitchFamily="34" charset="0"/>
+                <a:cs typeface="Arial" panose="020B0604020202020204" pitchFamily="34" charset="0"/>
               </a:rPr>
               <a:t>Public subnet</a:t>
             </a:r>
@@ -3600,6 +3607,8 @@
                 <a:solidFill>
                   <a:srgbClr val="1E8900"/>
                 </a:solidFill>
+                <a:latin typeface="Arial" panose="020B0604020202020204" pitchFamily="34" charset="0"/>
+                <a:cs typeface="Arial" panose="020B0604020202020204" pitchFamily="34" charset="0"/>
               </a:rPr>
               <a:t>VPC</a:t>
             </a:r>
@@ -3667,6 +3676,8 @@
                 <a:solidFill>
                   <a:srgbClr val="007DBC"/>
                 </a:solidFill>
+                <a:latin typeface="Arial" panose="020B0604020202020204" pitchFamily="34" charset="0"/>
+                <a:cs typeface="Arial" panose="020B0604020202020204" pitchFamily="34" charset="0"/>
               </a:rPr>
               <a:t>Private subnet</a:t>
             </a:r>
@@ -3731,6 +3742,8 @@
                 <a:solidFill>
                   <a:sysClr val="windowText" lastClr="000000"/>
                 </a:solidFill>
+                <a:latin typeface="Arial" panose="020B0604020202020204" pitchFamily="34" charset="0"/>
+                <a:cs typeface="Arial" panose="020B0604020202020204" pitchFamily="34" charset="0"/>
               </a:rPr>
               <a:t>AWS Cloud</a:t>
             </a:r>
@@ -3751,7 +3764,7 @@
         </p:nvSpPr>
         <p:spPr>
           <a:xfrm>
-            <a:off x="1876371" y="619972"/>
+            <a:off x="1862924" y="619972"/>
             <a:ext cx="2782099" cy="5849653"/>
           </a:xfrm>
           <a:prstGeom prst="rect">
@@ -3796,6 +3809,8 @@
                 <a:solidFill>
                   <a:srgbClr val="007DBC"/>
                 </a:solidFill>
+                <a:latin typeface="Arial" panose="020B0604020202020204" pitchFamily="34" charset="0"/>
+                <a:cs typeface="Arial" panose="020B0604020202020204" pitchFamily="34" charset="0"/>
               </a:rPr>
               <a:t>Availability Zone 1</a:t>
             </a:r>
@@ -3996,8 +4011,8 @@
         </p:nvSpPr>
         <p:spPr>
           <a:xfrm>
-            <a:off x="2109829" y="2591084"/>
-            <a:ext cx="994971" cy="276999"/>
+            <a:off x="2018858" y="2570562"/>
+            <a:ext cx="1153178" cy="276999"/>
           </a:xfrm>
           <a:prstGeom prst="rect">
             <a:avLst/>
@@ -4005,14 +4020,17 @@
           <a:noFill/>
         </p:spPr>
         <p:txBody>
-          <a:bodyPr wrap="square" rtlCol="0">
+          <a:bodyPr wrap="square" rtlCol="0" anchor="t">
             <a:spAutoFit/>
           </a:bodyPr>
           <a:lstStyle/>
           <a:p>
             <a:pPr algn="ctr"/>
             <a:r>
-              <a:rPr lang="en-US" sz="1200" dirty="0"/>
+              <a:rPr lang="en-US" sz="1200" dirty="0">
+                <a:latin typeface="Arial" panose="020B0604020202020204" pitchFamily="34" charset="0"/>
+                <a:cs typeface="Arial" panose="020B0604020202020204" pitchFamily="34" charset="0"/>
+              </a:rPr>
               <a:t>NAT gateway</a:t>
             </a:r>
           </a:p>
@@ -4156,7 +4174,10 @@
           <a:p>
             <a:pPr algn="ctr"/>
             <a:r>
-              <a:rPr lang="en-US" sz="1200" dirty="0"/>
+              <a:rPr lang="en-US" sz="1200" dirty="0">
+                <a:latin typeface="Arial" panose="020B0604020202020204" pitchFamily="34" charset="0"/>
+                <a:cs typeface="Arial" panose="020B0604020202020204" pitchFamily="34" charset="0"/>
+              </a:rPr>
               <a:t>&lt;Your product instances&gt;</a:t>
             </a:r>
           </a:p>
@@ -4176,8 +4197,8 @@
         </p:nvSpPr>
         <p:spPr>
           <a:xfrm>
-            <a:off x="3309258" y="2570562"/>
-            <a:ext cx="973105" cy="276999"/>
+            <a:off x="3228576" y="2570562"/>
+            <a:ext cx="1132415" cy="276999"/>
           </a:xfrm>
           <a:prstGeom prst="rect">
             <a:avLst/>
@@ -4185,14 +4206,17 @@
           <a:noFill/>
         </p:spPr>
         <p:txBody>
-          <a:bodyPr wrap="square" rtlCol="0">
+          <a:bodyPr wrap="square" rtlCol="0" anchor="t">
             <a:spAutoFit/>
           </a:bodyPr>
           <a:lstStyle/>
           <a:p>
             <a:pPr algn="ctr"/>
             <a:r>
-              <a:rPr lang="en-US" sz="1200" dirty="0"/>
+              <a:rPr lang="en-US" sz="1200" dirty="0">
+                <a:latin typeface="Arial" panose="020B0604020202020204" pitchFamily="34" charset="0"/>
+                <a:cs typeface="Arial" panose="020B0604020202020204" pitchFamily="34" charset="0"/>
+              </a:rPr>
               <a:t>Bastion host</a:t>
             </a:r>
           </a:p>
@@ -4249,7 +4273,7 @@
         <p:spPr>
           <a:xfrm>
             <a:off x="9202994" y="3467302"/>
-            <a:ext cx="1651819" cy="276999"/>
+            <a:ext cx="1651819" cy="307777"/>
           </a:xfrm>
           <a:prstGeom prst="rect">
             <a:avLst/>
@@ -4264,7 +4288,10 @@
           <a:p>
             <a:pPr algn="ctr"/>
             <a:r>
-              <a:rPr lang="en-US" sz="1200" dirty="0"/>
+              <a:rPr lang="en-US" sz="1400" dirty="0">
+                <a:latin typeface="Arial" panose="020B0604020202020204" pitchFamily="34" charset="0"/>
+                <a:cs typeface="Arial" panose="020B0604020202020204" pitchFamily="34" charset="0"/>
+              </a:rPr>
               <a:t>Amazon S3</a:t>
             </a:r>
           </a:p>
@@ -4285,7 +4312,7 @@
         <p:spPr>
           <a:xfrm>
             <a:off x="9202994" y="4954116"/>
-            <a:ext cx="1651819" cy="276999"/>
+            <a:ext cx="1651819" cy="307777"/>
           </a:xfrm>
           <a:prstGeom prst="rect">
             <a:avLst/>
@@ -4300,7 +4327,10 @@
           <a:p>
             <a:pPr algn="ctr"/>
             <a:r>
-              <a:rPr lang="en-US" sz="1200" dirty="0"/>
+              <a:rPr lang="en-US" sz="1400" dirty="0">
+                <a:latin typeface="Arial" panose="020B0604020202020204" pitchFamily="34" charset="0"/>
+                <a:cs typeface="Arial" panose="020B0604020202020204" pitchFamily="34" charset="0"/>
+              </a:rPr>
               <a:t>Amazon Route 53</a:t>
             </a:r>
           </a:p>
@@ -4356,8 +4386,8 @@
         </p:nvSpPr>
         <p:spPr>
           <a:xfrm>
-            <a:off x="4786108" y="4961997"/>
-            <a:ext cx="1194005" cy="461665"/>
+            <a:off x="4698812" y="4961997"/>
+            <a:ext cx="1335090" cy="461665"/>
           </a:xfrm>
           <a:prstGeom prst="rect">
             <a:avLst/>
@@ -4372,7 +4402,10 @@
           <a:p>
             <a:pPr algn="ctr"/>
             <a:r>
-              <a:rPr lang="en-US" sz="1200" dirty="0"/>
+              <a:rPr lang="en-US" sz="1200" dirty="0">
+                <a:latin typeface="Arial" panose="020B0604020202020204" pitchFamily="34" charset="0"/>
+                <a:cs typeface="Arial" panose="020B0604020202020204" pitchFamily="34" charset="0"/>
+              </a:rPr>
               <a:t>Elastic Load Balancing (ELB)</a:t>
             </a:r>
           </a:p>
@@ -4448,6 +4481,8 @@
                 <a:solidFill>
                   <a:srgbClr val="1E8900"/>
                 </a:solidFill>
+                <a:latin typeface="Arial" panose="020B0604020202020204" pitchFamily="34" charset="0"/>
+                <a:cs typeface="Arial" panose="020B0604020202020204" pitchFamily="34" charset="0"/>
               </a:rPr>
               <a:t>10.0.128.0/20</a:t>
             </a:r>
@@ -4488,6 +4523,8 @@
                 <a:solidFill>
                   <a:srgbClr val="007DBC"/>
                 </a:solidFill>
+                <a:latin typeface="Arial" panose="020B0604020202020204" pitchFamily="34" charset="0"/>
+                <a:cs typeface="Arial" panose="020B0604020202020204" pitchFamily="34" charset="0"/>
               </a:rPr>
               <a:t>10.0.0.0/19</a:t>
             </a:r>
@@ -4555,6 +4592,8 @@
                 <a:solidFill>
                   <a:srgbClr val="007DBC"/>
                 </a:solidFill>
+                <a:latin typeface="Arial" panose="020B0604020202020204" pitchFamily="34" charset="0"/>
+                <a:cs typeface="Arial" panose="020B0604020202020204" pitchFamily="34" charset="0"/>
               </a:rPr>
               <a:t>Private subnet</a:t>
             </a:r>
@@ -4575,7 +4614,7 @@
         </p:nvSpPr>
         <p:spPr>
           <a:xfrm>
-            <a:off x="6093492" y="629762"/>
+            <a:off x="6080045" y="629762"/>
             <a:ext cx="2782099" cy="5849653"/>
           </a:xfrm>
           <a:prstGeom prst="rect">
@@ -4620,6 +4659,8 @@
                 <a:solidFill>
                   <a:srgbClr val="007DBC"/>
                 </a:solidFill>
+                <a:latin typeface="Arial" panose="020B0604020202020204" pitchFamily="34" charset="0"/>
+                <a:cs typeface="Arial" panose="020B0604020202020204" pitchFamily="34" charset="0"/>
               </a:rPr>
               <a:t>Availability Zone 2</a:t>
             </a:r>
@@ -4712,8 +4753,8 @@
         </p:nvSpPr>
         <p:spPr>
           <a:xfrm>
-            <a:off x="7648700" y="2600874"/>
-            <a:ext cx="994971" cy="276999"/>
+            <a:off x="7565128" y="2570562"/>
+            <a:ext cx="1159225" cy="276999"/>
           </a:xfrm>
           <a:prstGeom prst="rect">
             <a:avLst/>
@@ -4721,14 +4762,17 @@
           <a:noFill/>
         </p:spPr>
         <p:txBody>
-          <a:bodyPr wrap="square" rtlCol="0">
+          <a:bodyPr wrap="square" rtlCol="0" anchor="t">
             <a:spAutoFit/>
           </a:bodyPr>
           <a:lstStyle/>
           <a:p>
             <a:pPr algn="ctr"/>
             <a:r>
-              <a:rPr lang="en-US" sz="1200" dirty="0"/>
+              <a:rPr lang="en-US" sz="1200" dirty="0">
+                <a:latin typeface="Arial" panose="020B0604020202020204" pitchFamily="34" charset="0"/>
+                <a:cs typeface="Arial" panose="020B0604020202020204" pitchFamily="34" charset="0"/>
+              </a:rPr>
               <a:t>NAT gateway</a:t>
             </a:r>
           </a:p>
@@ -4836,7 +4880,10 @@
           <a:p>
             <a:pPr algn="ctr"/>
             <a:r>
-              <a:rPr lang="en-US" sz="1200" dirty="0"/>
+              <a:rPr lang="en-US" sz="1200" dirty="0">
+                <a:latin typeface="Arial" panose="020B0604020202020204" pitchFamily="34" charset="0"/>
+                <a:cs typeface="Arial" panose="020B0604020202020204" pitchFamily="34" charset="0"/>
+              </a:rPr>
               <a:t>&lt;Your product instances&gt;</a:t>
             </a:r>
           </a:p>
@@ -4876,6 +4923,8 @@
                 <a:solidFill>
                   <a:srgbClr val="1E8900"/>
                 </a:solidFill>
+                <a:latin typeface="Arial" panose="020B0604020202020204" pitchFamily="34" charset="0"/>
+                <a:cs typeface="Arial" panose="020B0604020202020204" pitchFamily="34" charset="0"/>
               </a:rPr>
               <a:t>10.0.144.0/20</a:t>
             </a:r>
@@ -4916,6 +4965,8 @@
                 <a:solidFill>
                   <a:srgbClr val="007DBC"/>
                 </a:solidFill>
+                <a:latin typeface="Arial" panose="020B0604020202020204" pitchFamily="34" charset="0"/>
+                <a:cs typeface="Arial" panose="020B0604020202020204" pitchFamily="34" charset="0"/>
               </a:rPr>
               <a:t>10.0.32.0/19</a:t>
             </a:r>
@@ -5048,6 +5099,8 @@
                 <a:solidFill>
                   <a:srgbClr val="1E8900"/>
                 </a:solidFill>
+                <a:latin typeface="Arial" panose="020B0604020202020204" pitchFamily="34" charset="0"/>
+                <a:cs typeface="Arial" panose="020B0604020202020204" pitchFamily="34" charset="0"/>
               </a:rPr>
               <a:t>10.0.0.0/16</a:t>
             </a:r>
@@ -5123,12 +5176,18 @@
             </a:endParaRPr>
           </a:p>
           <a:p>
-            <a:pPr algn="ctr"/>
+            <a:pPr algn="ctr">
+              <a:tabLst>
+                <a:tab pos="3475038" algn="l"/>
+              </a:tabLst>
+            </a:pPr>
             <a:r>
               <a:rPr lang="en-US" sz="1200" dirty="0">
                 <a:solidFill>
                   <a:srgbClr val="D86613"/>
                 </a:solidFill>
+                <a:latin typeface="Arial" panose="020B0604020202020204" pitchFamily="34" charset="0"/>
+                <a:cs typeface="Arial" panose="020B0604020202020204" pitchFamily="34" charset="0"/>
               </a:rPr>
               <a:t>Auto Scaling group</a:t>
             </a:r>

--- a/doc/Quick Start architecture diagram.pptx
+++ b/doc/Quick Start architecture diagram.pptx
@@ -223,7 +223,7 @@
           <a:p>
             <a:fld id="{49A7721D-1176-A640-AC48-B82F78C92D56}" type="datetimeFigureOut">
               <a:rPr lang="en-US" smtClean="0"/>
-              <a:t>6/2/20</a:t>
+              <a:t>6/3/20</a:t>
             </a:fld>
             <a:endParaRPr lang="en-US" dirty="0"/>
           </a:p>
@@ -400,7 +400,7 @@
           <a:p>
             <a:fld id="{C884A089-FB25-6D46-9D21-F0F04A18BCA8}" type="datetimeFigureOut">
               <a:rPr lang="en-US" smtClean="0"/>
-              <a:t>6/2/20</a:t>
+              <a:t>6/3/20</a:t>
             </a:fld>
             <a:endParaRPr lang="en-US" dirty="0"/>
           </a:p>
@@ -1098,7 +1098,7 @@
         </p:nvSpPr>
         <p:spPr>
           <a:xfrm>
-            <a:off x="6244917" y="1394495"/>
+            <a:off x="5682206" y="1563311"/>
             <a:ext cx="2474928" cy="2065388"/>
           </a:xfrm>
           <a:prstGeom prst="rect">
@@ -1187,7 +1187,7 @@
         </p:blipFill>
         <p:spPr>
           <a:xfrm>
-            <a:off x="6686706" y="2121570"/>
+            <a:off x="6123995" y="2290386"/>
             <a:ext cx="469900" cy="469900"/>
           </a:xfrm>
           <a:prstGeom prst="rect">
@@ -1212,7 +1212,7 @@
         </p:nvSpPr>
         <p:spPr>
           <a:xfrm>
-            <a:off x="6367868" y="2570562"/>
+            <a:off x="5805157" y="2739378"/>
             <a:ext cx="1116578" cy="276999"/>
           </a:xfrm>
           <a:prstGeom prst="rect">
@@ -1251,7 +1251,7 @@
         </p:nvSpPr>
         <p:spPr>
           <a:xfrm>
-            <a:off x="2027796" y="1384705"/>
+            <a:off x="1465085" y="1553521"/>
             <a:ext cx="2474928" cy="2065388"/>
           </a:xfrm>
           <a:prstGeom prst="rect">
@@ -1320,7 +1320,7 @@
         </p:nvSpPr>
         <p:spPr>
           <a:xfrm>
-            <a:off x="1461155" y="1026373"/>
+            <a:off x="898444" y="1195189"/>
             <a:ext cx="7741839" cy="5266272"/>
           </a:xfrm>
           <a:prstGeom prst="rect">
@@ -1387,7 +1387,7 @@
         </p:nvSpPr>
         <p:spPr>
           <a:xfrm>
-            <a:off x="2029776" y="3727092"/>
+            <a:off x="1467065" y="3895908"/>
             <a:ext cx="2470969" cy="2414536"/>
           </a:xfrm>
           <a:prstGeom prst="rect">
@@ -1456,8 +1456,8 @@
         </p:nvSpPr>
         <p:spPr>
           <a:xfrm>
-            <a:off x="1269214" y="172372"/>
-            <a:ext cx="9585599" cy="6474233"/>
+            <a:off x="706503" y="341189"/>
+            <a:ext cx="9585599" cy="6474232"/>
           </a:xfrm>
           <a:prstGeom prst="rect">
             <a:avLst/>
@@ -1522,7 +1522,7 @@
         </p:nvSpPr>
         <p:spPr>
           <a:xfrm>
-            <a:off x="1862924" y="619972"/>
+            <a:off x="1300213" y="788788"/>
             <a:ext cx="2782099" cy="5849653"/>
           </a:xfrm>
           <a:prstGeom prst="rect">
@@ -1603,7 +1603,7 @@
         </p:blipFill>
         <p:spPr>
           <a:xfrm>
-            <a:off x="5220667" y="1837586"/>
+            <a:off x="4657956" y="2006402"/>
             <a:ext cx="330200" cy="330200"/>
           </a:xfrm>
           <a:prstGeom prst="rect">
@@ -1639,7 +1639,7 @@
         </p:blipFill>
         <p:spPr>
           <a:xfrm>
-            <a:off x="1269215" y="172373"/>
+            <a:off x="706504" y="341189"/>
             <a:ext cx="330200" cy="330200"/>
           </a:xfrm>
           <a:prstGeom prst="rect">
@@ -1675,7 +1675,7 @@
         </p:blipFill>
         <p:spPr>
           <a:xfrm>
-            <a:off x="1461156" y="1026373"/>
+            <a:off x="898445" y="1195189"/>
             <a:ext cx="330200" cy="330200"/>
           </a:xfrm>
           <a:prstGeom prst="rect">
@@ -1711,7 +1711,7 @@
         </p:blipFill>
         <p:spPr>
           <a:xfrm>
-            <a:off x="2027796" y="1382346"/>
+            <a:off x="1465085" y="1551162"/>
             <a:ext cx="274320" cy="274320"/>
           </a:xfrm>
           <a:prstGeom prst="rect">
@@ -1747,7 +1747,7 @@
         </p:blipFill>
         <p:spPr>
           <a:xfrm>
-            <a:off x="2031500" y="3724733"/>
+            <a:off x="1468789" y="3893549"/>
             <a:ext cx="274320" cy="274320"/>
           </a:xfrm>
           <a:prstGeom prst="rect">
@@ -1769,7 +1769,7 @@
         </p:nvSpPr>
         <p:spPr>
           <a:xfrm>
-            <a:off x="2018858" y="2570562"/>
+            <a:off x="1456147" y="2739378"/>
             <a:ext cx="1153178" cy="276999"/>
           </a:xfrm>
           <a:prstGeom prst="rect">
@@ -1822,7 +1822,7 @@
         </p:blipFill>
         <p:spPr>
           <a:xfrm>
-            <a:off x="2361942" y="2111895"/>
+            <a:off x="1799231" y="2280711"/>
             <a:ext cx="469900" cy="469900"/>
           </a:xfrm>
           <a:prstGeom prst="rect">
@@ -1858,7 +1858,7 @@
         </p:blipFill>
         <p:spPr>
           <a:xfrm>
-            <a:off x="3560861" y="2111780"/>
+            <a:off x="2998150" y="2280596"/>
             <a:ext cx="469900" cy="469900"/>
           </a:xfrm>
           <a:prstGeom prst="rect">
@@ -1894,7 +1894,7 @@
         </p:blipFill>
         <p:spPr>
           <a:xfrm>
-            <a:off x="3007449" y="4404100"/>
+            <a:off x="2444738" y="4572916"/>
             <a:ext cx="469900" cy="469900"/>
           </a:xfrm>
           <a:prstGeom prst="rect">
@@ -1916,7 +1916,7 @@
         </p:nvSpPr>
         <p:spPr>
           <a:xfrm>
-            <a:off x="2485746" y="4900733"/>
+            <a:off x="1923035" y="5069549"/>
             <a:ext cx="1513305" cy="461665"/>
           </a:xfrm>
           <a:prstGeom prst="rect">
@@ -1955,7 +1955,7 @@
         </p:nvSpPr>
         <p:spPr>
           <a:xfrm>
-            <a:off x="3228576" y="2570562"/>
+            <a:off x="2665865" y="2739378"/>
             <a:ext cx="1132415" cy="276999"/>
           </a:xfrm>
           <a:prstGeom prst="rect">
@@ -2008,7 +2008,7 @@
         </p:blipFill>
         <p:spPr>
           <a:xfrm>
-            <a:off x="9743572" y="2884994"/>
+            <a:off x="9180861" y="3053810"/>
             <a:ext cx="591034" cy="591034"/>
           </a:xfrm>
           <a:prstGeom prst="rect">
@@ -2030,7 +2030,7 @@
         </p:nvSpPr>
         <p:spPr>
           <a:xfrm>
-            <a:off x="9202994" y="3467302"/>
+            <a:off x="8640283" y="3636118"/>
             <a:ext cx="1651819" cy="307777"/>
           </a:xfrm>
           <a:prstGeom prst="rect">
@@ -2069,7 +2069,7 @@
         </p:nvSpPr>
         <p:spPr>
           <a:xfrm>
-            <a:off x="9202994" y="4954116"/>
+            <a:off x="8640283" y="5122932"/>
             <a:ext cx="1651819" cy="307777"/>
           </a:xfrm>
           <a:prstGeom prst="rect">
@@ -2122,7 +2122,7 @@
         </p:blipFill>
         <p:spPr>
           <a:xfrm>
-            <a:off x="9743572" y="4307394"/>
+            <a:off x="9180861" y="4476210"/>
             <a:ext cx="591034" cy="591034"/>
           </a:xfrm>
           <a:prstGeom prst="rect">
@@ -2144,7 +2144,7 @@
         </p:nvSpPr>
         <p:spPr>
           <a:xfrm>
-            <a:off x="4698812" y="4961997"/>
+            <a:off x="4136101" y="5130813"/>
             <a:ext cx="1335090" cy="461665"/>
           </a:xfrm>
           <a:prstGeom prst="rect">
@@ -2197,7 +2197,7 @@
         </p:blipFill>
         <p:spPr>
           <a:xfrm>
-            <a:off x="5102418" y="4371159"/>
+            <a:off x="4539707" y="4539975"/>
             <a:ext cx="591034" cy="591034"/>
           </a:xfrm>
           <a:prstGeom prst="rect">
@@ -2219,7 +2219,7 @@
         </p:nvSpPr>
         <p:spPr>
           <a:xfrm>
-            <a:off x="2638908" y="3173094"/>
+            <a:off x="2076197" y="3341910"/>
             <a:ext cx="1252704" cy="276999"/>
           </a:xfrm>
           <a:prstGeom prst="rect">
@@ -2261,7 +2261,7 @@
         </p:nvSpPr>
         <p:spPr>
           <a:xfrm>
-            <a:off x="2638908" y="5856092"/>
+            <a:off x="2076197" y="6024908"/>
             <a:ext cx="1252704" cy="276999"/>
           </a:xfrm>
           <a:prstGeom prst="rect">
@@ -2303,7 +2303,7 @@
         </p:nvSpPr>
         <p:spPr>
           <a:xfrm>
-            <a:off x="6246897" y="3736882"/>
+            <a:off x="5684186" y="3905698"/>
             <a:ext cx="2470969" cy="2414536"/>
           </a:xfrm>
           <a:prstGeom prst="rect">
@@ -2372,7 +2372,7 @@
         </p:nvSpPr>
         <p:spPr>
           <a:xfrm>
-            <a:off x="6080045" y="629762"/>
+            <a:off x="5517334" y="798578"/>
             <a:ext cx="2782099" cy="5849653"/>
           </a:xfrm>
           <a:prstGeom prst="rect">
@@ -2453,7 +2453,7 @@
         </p:blipFill>
         <p:spPr>
           <a:xfrm>
-            <a:off x="6244917" y="1392136"/>
+            <a:off x="5682206" y="1560952"/>
             <a:ext cx="274320" cy="274320"/>
           </a:xfrm>
           <a:prstGeom prst="rect">
@@ -2489,7 +2489,7 @@
         </p:blipFill>
         <p:spPr>
           <a:xfrm>
-            <a:off x="6248621" y="3734523"/>
+            <a:off x="5685910" y="3903339"/>
             <a:ext cx="274320" cy="274320"/>
           </a:xfrm>
           <a:prstGeom prst="rect">
@@ -2511,7 +2511,7 @@
         </p:nvSpPr>
         <p:spPr>
           <a:xfrm>
-            <a:off x="7565128" y="2570562"/>
+            <a:off x="7002417" y="2739378"/>
             <a:ext cx="1159225" cy="276999"/>
           </a:xfrm>
           <a:prstGeom prst="rect">
@@ -2564,7 +2564,7 @@
         </p:blipFill>
         <p:spPr>
           <a:xfrm>
-            <a:off x="7900813" y="2111895"/>
+            <a:off x="7338102" y="2280711"/>
             <a:ext cx="469900" cy="469900"/>
           </a:xfrm>
           <a:prstGeom prst="rect">
@@ -2600,7 +2600,7 @@
         </p:blipFill>
         <p:spPr>
           <a:xfrm>
-            <a:off x="7148158" y="4404100"/>
+            <a:off x="6585447" y="4572916"/>
             <a:ext cx="469900" cy="469900"/>
           </a:xfrm>
           <a:prstGeom prst="rect">
@@ -2622,7 +2622,7 @@
         </p:nvSpPr>
         <p:spPr>
           <a:xfrm>
-            <a:off x="6626455" y="4900733"/>
+            <a:off x="6063744" y="5069549"/>
             <a:ext cx="1513305" cy="461665"/>
           </a:xfrm>
           <a:prstGeom prst="rect">
@@ -2661,7 +2661,7 @@
         </p:nvSpPr>
         <p:spPr>
           <a:xfrm>
-            <a:off x="6856029" y="3182884"/>
+            <a:off x="6293318" y="3351700"/>
             <a:ext cx="1252704" cy="276999"/>
           </a:xfrm>
           <a:prstGeom prst="rect">
@@ -2703,7 +2703,7 @@
         </p:nvSpPr>
         <p:spPr>
           <a:xfrm>
-            <a:off x="6856029" y="5865882"/>
+            <a:off x="6293318" y="6034698"/>
             <a:ext cx="1252704" cy="276999"/>
           </a:xfrm>
           <a:prstGeom prst="rect">
@@ -2748,7 +2748,7 @@
         </p:nvCxnSpPr>
         <p:spPr>
           <a:xfrm>
-            <a:off x="5693452" y="4666676"/>
+            <a:off x="5130741" y="4835492"/>
             <a:ext cx="1356004" cy="0"/>
           </a:xfrm>
           <a:prstGeom prst="straightConnector1">
@@ -2794,7 +2794,7 @@
         </p:nvCxnSpPr>
         <p:spPr>
           <a:xfrm flipV="1">
-            <a:off x="3765371" y="4666676"/>
+            <a:off x="3202660" y="4835492"/>
             <a:ext cx="1337047" cy="0"/>
           </a:xfrm>
           <a:prstGeom prst="straightConnector1">
@@ -2837,7 +2837,7 @@
         </p:nvSpPr>
         <p:spPr>
           <a:xfrm>
-            <a:off x="4657596" y="6017483"/>
+            <a:off x="4094885" y="6186299"/>
             <a:ext cx="1435022" cy="276999"/>
           </a:xfrm>
           <a:prstGeom prst="rect">
@@ -2879,7 +2879,7 @@
         </p:nvSpPr>
         <p:spPr>
           <a:xfrm>
-            <a:off x="3165987" y="1845899"/>
+            <a:off x="2603276" y="2014715"/>
             <a:ext cx="4442344" cy="1143000"/>
           </a:xfrm>
           <a:prstGeom prst="rect">
@@ -2948,6 +2948,55 @@
                 <a:cs typeface="Arial" panose="020B0604020202020204" pitchFamily="34" charset="0"/>
               </a:rPr>
               <a:t>Auto Scaling group</a:t>
+            </a:r>
+          </a:p>
+        </p:txBody>
+      </p:sp>
+      <p:sp>
+        <p:nvSpPr>
+          <p:cNvPr id="5" name="TextBox 4">
+            <a:extLst>
+              <a:ext uri="{FF2B5EF4-FFF2-40B4-BE49-F238E27FC236}">
+                <a16:creationId xmlns:a16="http://schemas.microsoft.com/office/drawing/2014/main" id="{13223671-8F0C-D24C-A166-AE97972BD013}"/>
+              </a:ext>
+            </a:extLst>
+          </p:cNvPr>
+          <p:cNvSpPr txBox="1"/>
+          <p:nvPr/>
+        </p:nvSpPr>
+        <p:spPr>
+          <a:xfrm>
+            <a:off x="9311797" y="412799"/>
+            <a:ext cx="2750358" cy="2585323"/>
+          </a:xfrm>
+          <a:prstGeom prst="rect">
+            <a:avLst/>
+          </a:prstGeom>
+          <a:solidFill>
+            <a:schemeClr val="bg1">
+              <a:lumMod val="90000"/>
+            </a:schemeClr>
+          </a:solidFill>
+        </p:spPr>
+        <p:txBody>
+          <a:bodyPr wrap="square" rtlCol="0">
+            <a:spAutoFit/>
+          </a:bodyPr>
+          <a:lstStyle/>
+          <a:p>
+            <a:r>
+              <a:rPr lang="en-US" dirty="0"/>
+              <a:t>This is a starter file for you to create your own diagrams. For the full set of icons, instructions, etc., download the toolkit for PowerPoint from the </a:t>
+            </a:r>
+            <a:r>
+              <a:rPr lang="en-US" dirty="0">
+                <a:hlinkClick r:id="rId26"/>
+              </a:rPr>
+              <a:t>AWS Architecture Icons</a:t>
+            </a:r>
+            <a:r>
+              <a:rPr lang="en-US" dirty="0"/>
+              <a:t> page. Copy and paste from there to here.</a:t>
             </a:r>
           </a:p>
         </p:txBody>

--- a/doc/Quick Start architecture diagram.pptx
+++ b/doc/Quick Start architecture diagram.pptx
@@ -223,7 +223,7 @@
           <a:p>
             <a:fld id="{49A7721D-1176-A640-AC48-B82F78C92D56}" type="datetimeFigureOut">
               <a:rPr lang="en-US" smtClean="0"/>
-              <a:t>6/3/20</a:t>
+              <a:t>8/17/20</a:t>
             </a:fld>
             <a:endParaRPr lang="en-US" dirty="0"/>
           </a:p>
@@ -400,7 +400,7 @@
           <a:p>
             <a:fld id="{C884A089-FB25-6D46-9D21-F0F04A18BCA8}" type="datetimeFigureOut">
               <a:rPr lang="en-US" smtClean="0"/>
-              <a:t>6/3/20</a:t>
+              <a:t>8/17/20</a:t>
             </a:fld>
             <a:endParaRPr lang="en-US" dirty="0"/>
           </a:p>
@@ -1099,7 +1099,7 @@
         <p:spPr>
           <a:xfrm>
             <a:off x="5682206" y="1563311"/>
-            <a:ext cx="2474928" cy="2065388"/>
+            <a:ext cx="2474928" cy="1787440"/>
           </a:xfrm>
           <a:prstGeom prst="rect">
             <a:avLst/>
@@ -1252,7 +1252,7 @@
         <p:spPr>
           <a:xfrm>
             <a:off x="1465085" y="1553521"/>
-            <a:ext cx="2474928" cy="2065388"/>
+            <a:ext cx="2474928" cy="1797230"/>
           </a:xfrm>
           <a:prstGeom prst="rect">
             <a:avLst/>
@@ -1321,7 +1321,7 @@
         <p:spPr>
           <a:xfrm>
             <a:off x="898444" y="1195189"/>
-            <a:ext cx="7741839" cy="5266272"/>
+            <a:ext cx="7741839" cy="4075311"/>
           </a:xfrm>
           <a:prstGeom prst="rect">
             <a:avLst/>
@@ -1387,8 +1387,8 @@
         </p:nvSpPr>
         <p:spPr>
           <a:xfrm>
-            <a:off x="1467065" y="3895908"/>
-            <a:ext cx="2470969" cy="2414536"/>
+            <a:off x="1467065" y="3639810"/>
+            <a:ext cx="2470969" cy="1520867"/>
           </a:xfrm>
           <a:prstGeom prst="rect">
             <a:avLst/>
@@ -1457,7 +1457,7 @@
         <p:spPr>
           <a:xfrm>
             <a:off x="706503" y="341189"/>
-            <a:ext cx="9585599" cy="6474232"/>
+            <a:ext cx="9585599" cy="5157911"/>
           </a:xfrm>
           <a:prstGeom prst="rect">
             <a:avLst/>
@@ -1522,8 +1522,8 @@
         </p:nvSpPr>
         <p:spPr>
           <a:xfrm>
-            <a:off x="1300213" y="788788"/>
-            <a:ext cx="2782099" cy="5849653"/>
+            <a:off x="1300213" y="788789"/>
+            <a:ext cx="2782099" cy="4596012"/>
           </a:xfrm>
           <a:prstGeom prst="rect">
             <a:avLst/>
@@ -1747,7 +1747,7 @@
         </p:blipFill>
         <p:spPr>
           <a:xfrm>
-            <a:off x="1468789" y="3893549"/>
+            <a:off x="1468789" y="3648856"/>
             <a:ext cx="274320" cy="274320"/>
           </a:xfrm>
           <a:prstGeom prst="rect">
@@ -1894,7 +1894,7 @@
         </p:blipFill>
         <p:spPr>
           <a:xfrm>
-            <a:off x="2444738" y="4572916"/>
+            <a:off x="2444738" y="4141116"/>
             <a:ext cx="469900" cy="469900"/>
           </a:xfrm>
           <a:prstGeom prst="rect">
@@ -1916,7 +1916,7 @@
         </p:nvSpPr>
         <p:spPr>
           <a:xfrm>
-            <a:off x="1923035" y="5069549"/>
+            <a:off x="1923035" y="4637749"/>
             <a:ext cx="1513305" cy="461665"/>
           </a:xfrm>
           <a:prstGeom prst="rect">
@@ -2008,7 +2008,7 @@
         </p:blipFill>
         <p:spPr>
           <a:xfrm>
-            <a:off x="9180861" y="3053810"/>
+            <a:off x="9180861" y="2812510"/>
             <a:ext cx="591034" cy="591034"/>
           </a:xfrm>
           <a:prstGeom prst="rect">
@@ -2030,7 +2030,7 @@
         </p:nvSpPr>
         <p:spPr>
           <a:xfrm>
-            <a:off x="8640283" y="3636118"/>
+            <a:off x="8640283" y="3394818"/>
             <a:ext cx="1651819" cy="307777"/>
           </a:xfrm>
           <a:prstGeom prst="rect">
@@ -2069,7 +2069,7 @@
         </p:nvSpPr>
         <p:spPr>
           <a:xfrm>
-            <a:off x="8640283" y="5122932"/>
+            <a:off x="8640283" y="4640332"/>
             <a:ext cx="1651819" cy="307777"/>
           </a:xfrm>
           <a:prstGeom prst="rect">
@@ -2122,7 +2122,7 @@
         </p:blipFill>
         <p:spPr>
           <a:xfrm>
-            <a:off x="9180861" y="4476210"/>
+            <a:off x="9180861" y="3993610"/>
             <a:ext cx="591034" cy="591034"/>
           </a:xfrm>
           <a:prstGeom prst="rect">
@@ -2144,7 +2144,7 @@
         </p:nvSpPr>
         <p:spPr>
           <a:xfrm>
-            <a:off x="4136101" y="5130813"/>
+            <a:off x="4136101" y="4648213"/>
             <a:ext cx="1335090" cy="461665"/>
           </a:xfrm>
           <a:prstGeom prst="rect">
@@ -2197,7 +2197,7 @@
         </p:blipFill>
         <p:spPr>
           <a:xfrm>
-            <a:off x="4539707" y="4539975"/>
+            <a:off x="4539707" y="4057375"/>
             <a:ext cx="591034" cy="591034"/>
           </a:xfrm>
           <a:prstGeom prst="rect">
@@ -2207,90 +2207,6 @@
       </p:pic>
       <p:sp>
         <p:nvSpPr>
-          <p:cNvPr id="78" name="TextBox 77">
-            <a:extLst>
-              <a:ext uri="{FF2B5EF4-FFF2-40B4-BE49-F238E27FC236}">
-                <a16:creationId xmlns:a16="http://schemas.microsoft.com/office/drawing/2014/main" id="{29576086-9C67-4847-AE71-1EF952A026D9}"/>
-              </a:ext>
-            </a:extLst>
-          </p:cNvPr>
-          <p:cNvSpPr txBox="1"/>
-          <p:nvPr/>
-        </p:nvSpPr>
-        <p:spPr>
-          <a:xfrm>
-            <a:off x="2076197" y="3341910"/>
-            <a:ext cx="1252704" cy="276999"/>
-          </a:xfrm>
-          <a:prstGeom prst="rect">
-            <a:avLst/>
-          </a:prstGeom>
-          <a:noFill/>
-        </p:spPr>
-        <p:txBody>
-          <a:bodyPr wrap="square" rtlCol="0">
-            <a:spAutoFit/>
-          </a:bodyPr>
-          <a:lstStyle/>
-          <a:p>
-            <a:pPr algn="ctr"/>
-            <a:r>
-              <a:rPr lang="en-US" sz="1200" dirty="0">
-                <a:solidFill>
-                  <a:srgbClr val="1E8900"/>
-                </a:solidFill>
-                <a:latin typeface="Arial" panose="020B0604020202020204" pitchFamily="34" charset="0"/>
-                <a:cs typeface="Arial" panose="020B0604020202020204" pitchFamily="34" charset="0"/>
-              </a:rPr>
-              <a:t>10.0.128.0/20</a:t>
-            </a:r>
-          </a:p>
-        </p:txBody>
-      </p:sp>
-      <p:sp>
-        <p:nvSpPr>
-          <p:cNvPr id="79" name="TextBox 78">
-            <a:extLst>
-              <a:ext uri="{FF2B5EF4-FFF2-40B4-BE49-F238E27FC236}">
-                <a16:creationId xmlns:a16="http://schemas.microsoft.com/office/drawing/2014/main" id="{E76ED1F6-9896-BF41-A08D-E4E02AD54952}"/>
-              </a:ext>
-            </a:extLst>
-          </p:cNvPr>
-          <p:cNvSpPr txBox="1"/>
-          <p:nvPr/>
-        </p:nvSpPr>
-        <p:spPr>
-          <a:xfrm>
-            <a:off x="2076197" y="6024908"/>
-            <a:ext cx="1252704" cy="276999"/>
-          </a:xfrm>
-          <a:prstGeom prst="rect">
-            <a:avLst/>
-          </a:prstGeom>
-          <a:noFill/>
-        </p:spPr>
-        <p:txBody>
-          <a:bodyPr wrap="square" rtlCol="0">
-            <a:spAutoFit/>
-          </a:bodyPr>
-          <a:lstStyle/>
-          <a:p>
-            <a:pPr algn="ctr"/>
-            <a:r>
-              <a:rPr lang="en-US" sz="1200" dirty="0">
-                <a:solidFill>
-                  <a:srgbClr val="007DBC"/>
-                </a:solidFill>
-                <a:latin typeface="Arial" panose="020B0604020202020204" pitchFamily="34" charset="0"/>
-                <a:cs typeface="Arial" panose="020B0604020202020204" pitchFamily="34" charset="0"/>
-              </a:rPr>
-              <a:t>10.0.0.0/19</a:t>
-            </a:r>
-          </a:p>
-        </p:txBody>
-      </p:sp>
-      <p:sp>
-        <p:nvSpPr>
           <p:cNvPr id="80" name="Rectangle 79">
             <a:extLst>
               <a:ext uri="{FF2B5EF4-FFF2-40B4-BE49-F238E27FC236}">
@@ -2303,8 +2219,8 @@
         </p:nvSpPr>
         <p:spPr>
           <a:xfrm>
-            <a:off x="5684186" y="3905698"/>
-            <a:ext cx="2470969" cy="2414536"/>
+            <a:off x="5671319" y="3659964"/>
+            <a:ext cx="2470969" cy="1424609"/>
           </a:xfrm>
           <a:prstGeom prst="rect">
             <a:avLst/>
@@ -2372,8 +2288,8 @@
         </p:nvSpPr>
         <p:spPr>
           <a:xfrm>
-            <a:off x="5517334" y="798578"/>
-            <a:ext cx="2782099" cy="5849653"/>
+            <a:off x="5517334" y="798579"/>
+            <a:ext cx="2782099" cy="4586222"/>
           </a:xfrm>
           <a:prstGeom prst="rect">
             <a:avLst/>
@@ -2489,7 +2405,7 @@
         </p:blipFill>
         <p:spPr>
           <a:xfrm>
-            <a:off x="5685910" y="3903339"/>
+            <a:off x="5673043" y="3654589"/>
             <a:ext cx="274320" cy="274320"/>
           </a:xfrm>
           <a:prstGeom prst="rect">
@@ -2600,7 +2516,7 @@
         </p:blipFill>
         <p:spPr>
           <a:xfrm>
-            <a:off x="6585447" y="4572916"/>
+            <a:off x="6585447" y="4090316"/>
             <a:ext cx="469900" cy="469900"/>
           </a:xfrm>
           <a:prstGeom prst="rect">
@@ -2622,7 +2538,7 @@
         </p:nvSpPr>
         <p:spPr>
           <a:xfrm>
-            <a:off x="6063744" y="5069549"/>
+            <a:off x="6063744" y="4586949"/>
             <a:ext cx="1513305" cy="461665"/>
           </a:xfrm>
           <a:prstGeom prst="rect">
@@ -2647,90 +2563,6 @@
           </a:p>
         </p:txBody>
       </p:sp>
-      <p:sp>
-        <p:nvSpPr>
-          <p:cNvPr id="88" name="TextBox 87">
-            <a:extLst>
-              <a:ext uri="{FF2B5EF4-FFF2-40B4-BE49-F238E27FC236}">
-                <a16:creationId xmlns:a16="http://schemas.microsoft.com/office/drawing/2014/main" id="{656BB493-A1CA-C54E-AE7E-C11ECF1B5686}"/>
-              </a:ext>
-            </a:extLst>
-          </p:cNvPr>
-          <p:cNvSpPr txBox="1"/>
-          <p:nvPr/>
-        </p:nvSpPr>
-        <p:spPr>
-          <a:xfrm>
-            <a:off x="6293318" y="3351700"/>
-            <a:ext cx="1252704" cy="276999"/>
-          </a:xfrm>
-          <a:prstGeom prst="rect">
-            <a:avLst/>
-          </a:prstGeom>
-          <a:noFill/>
-        </p:spPr>
-        <p:txBody>
-          <a:bodyPr wrap="square" rtlCol="0">
-            <a:spAutoFit/>
-          </a:bodyPr>
-          <a:lstStyle/>
-          <a:p>
-            <a:pPr algn="ctr"/>
-            <a:r>
-              <a:rPr lang="en-US" sz="1200" dirty="0">
-                <a:solidFill>
-                  <a:srgbClr val="1E8900"/>
-                </a:solidFill>
-                <a:latin typeface="Arial" panose="020B0604020202020204" pitchFamily="34" charset="0"/>
-                <a:cs typeface="Arial" panose="020B0604020202020204" pitchFamily="34" charset="0"/>
-              </a:rPr>
-              <a:t>10.0.144.0/20</a:t>
-            </a:r>
-          </a:p>
-        </p:txBody>
-      </p:sp>
-      <p:sp>
-        <p:nvSpPr>
-          <p:cNvPr id="89" name="TextBox 88">
-            <a:extLst>
-              <a:ext uri="{FF2B5EF4-FFF2-40B4-BE49-F238E27FC236}">
-                <a16:creationId xmlns:a16="http://schemas.microsoft.com/office/drawing/2014/main" id="{178435E2-2F21-354F-A615-8B8B91FE7564}"/>
-              </a:ext>
-            </a:extLst>
-          </p:cNvPr>
-          <p:cNvSpPr txBox="1"/>
-          <p:nvPr/>
-        </p:nvSpPr>
-        <p:spPr>
-          <a:xfrm>
-            <a:off x="6293318" y="6034698"/>
-            <a:ext cx="1252704" cy="276999"/>
-          </a:xfrm>
-          <a:prstGeom prst="rect">
-            <a:avLst/>
-          </a:prstGeom>
-          <a:noFill/>
-        </p:spPr>
-        <p:txBody>
-          <a:bodyPr wrap="square" rtlCol="0">
-            <a:spAutoFit/>
-          </a:bodyPr>
-          <a:lstStyle/>
-          <a:p>
-            <a:pPr algn="ctr"/>
-            <a:r>
-              <a:rPr lang="en-US" sz="1200" dirty="0">
-                <a:solidFill>
-                  <a:srgbClr val="007DBC"/>
-                </a:solidFill>
-                <a:latin typeface="Arial" panose="020B0604020202020204" pitchFamily="34" charset="0"/>
-                <a:cs typeface="Arial" panose="020B0604020202020204" pitchFamily="34" charset="0"/>
-              </a:rPr>
-              <a:t>10.0.32.0/19</a:t>
-            </a:r>
-          </a:p>
-        </p:txBody>
-      </p:sp>
       <p:cxnSp>
         <p:nvCxnSpPr>
           <p:cNvPr id="90" name="Straight Arrow Connector 89">
@@ -2748,7 +2580,7 @@
         </p:nvCxnSpPr>
         <p:spPr>
           <a:xfrm>
-            <a:off x="5130741" y="4835492"/>
+            <a:off x="5130741" y="4352892"/>
             <a:ext cx="1356004" cy="0"/>
           </a:xfrm>
           <a:prstGeom prst="straightConnector1">
@@ -2794,7 +2626,7 @@
         </p:nvCxnSpPr>
         <p:spPr>
           <a:xfrm flipV="1">
-            <a:off x="3202660" y="4835492"/>
+            <a:off x="3202660" y="4352892"/>
             <a:ext cx="1337047" cy="0"/>
           </a:xfrm>
           <a:prstGeom prst="straightConnector1">
@@ -2823,48 +2655,6 @@
           </a:fontRef>
         </p:style>
       </p:cxnSp>
-      <p:sp>
-        <p:nvSpPr>
-          <p:cNvPr id="92" name="TextBox 91">
-            <a:extLst>
-              <a:ext uri="{FF2B5EF4-FFF2-40B4-BE49-F238E27FC236}">
-                <a16:creationId xmlns:a16="http://schemas.microsoft.com/office/drawing/2014/main" id="{2F99FBBF-A24C-0B47-BB8B-62BCCB84B0C5}"/>
-              </a:ext>
-            </a:extLst>
-          </p:cNvPr>
-          <p:cNvSpPr txBox="1"/>
-          <p:nvPr/>
-        </p:nvSpPr>
-        <p:spPr>
-          <a:xfrm>
-            <a:off x="4094885" y="6186299"/>
-            <a:ext cx="1435022" cy="276999"/>
-          </a:xfrm>
-          <a:prstGeom prst="rect">
-            <a:avLst/>
-          </a:prstGeom>
-          <a:noFill/>
-        </p:spPr>
-        <p:txBody>
-          <a:bodyPr wrap="square" rtlCol="0">
-            <a:spAutoFit/>
-          </a:bodyPr>
-          <a:lstStyle/>
-          <a:p>
-            <a:pPr algn="ctr"/>
-            <a:r>
-              <a:rPr lang="en-US" sz="1200" dirty="0">
-                <a:solidFill>
-                  <a:srgbClr val="1E8900"/>
-                </a:solidFill>
-                <a:latin typeface="Arial" panose="020B0604020202020204" pitchFamily="34" charset="0"/>
-                <a:cs typeface="Arial" panose="020B0604020202020204" pitchFamily="34" charset="0"/>
-              </a:rPr>
-              <a:t>10.0.0.0/16</a:t>
-            </a:r>
-          </a:p>
-        </p:txBody>
-      </p:sp>
       <p:sp>
         <p:nvSpPr>
           <p:cNvPr id="93" name="Rectangle 92">
@@ -2966,7 +2756,7 @@
         </p:nvSpPr>
         <p:spPr>
           <a:xfrm>
-            <a:off x="9311797" y="412799"/>
+            <a:off x="9311797" y="120699"/>
             <a:ext cx="2750358" cy="2585323"/>
           </a:xfrm>
           <a:prstGeom prst="rect">
